--- a/Programming 4/12.2 Functional Programming 2/12.2 Functional Programming 2.pptx
+++ b/Programming 4/12.2 Functional Programming 2/12.2 Functional Programming 2.pptx
@@ -1,6 +1,6 @@
 
 <file path=ppt/presentation.xml><?xml version="1.0" encoding="utf-8"?>
-<p:presentation xmlns:a="http://schemas.openxmlformats.org/drawingml/2006/main" xmlns:r="http://schemas.openxmlformats.org/officeDocument/2006/relationships" xmlns:p="http://schemas.openxmlformats.org/presentationml/2006/main" saveSubsetFonts="1">
+<p:presentation xmlns:a="http://schemas.openxmlformats.org/drawingml/2006/main" xmlns:r="http://schemas.openxmlformats.org/officeDocument/2006/relationships" xmlns:p="http://schemas.openxmlformats.org/presentationml/2006/main" saveSubsetFonts="1" autoCompressPictures="0">
   <p:sldMasterIdLst>
     <p:sldMasterId id="2147483648" r:id="rId1"/>
   </p:sldMasterIdLst>
@@ -8,33 +8,33 @@
     <p:notesMasterId r:id="rId27"/>
   </p:notesMasterIdLst>
   <p:sldIdLst>
-    <p:sldId id="257" r:id="rId2"/>
-    <p:sldId id="258" r:id="rId3"/>
-    <p:sldId id="259" r:id="rId4"/>
-    <p:sldId id="260" r:id="rId5"/>
-    <p:sldId id="261" r:id="rId6"/>
-    <p:sldId id="262" r:id="rId7"/>
-    <p:sldId id="263" r:id="rId8"/>
-    <p:sldId id="264" r:id="rId9"/>
-    <p:sldId id="265" r:id="rId10"/>
-    <p:sldId id="266" r:id="rId11"/>
-    <p:sldId id="267" r:id="rId12"/>
-    <p:sldId id="268" r:id="rId13"/>
-    <p:sldId id="269" r:id="rId14"/>
-    <p:sldId id="270" r:id="rId15"/>
-    <p:sldId id="272" r:id="rId16"/>
-    <p:sldId id="273" r:id="rId17"/>
-    <p:sldId id="274" r:id="rId18"/>
-    <p:sldId id="275" r:id="rId19"/>
-    <p:sldId id="276" r:id="rId20"/>
-    <p:sldId id="271" r:id="rId21"/>
-    <p:sldId id="277" r:id="rId22"/>
-    <p:sldId id="278" r:id="rId23"/>
-    <p:sldId id="279" r:id="rId24"/>
-    <p:sldId id="280" r:id="rId25"/>
-    <p:sldId id="281" r:id="rId26"/>
+    <p:sldId id="256" r:id="rId2"/>
+    <p:sldId id="257" r:id="rId3"/>
+    <p:sldId id="267" r:id="rId4"/>
+    <p:sldId id="258" r:id="rId5"/>
+    <p:sldId id="262" r:id="rId6"/>
+    <p:sldId id="263" r:id="rId7"/>
+    <p:sldId id="264" r:id="rId8"/>
+    <p:sldId id="265" r:id="rId9"/>
+    <p:sldId id="266" r:id="rId10"/>
+    <p:sldId id="278" r:id="rId11"/>
+    <p:sldId id="276" r:id="rId12"/>
+    <p:sldId id="280" r:id="rId13"/>
+    <p:sldId id="259" r:id="rId14"/>
+    <p:sldId id="268" r:id="rId15"/>
+    <p:sldId id="269" r:id="rId16"/>
+    <p:sldId id="271" r:id="rId17"/>
+    <p:sldId id="270" r:id="rId18"/>
+    <p:sldId id="272" r:id="rId19"/>
+    <p:sldId id="260" r:id="rId20"/>
+    <p:sldId id="273" r:id="rId21"/>
+    <p:sldId id="274" r:id="rId22"/>
+    <p:sldId id="279" r:id="rId23"/>
+    <p:sldId id="275" r:id="rId24"/>
+    <p:sldId id="261" r:id="rId25"/>
+    <p:sldId id="277" r:id="rId26"/>
   </p:sldIdLst>
-  <p:sldSz cx="9144000" cy="6858000" type="screen4x3"/>
+  <p:sldSz cx="12192000" cy="6858000"/>
   <p:notesSz cx="6858000" cy="9144000"/>
   <p:defaultTextStyle>
     <a:defPPr>
@@ -134,12 +134,12 @@
   <p:extLst>
     <p:ext uri="{EFAFB233-063F-42B5-8137-9DF3F51BA10A}">
       <p15:sldGuideLst xmlns:p15="http://schemas.microsoft.com/office/powerpoint/2012/main">
-        <p15:guide id="1" orient="horz" pos="2160">
+        <p15:guide id="1" orient="horz" pos="2160" userDrawn="1">
           <p15:clr>
             <a:srgbClr val="A4A3A4"/>
           </p15:clr>
         </p15:guide>
-        <p15:guide id="2" pos="2880">
+        <p15:guide id="2" pos="3840" userDrawn="1">
           <p15:clr>
             <a:srgbClr val="A4A3A4"/>
           </p15:clr>
@@ -230,9 +230,9 @@
             </a:lvl1pPr>
           </a:lstStyle>
           <a:p>
-            <a:fld id="{A5ED20E4-6088-8A4D-ACD4-50919E9A99A8}" type="datetimeFigureOut">
-              <a:rPr lang="en-US" smtClean="0"/>
-              <a:t>7/8/19</a:t>
+            <a:fld id="{5C15C721-1CBE-9B49-BE99-3A9DF18FA391}" type="datetimeFigureOut">
+              <a:rPr lang="en-US" smtClean="0"/>
+              <a:t>10/23/19</a:t>
             </a:fld>
             <a:endParaRPr lang="en-US"/>
           </a:p>
@@ -250,8 +250,8 @@
         </p:nvSpPr>
         <p:spPr>
           <a:xfrm>
-            <a:off x="1371600" y="1143000"/>
-            <a:ext cx="4114800" cy="3086100"/>
+            <a:off x="685800" y="1143000"/>
+            <a:ext cx="5486400" cy="3086100"/>
           </a:xfrm>
           <a:prstGeom prst="rect">
             <a:avLst/>
@@ -389,7 +389,7 @@
             </a:lvl1pPr>
           </a:lstStyle>
           <a:p>
-            <a:fld id="{707C0EEB-51BC-6C46-9586-D8012D26159B}" type="slidenum">
+            <a:fld id="{5C949890-84D1-B346-997E-B43A2CF20212}" type="slidenum">
               <a:rPr lang="en-US" smtClean="0"/>
               <a:t>‹#›</a:t>
             </a:fld>
@@ -400,7 +400,7 @@
     </p:spTree>
     <p:extLst>
       <p:ext uri="{BB962C8B-B14F-4D97-AF65-F5344CB8AC3E}">
-        <p14:creationId xmlns:p14="http://schemas.microsoft.com/office/powerpoint/2010/main" val="131676176"/>
+        <p14:creationId xmlns:p14="http://schemas.microsoft.com/office/powerpoint/2010/main" val="57659444"/>
       </p:ext>
     </p:extLst>
   </p:cSld>
@@ -500,6 +500,2407 @@
 </p:notesMaster>
 </file>
 
+<file path=ppt/notesSlides/notesSlide1.xml><?xml version="1.0" encoding="utf-8"?>
+<p:notes xmlns:a="http://schemas.openxmlformats.org/drawingml/2006/main" xmlns:r="http://schemas.openxmlformats.org/officeDocument/2006/relationships" xmlns:p="http://schemas.openxmlformats.org/presentationml/2006/main">
+  <p:cSld>
+    <p:spTree>
+      <p:nvGrpSpPr>
+        <p:cNvPr id="1" name=""/>
+        <p:cNvGrpSpPr/>
+        <p:nvPr/>
+      </p:nvGrpSpPr>
+      <p:grpSpPr>
+        <a:xfrm>
+          <a:off x="0" y="0"/>
+          <a:ext cx="0" cy="0"/>
+          <a:chOff x="0" y="0"/>
+          <a:chExt cx="0" cy="0"/>
+        </a:xfrm>
+      </p:grpSpPr>
+      <p:sp>
+        <p:nvSpPr>
+          <p:cNvPr id="2" name="Slide Image Placeholder 1"/>
+          <p:cNvSpPr>
+            <a:spLocks noGrp="1" noRot="1" noChangeAspect="1"/>
+          </p:cNvSpPr>
+          <p:nvPr>
+            <p:ph type="sldImg"/>
+          </p:nvPr>
+        </p:nvSpPr>
+        <p:spPr/>
+      </p:sp>
+      <p:sp>
+        <p:nvSpPr>
+          <p:cNvPr id="3" name="Notes Placeholder 2"/>
+          <p:cNvSpPr>
+            <a:spLocks noGrp="1"/>
+          </p:cNvSpPr>
+          <p:nvPr>
+            <p:ph type="body" idx="1"/>
+          </p:nvPr>
+        </p:nvSpPr>
+        <p:spPr/>
+        <p:txBody>
+          <a:bodyPr/>
+          <a:lstStyle/>
+          <a:p>
+            <a:pPr marL="171450" indent="-171450">
+              <a:buFont typeface="Arial" charset="0"/>
+              <a:buChar char="•"/>
+            </a:pPr>
+            <a:endParaRPr lang="en-US" baseline="0" dirty="0" smtClean="0"/>
+          </a:p>
+        </p:txBody>
+      </p:sp>
+      <p:sp>
+        <p:nvSpPr>
+          <p:cNvPr id="4" name="Slide Number Placeholder 3"/>
+          <p:cNvSpPr>
+            <a:spLocks noGrp="1"/>
+          </p:cNvSpPr>
+          <p:nvPr>
+            <p:ph type="sldNum" sz="quarter" idx="10"/>
+          </p:nvPr>
+        </p:nvSpPr>
+        <p:spPr/>
+        <p:txBody>
+          <a:bodyPr/>
+          <a:lstStyle/>
+          <a:p>
+            <a:fld id="{5C949890-84D1-B346-997E-B43A2CF20212}" type="slidenum">
+              <a:rPr lang="en-US" smtClean="0"/>
+              <a:t>2</a:t>
+            </a:fld>
+            <a:endParaRPr lang="en-US"/>
+          </a:p>
+        </p:txBody>
+      </p:sp>
+    </p:spTree>
+    <p:extLst>
+      <p:ext uri="{BB962C8B-B14F-4D97-AF65-F5344CB8AC3E}">
+        <p14:creationId xmlns:p14="http://schemas.microsoft.com/office/powerpoint/2010/main" val="1858988230"/>
+      </p:ext>
+    </p:extLst>
+  </p:cSld>
+  <p:clrMapOvr>
+    <a:masterClrMapping/>
+  </p:clrMapOvr>
+</p:notes>
+</file>
+
+<file path=ppt/notesSlides/notesSlide10.xml><?xml version="1.0" encoding="utf-8"?>
+<p:notes xmlns:a="http://schemas.openxmlformats.org/drawingml/2006/main" xmlns:r="http://schemas.openxmlformats.org/officeDocument/2006/relationships" xmlns:p="http://schemas.openxmlformats.org/presentationml/2006/main">
+  <p:cSld>
+    <p:spTree>
+      <p:nvGrpSpPr>
+        <p:cNvPr id="1" name=""/>
+        <p:cNvGrpSpPr/>
+        <p:nvPr/>
+      </p:nvGrpSpPr>
+      <p:grpSpPr>
+        <a:xfrm>
+          <a:off x="0" y="0"/>
+          <a:ext cx="0" cy="0"/>
+          <a:chOff x="0" y="0"/>
+          <a:chExt cx="0" cy="0"/>
+        </a:xfrm>
+      </p:grpSpPr>
+      <p:sp>
+        <p:nvSpPr>
+          <p:cNvPr id="2" name="Slide Image Placeholder 1"/>
+          <p:cNvSpPr>
+            <a:spLocks noGrp="1" noRot="1" noChangeAspect="1"/>
+          </p:cNvSpPr>
+          <p:nvPr>
+            <p:ph type="sldImg"/>
+          </p:nvPr>
+        </p:nvSpPr>
+        <p:spPr/>
+      </p:sp>
+      <p:sp>
+        <p:nvSpPr>
+          <p:cNvPr id="3" name="Notes Placeholder 2"/>
+          <p:cNvSpPr>
+            <a:spLocks noGrp="1"/>
+          </p:cNvSpPr>
+          <p:nvPr>
+            <p:ph type="body" idx="1"/>
+          </p:nvPr>
+        </p:nvSpPr>
+        <p:spPr/>
+        <p:txBody>
+          <a:bodyPr/>
+          <a:lstStyle/>
+          <a:p>
+            <a:pPr marL="171450" indent="-171450">
+              <a:buFont typeface="Arial" charset="0"/>
+              <a:buChar char="•"/>
+            </a:pPr>
+            <a:r>
+              <a:rPr lang="en-US" i="0" baseline="0" dirty="0" smtClean="0"/>
+              <a:t>List comprehensions are found in various languages such as JavaScript, R, Ruby and Scheme. Of course there are plenty more</a:t>
+            </a:r>
+            <a:r>
+              <a:rPr lang="mr-IN" i="0" baseline="0" dirty="0" smtClean="0"/>
+              <a:t>…</a:t>
+            </a:r>
+            <a:endParaRPr lang="en-AU" i="0" baseline="0" dirty="0" smtClean="0"/>
+          </a:p>
+          <a:p>
+            <a:pPr marL="171450" indent="-171450">
+              <a:buFont typeface="Arial" charset="0"/>
+              <a:buChar char="•"/>
+            </a:pPr>
+            <a:r>
+              <a:rPr lang="en-AU" i="0" baseline="0" dirty="0" smtClean="0"/>
+              <a:t>You can also do dictionary and set comprehensions</a:t>
+            </a:r>
+          </a:p>
+          <a:p>
+            <a:pPr marL="171450" indent="-171450">
+              <a:buFont typeface="Arial" charset="0"/>
+              <a:buChar char="•"/>
+            </a:pPr>
+            <a:r>
+              <a:rPr lang="en-AU" i="0" baseline="0" dirty="0" smtClean="0"/>
+              <a:t>List comprehensions can be less readable due to limited amounts of white space. Imperative-style uses indentations making it easier to read but more lines of code</a:t>
+            </a:r>
+          </a:p>
+          <a:p>
+            <a:pPr marL="171450" indent="-171450">
+              <a:buFont typeface="Arial" charset="0"/>
+              <a:buChar char="•"/>
+            </a:pPr>
+            <a:r>
+              <a:rPr lang="en-AU" i="0" baseline="0" dirty="0" smtClean="0"/>
+              <a:t>If you find one liners difficult, list compressions allow line breaks</a:t>
+            </a:r>
+            <a:endParaRPr lang="en-US" i="0" baseline="0" dirty="0" smtClean="0"/>
+          </a:p>
+        </p:txBody>
+      </p:sp>
+      <p:sp>
+        <p:nvSpPr>
+          <p:cNvPr id="4" name="Slide Number Placeholder 3"/>
+          <p:cNvSpPr>
+            <a:spLocks noGrp="1"/>
+          </p:cNvSpPr>
+          <p:nvPr>
+            <p:ph type="sldNum" sz="quarter" idx="10"/>
+          </p:nvPr>
+        </p:nvSpPr>
+        <p:spPr/>
+        <p:txBody>
+          <a:bodyPr/>
+          <a:lstStyle/>
+          <a:p>
+            <a:fld id="{5C949890-84D1-B346-997E-B43A2CF20212}" type="slidenum">
+              <a:rPr lang="en-US" smtClean="0"/>
+              <a:t>11</a:t>
+            </a:fld>
+            <a:endParaRPr lang="en-US"/>
+          </a:p>
+        </p:txBody>
+      </p:sp>
+    </p:spTree>
+    <p:extLst>
+      <p:ext uri="{BB962C8B-B14F-4D97-AF65-F5344CB8AC3E}">
+        <p14:creationId xmlns:p14="http://schemas.microsoft.com/office/powerpoint/2010/main" val="333775516"/>
+      </p:ext>
+    </p:extLst>
+  </p:cSld>
+  <p:clrMapOvr>
+    <a:masterClrMapping/>
+  </p:clrMapOvr>
+</p:notes>
+</file>
+
+<file path=ppt/notesSlides/notesSlide11.xml><?xml version="1.0" encoding="utf-8"?>
+<p:notes xmlns:a="http://schemas.openxmlformats.org/drawingml/2006/main" xmlns:r="http://schemas.openxmlformats.org/officeDocument/2006/relationships" xmlns:p="http://schemas.openxmlformats.org/presentationml/2006/main">
+  <p:cSld>
+    <p:spTree>
+      <p:nvGrpSpPr>
+        <p:cNvPr id="1" name=""/>
+        <p:cNvGrpSpPr/>
+        <p:nvPr/>
+      </p:nvGrpSpPr>
+      <p:grpSpPr>
+        <a:xfrm>
+          <a:off x="0" y="0"/>
+          <a:ext cx="0" cy="0"/>
+          <a:chOff x="0" y="0"/>
+          <a:chExt cx="0" cy="0"/>
+        </a:xfrm>
+      </p:grpSpPr>
+      <p:sp>
+        <p:nvSpPr>
+          <p:cNvPr id="2" name="Slide Image Placeholder 1"/>
+          <p:cNvSpPr>
+            <a:spLocks noGrp="1" noRot="1" noChangeAspect="1"/>
+          </p:cNvSpPr>
+          <p:nvPr>
+            <p:ph type="sldImg"/>
+          </p:nvPr>
+        </p:nvSpPr>
+        <p:spPr/>
+      </p:sp>
+      <p:sp>
+        <p:nvSpPr>
+          <p:cNvPr id="3" name="Notes Placeholder 2"/>
+          <p:cNvSpPr>
+            <a:spLocks noGrp="1"/>
+          </p:cNvSpPr>
+          <p:nvPr>
+            <p:ph type="body" idx="1"/>
+          </p:nvPr>
+        </p:nvSpPr>
+        <p:spPr/>
+        <p:txBody>
+          <a:bodyPr/>
+          <a:lstStyle/>
+          <a:p>
+            <a:pPr marL="171450" indent="-171450">
+              <a:buFont typeface="Arial" charset="0"/>
+              <a:buChar char="•"/>
+            </a:pPr>
+            <a:endParaRPr lang="en-US" i="0" baseline="0" dirty="0" smtClean="0"/>
+          </a:p>
+        </p:txBody>
+      </p:sp>
+      <p:sp>
+        <p:nvSpPr>
+          <p:cNvPr id="4" name="Slide Number Placeholder 3"/>
+          <p:cNvSpPr>
+            <a:spLocks noGrp="1"/>
+          </p:cNvSpPr>
+          <p:nvPr>
+            <p:ph type="sldNum" sz="quarter" idx="10"/>
+          </p:nvPr>
+        </p:nvSpPr>
+        <p:spPr/>
+        <p:txBody>
+          <a:bodyPr/>
+          <a:lstStyle/>
+          <a:p>
+            <a:fld id="{5C949890-84D1-B346-997E-B43A2CF20212}" type="slidenum">
+              <a:rPr lang="en-US" smtClean="0"/>
+              <a:t>12</a:t>
+            </a:fld>
+            <a:endParaRPr lang="en-US"/>
+          </a:p>
+        </p:txBody>
+      </p:sp>
+    </p:spTree>
+    <p:extLst>
+      <p:ext uri="{BB962C8B-B14F-4D97-AF65-F5344CB8AC3E}">
+        <p14:creationId xmlns:p14="http://schemas.microsoft.com/office/powerpoint/2010/main" val="488534677"/>
+      </p:ext>
+    </p:extLst>
+  </p:cSld>
+  <p:clrMapOvr>
+    <a:masterClrMapping/>
+  </p:clrMapOvr>
+</p:notes>
+</file>
+
+<file path=ppt/notesSlides/notesSlide12.xml><?xml version="1.0" encoding="utf-8"?>
+<p:notes xmlns:a="http://schemas.openxmlformats.org/drawingml/2006/main" xmlns:r="http://schemas.openxmlformats.org/officeDocument/2006/relationships" xmlns:p="http://schemas.openxmlformats.org/presentationml/2006/main">
+  <p:cSld>
+    <p:spTree>
+      <p:nvGrpSpPr>
+        <p:cNvPr id="1" name=""/>
+        <p:cNvGrpSpPr/>
+        <p:nvPr/>
+      </p:nvGrpSpPr>
+      <p:grpSpPr>
+        <a:xfrm>
+          <a:off x="0" y="0"/>
+          <a:ext cx="0" cy="0"/>
+          <a:chOff x="0" y="0"/>
+          <a:chExt cx="0" cy="0"/>
+        </a:xfrm>
+      </p:grpSpPr>
+      <p:sp>
+        <p:nvSpPr>
+          <p:cNvPr id="2" name="Slide Image Placeholder 1"/>
+          <p:cNvSpPr>
+            <a:spLocks noGrp="1" noRot="1" noChangeAspect="1"/>
+          </p:cNvSpPr>
+          <p:nvPr>
+            <p:ph type="sldImg"/>
+          </p:nvPr>
+        </p:nvSpPr>
+        <p:spPr/>
+      </p:sp>
+      <p:sp>
+        <p:nvSpPr>
+          <p:cNvPr id="3" name="Notes Placeholder 2"/>
+          <p:cNvSpPr>
+            <a:spLocks noGrp="1"/>
+          </p:cNvSpPr>
+          <p:nvPr>
+            <p:ph type="body" idx="1"/>
+          </p:nvPr>
+        </p:nvSpPr>
+        <p:spPr/>
+        <p:txBody>
+          <a:bodyPr/>
+          <a:lstStyle/>
+          <a:p>
+            <a:pPr marL="171450" indent="-171450">
+              <a:buFont typeface="Arial" charset="0"/>
+              <a:buChar char="•"/>
+            </a:pPr>
+            <a:r>
+              <a:rPr lang="en-US" baseline="0" dirty="0" smtClean="0"/>
+              <a:t>You will note that a list comprehension requires something that is iterable such as a list, tuple (immutable), string and dictionary</a:t>
+            </a:r>
+          </a:p>
+        </p:txBody>
+      </p:sp>
+      <p:sp>
+        <p:nvSpPr>
+          <p:cNvPr id="4" name="Slide Number Placeholder 3"/>
+          <p:cNvSpPr>
+            <a:spLocks noGrp="1"/>
+          </p:cNvSpPr>
+          <p:nvPr>
+            <p:ph type="sldNum" sz="quarter" idx="10"/>
+          </p:nvPr>
+        </p:nvSpPr>
+        <p:spPr/>
+        <p:txBody>
+          <a:bodyPr/>
+          <a:lstStyle/>
+          <a:p>
+            <a:fld id="{5C949890-84D1-B346-997E-B43A2CF20212}" type="slidenum">
+              <a:rPr lang="en-US" smtClean="0"/>
+              <a:t>13</a:t>
+            </a:fld>
+            <a:endParaRPr lang="en-US"/>
+          </a:p>
+        </p:txBody>
+      </p:sp>
+    </p:spTree>
+    <p:extLst>
+      <p:ext uri="{BB962C8B-B14F-4D97-AF65-F5344CB8AC3E}">
+        <p14:creationId xmlns:p14="http://schemas.microsoft.com/office/powerpoint/2010/main" val="1604741206"/>
+      </p:ext>
+    </p:extLst>
+  </p:cSld>
+  <p:clrMapOvr>
+    <a:masterClrMapping/>
+  </p:clrMapOvr>
+</p:notes>
+</file>
+
+<file path=ppt/notesSlides/notesSlide13.xml><?xml version="1.0" encoding="utf-8"?>
+<p:notes xmlns:a="http://schemas.openxmlformats.org/drawingml/2006/main" xmlns:r="http://schemas.openxmlformats.org/officeDocument/2006/relationships" xmlns:p="http://schemas.openxmlformats.org/presentationml/2006/main">
+  <p:cSld>
+    <p:spTree>
+      <p:nvGrpSpPr>
+        <p:cNvPr id="1" name=""/>
+        <p:cNvGrpSpPr/>
+        <p:nvPr/>
+      </p:nvGrpSpPr>
+      <p:grpSpPr>
+        <a:xfrm>
+          <a:off x="0" y="0"/>
+          <a:ext cx="0" cy="0"/>
+          <a:chOff x="0" y="0"/>
+          <a:chExt cx="0" cy="0"/>
+        </a:xfrm>
+      </p:grpSpPr>
+      <p:sp>
+        <p:nvSpPr>
+          <p:cNvPr id="2" name="Slide Image Placeholder 1"/>
+          <p:cNvSpPr>
+            <a:spLocks noGrp="1" noRot="1" noChangeAspect="1"/>
+          </p:cNvSpPr>
+          <p:nvPr>
+            <p:ph type="sldImg"/>
+          </p:nvPr>
+        </p:nvSpPr>
+        <p:spPr/>
+      </p:sp>
+      <p:sp>
+        <p:nvSpPr>
+          <p:cNvPr id="3" name="Notes Placeholder 2"/>
+          <p:cNvSpPr>
+            <a:spLocks noGrp="1"/>
+          </p:cNvSpPr>
+          <p:nvPr>
+            <p:ph type="body" idx="1"/>
+          </p:nvPr>
+        </p:nvSpPr>
+        <p:spPr/>
+        <p:txBody>
+          <a:bodyPr/>
+          <a:lstStyle/>
+          <a:p>
+            <a:pPr marL="171450" indent="-171450">
+              <a:buFont typeface="Arial" charset="0"/>
+              <a:buChar char="•"/>
+            </a:pPr>
+            <a:r>
+              <a:rPr lang="en-US" baseline="0" dirty="0" smtClean="0"/>
+              <a:t>Assume we want to write a class that makes sentences into an iterable set of words</a:t>
+            </a:r>
+          </a:p>
+          <a:p>
+            <a:pPr marL="171450" indent="-171450">
+              <a:buFont typeface="Arial" charset="0"/>
+              <a:buChar char="•"/>
+            </a:pPr>
+            <a:r>
+              <a:rPr lang="en-US" baseline="0" dirty="0" smtClean="0"/>
+              <a:t>Note you can already do this by using </a:t>
+            </a:r>
+            <a:r>
+              <a:rPr lang="en-US" i="1" baseline="0" dirty="0" smtClean="0"/>
+              <a:t>split()</a:t>
+            </a:r>
+          </a:p>
+          <a:p>
+            <a:pPr marL="171450" indent="-171450">
+              <a:buFont typeface="Arial" charset="0"/>
+              <a:buChar char="•"/>
+            </a:pPr>
+            <a:r>
+              <a:rPr lang="en-US" i="0" baseline="0" dirty="0" smtClean="0"/>
+              <a:t>Our plan is to take the input and convert it into a list of words with </a:t>
+            </a:r>
+            <a:r>
+              <a:rPr lang="en-US" i="1" baseline="0" dirty="0" smtClean="0"/>
+              <a:t>split()</a:t>
+            </a:r>
+          </a:p>
+          <a:p>
+            <a:pPr marL="171450" indent="-171450">
+              <a:buFont typeface="Arial" charset="0"/>
+              <a:buChar char="•"/>
+            </a:pPr>
+            <a:r>
+              <a:rPr lang="en-US" i="0" baseline="0" dirty="0" smtClean="0"/>
+              <a:t>We will keep an index counter that goes through the list</a:t>
+            </a:r>
+          </a:p>
+          <a:p>
+            <a:pPr marL="171450" indent="-171450">
+              <a:buFont typeface="Arial" charset="0"/>
+              <a:buChar char="•"/>
+            </a:pPr>
+            <a:r>
+              <a:rPr lang="en-US" i="0" baseline="0" dirty="0" smtClean="0"/>
+              <a:t>Each time </a:t>
+            </a:r>
+            <a:r>
+              <a:rPr lang="en-US" i="1" baseline="0" dirty="0" smtClean="0"/>
+              <a:t>__next__ </a:t>
+            </a:r>
+            <a:r>
+              <a:rPr lang="en-US" i="0" baseline="0" dirty="0" smtClean="0"/>
+              <a:t>is called, we update the counter and either return the word or exit</a:t>
+            </a:r>
+          </a:p>
+        </p:txBody>
+      </p:sp>
+      <p:sp>
+        <p:nvSpPr>
+          <p:cNvPr id="4" name="Slide Number Placeholder 3"/>
+          <p:cNvSpPr>
+            <a:spLocks noGrp="1"/>
+          </p:cNvSpPr>
+          <p:nvPr>
+            <p:ph type="sldNum" sz="quarter" idx="10"/>
+          </p:nvPr>
+        </p:nvSpPr>
+        <p:spPr/>
+        <p:txBody>
+          <a:bodyPr/>
+          <a:lstStyle/>
+          <a:p>
+            <a:fld id="{5C949890-84D1-B346-997E-B43A2CF20212}" type="slidenum">
+              <a:rPr lang="en-US" smtClean="0"/>
+              <a:t>14</a:t>
+            </a:fld>
+            <a:endParaRPr lang="en-US"/>
+          </a:p>
+        </p:txBody>
+      </p:sp>
+    </p:spTree>
+    <p:extLst>
+      <p:ext uri="{BB962C8B-B14F-4D97-AF65-F5344CB8AC3E}">
+        <p14:creationId xmlns:p14="http://schemas.microsoft.com/office/powerpoint/2010/main" val="1892120996"/>
+      </p:ext>
+    </p:extLst>
+  </p:cSld>
+  <p:clrMapOvr>
+    <a:masterClrMapping/>
+  </p:clrMapOvr>
+</p:notes>
+</file>
+
+<file path=ppt/notesSlides/notesSlide14.xml><?xml version="1.0" encoding="utf-8"?>
+<p:notes xmlns:a="http://schemas.openxmlformats.org/drawingml/2006/main" xmlns:r="http://schemas.openxmlformats.org/officeDocument/2006/relationships" xmlns:p="http://schemas.openxmlformats.org/presentationml/2006/main">
+  <p:cSld>
+    <p:spTree>
+      <p:nvGrpSpPr>
+        <p:cNvPr id="1" name=""/>
+        <p:cNvGrpSpPr/>
+        <p:nvPr/>
+      </p:nvGrpSpPr>
+      <p:grpSpPr>
+        <a:xfrm>
+          <a:off x="0" y="0"/>
+          <a:ext cx="0" cy="0"/>
+          <a:chOff x="0" y="0"/>
+          <a:chExt cx="0" cy="0"/>
+        </a:xfrm>
+      </p:grpSpPr>
+      <p:sp>
+        <p:nvSpPr>
+          <p:cNvPr id="2" name="Slide Image Placeholder 1"/>
+          <p:cNvSpPr>
+            <a:spLocks noGrp="1" noRot="1" noChangeAspect="1"/>
+          </p:cNvSpPr>
+          <p:nvPr>
+            <p:ph type="sldImg"/>
+          </p:nvPr>
+        </p:nvSpPr>
+        <p:spPr/>
+      </p:sp>
+      <p:sp>
+        <p:nvSpPr>
+          <p:cNvPr id="3" name="Notes Placeholder 2"/>
+          <p:cNvSpPr>
+            <a:spLocks noGrp="1"/>
+          </p:cNvSpPr>
+          <p:nvPr>
+            <p:ph type="body" idx="1"/>
+          </p:nvPr>
+        </p:nvSpPr>
+        <p:spPr/>
+        <p:txBody>
+          <a:bodyPr/>
+          <a:lstStyle/>
+          <a:p>
+            <a:pPr marL="171450" indent="-171450">
+              <a:buFont typeface="Arial" charset="0"/>
+              <a:buChar char="•"/>
+            </a:pPr>
+            <a:r>
+              <a:rPr lang="en-US" i="0" baseline="0" dirty="0" smtClean="0"/>
+              <a:t>Note that you don’t see any exception is being thrown. It’s not treated as an error in this case. It’s more like an event, and the for loop knows that it means “stop looping”</a:t>
+            </a:r>
+          </a:p>
+        </p:txBody>
+      </p:sp>
+      <p:sp>
+        <p:nvSpPr>
+          <p:cNvPr id="4" name="Slide Number Placeholder 3"/>
+          <p:cNvSpPr>
+            <a:spLocks noGrp="1"/>
+          </p:cNvSpPr>
+          <p:nvPr>
+            <p:ph type="sldNum" sz="quarter" idx="10"/>
+          </p:nvPr>
+        </p:nvSpPr>
+        <p:spPr/>
+        <p:txBody>
+          <a:bodyPr/>
+          <a:lstStyle/>
+          <a:p>
+            <a:fld id="{5C949890-84D1-B346-997E-B43A2CF20212}" type="slidenum">
+              <a:rPr lang="en-US" smtClean="0"/>
+              <a:t>15</a:t>
+            </a:fld>
+            <a:endParaRPr lang="en-US"/>
+          </a:p>
+        </p:txBody>
+      </p:sp>
+    </p:spTree>
+    <p:extLst>
+      <p:ext uri="{BB962C8B-B14F-4D97-AF65-F5344CB8AC3E}">
+        <p14:creationId xmlns:p14="http://schemas.microsoft.com/office/powerpoint/2010/main" val="1794289355"/>
+      </p:ext>
+    </p:extLst>
+  </p:cSld>
+  <p:clrMapOvr>
+    <a:masterClrMapping/>
+  </p:clrMapOvr>
+</p:notes>
+</file>
+
+<file path=ppt/notesSlides/notesSlide15.xml><?xml version="1.0" encoding="utf-8"?>
+<p:notes xmlns:a="http://schemas.openxmlformats.org/drawingml/2006/main" xmlns:r="http://schemas.openxmlformats.org/officeDocument/2006/relationships" xmlns:p="http://schemas.openxmlformats.org/presentationml/2006/main">
+  <p:cSld>
+    <p:spTree>
+      <p:nvGrpSpPr>
+        <p:cNvPr id="1" name=""/>
+        <p:cNvGrpSpPr/>
+        <p:nvPr/>
+      </p:nvGrpSpPr>
+      <p:grpSpPr>
+        <a:xfrm>
+          <a:off x="0" y="0"/>
+          <a:ext cx="0" cy="0"/>
+          <a:chOff x="0" y="0"/>
+          <a:chExt cx="0" cy="0"/>
+        </a:xfrm>
+      </p:grpSpPr>
+      <p:sp>
+        <p:nvSpPr>
+          <p:cNvPr id="2" name="Slide Image Placeholder 1"/>
+          <p:cNvSpPr>
+            <a:spLocks noGrp="1" noRot="1" noChangeAspect="1"/>
+          </p:cNvSpPr>
+          <p:nvPr>
+            <p:ph type="sldImg"/>
+          </p:nvPr>
+        </p:nvSpPr>
+        <p:spPr/>
+      </p:sp>
+      <p:sp>
+        <p:nvSpPr>
+          <p:cNvPr id="3" name="Notes Placeholder 2"/>
+          <p:cNvSpPr>
+            <a:spLocks noGrp="1"/>
+          </p:cNvSpPr>
+          <p:nvPr>
+            <p:ph type="body" idx="1"/>
+          </p:nvPr>
+        </p:nvSpPr>
+        <p:spPr/>
+        <p:txBody>
+          <a:bodyPr/>
+          <a:lstStyle/>
+          <a:p>
+            <a:pPr marL="171450" indent="-171450">
+              <a:buFont typeface="Arial" charset="0"/>
+              <a:buChar char="•"/>
+            </a:pPr>
+            <a:endParaRPr lang="en-US" i="0" baseline="0" dirty="0" smtClean="0"/>
+          </a:p>
+        </p:txBody>
+      </p:sp>
+      <p:sp>
+        <p:nvSpPr>
+          <p:cNvPr id="4" name="Slide Number Placeholder 3"/>
+          <p:cNvSpPr>
+            <a:spLocks noGrp="1"/>
+          </p:cNvSpPr>
+          <p:nvPr>
+            <p:ph type="sldNum" sz="quarter" idx="10"/>
+          </p:nvPr>
+        </p:nvSpPr>
+        <p:spPr/>
+        <p:txBody>
+          <a:bodyPr/>
+          <a:lstStyle/>
+          <a:p>
+            <a:fld id="{5C949890-84D1-B346-997E-B43A2CF20212}" type="slidenum">
+              <a:rPr lang="en-US" smtClean="0"/>
+              <a:t>16</a:t>
+            </a:fld>
+            <a:endParaRPr lang="en-US"/>
+          </a:p>
+        </p:txBody>
+      </p:sp>
+    </p:spTree>
+    <p:extLst>
+      <p:ext uri="{BB962C8B-B14F-4D97-AF65-F5344CB8AC3E}">
+        <p14:creationId xmlns:p14="http://schemas.microsoft.com/office/powerpoint/2010/main" val="417465565"/>
+      </p:ext>
+    </p:extLst>
+  </p:cSld>
+  <p:clrMapOvr>
+    <a:masterClrMapping/>
+  </p:clrMapOvr>
+</p:notes>
+</file>
+
+<file path=ppt/notesSlides/notesSlide16.xml><?xml version="1.0" encoding="utf-8"?>
+<p:notes xmlns:a="http://schemas.openxmlformats.org/drawingml/2006/main" xmlns:r="http://schemas.openxmlformats.org/officeDocument/2006/relationships" xmlns:p="http://schemas.openxmlformats.org/presentationml/2006/main">
+  <p:cSld>
+    <p:spTree>
+      <p:nvGrpSpPr>
+        <p:cNvPr id="1" name=""/>
+        <p:cNvGrpSpPr/>
+        <p:nvPr/>
+      </p:nvGrpSpPr>
+      <p:grpSpPr>
+        <a:xfrm>
+          <a:off x="0" y="0"/>
+          <a:ext cx="0" cy="0"/>
+          <a:chOff x="0" y="0"/>
+          <a:chExt cx="0" cy="0"/>
+        </a:xfrm>
+      </p:grpSpPr>
+      <p:sp>
+        <p:nvSpPr>
+          <p:cNvPr id="2" name="Slide Image Placeholder 1"/>
+          <p:cNvSpPr>
+            <a:spLocks noGrp="1" noRot="1" noChangeAspect="1"/>
+          </p:cNvSpPr>
+          <p:nvPr>
+            <p:ph type="sldImg"/>
+          </p:nvPr>
+        </p:nvSpPr>
+        <p:spPr/>
+      </p:sp>
+      <p:sp>
+        <p:nvSpPr>
+          <p:cNvPr id="3" name="Notes Placeholder 2"/>
+          <p:cNvSpPr>
+            <a:spLocks noGrp="1"/>
+          </p:cNvSpPr>
+          <p:nvPr>
+            <p:ph type="body" idx="1"/>
+          </p:nvPr>
+        </p:nvSpPr>
+        <p:spPr/>
+        <p:txBody>
+          <a:bodyPr/>
+          <a:lstStyle/>
+          <a:p>
+            <a:pPr marL="171450" indent="-171450">
+              <a:buFont typeface="Arial" charset="0"/>
+              <a:buChar char="•"/>
+            </a:pPr>
+            <a:endParaRPr lang="en-US" i="0" baseline="0" dirty="0" smtClean="0"/>
+          </a:p>
+        </p:txBody>
+      </p:sp>
+      <p:sp>
+        <p:nvSpPr>
+          <p:cNvPr id="4" name="Slide Number Placeholder 3"/>
+          <p:cNvSpPr>
+            <a:spLocks noGrp="1"/>
+          </p:cNvSpPr>
+          <p:nvPr>
+            <p:ph type="sldNum" sz="quarter" idx="10"/>
+          </p:nvPr>
+        </p:nvSpPr>
+        <p:spPr/>
+        <p:txBody>
+          <a:bodyPr/>
+          <a:lstStyle/>
+          <a:p>
+            <a:fld id="{5C949890-84D1-B346-997E-B43A2CF20212}" type="slidenum">
+              <a:rPr lang="en-US" smtClean="0"/>
+              <a:t>17</a:t>
+            </a:fld>
+            <a:endParaRPr lang="en-US"/>
+          </a:p>
+        </p:txBody>
+      </p:sp>
+    </p:spTree>
+    <p:extLst>
+      <p:ext uri="{BB962C8B-B14F-4D97-AF65-F5344CB8AC3E}">
+        <p14:creationId xmlns:p14="http://schemas.microsoft.com/office/powerpoint/2010/main" val="1070261099"/>
+      </p:ext>
+    </p:extLst>
+  </p:cSld>
+  <p:clrMapOvr>
+    <a:masterClrMapping/>
+  </p:clrMapOvr>
+</p:notes>
+</file>
+
+<file path=ppt/notesSlides/notesSlide17.xml><?xml version="1.0" encoding="utf-8"?>
+<p:notes xmlns:a="http://schemas.openxmlformats.org/drawingml/2006/main" xmlns:r="http://schemas.openxmlformats.org/officeDocument/2006/relationships" xmlns:p="http://schemas.openxmlformats.org/presentationml/2006/main">
+  <p:cSld>
+    <p:spTree>
+      <p:nvGrpSpPr>
+        <p:cNvPr id="1" name=""/>
+        <p:cNvGrpSpPr/>
+        <p:nvPr/>
+      </p:nvGrpSpPr>
+      <p:grpSpPr>
+        <a:xfrm>
+          <a:off x="0" y="0"/>
+          <a:ext cx="0" cy="0"/>
+          <a:chOff x="0" y="0"/>
+          <a:chExt cx="0" cy="0"/>
+        </a:xfrm>
+      </p:grpSpPr>
+      <p:sp>
+        <p:nvSpPr>
+          <p:cNvPr id="2" name="Slide Image Placeholder 1"/>
+          <p:cNvSpPr>
+            <a:spLocks noGrp="1" noRot="1" noChangeAspect="1"/>
+          </p:cNvSpPr>
+          <p:nvPr>
+            <p:ph type="sldImg"/>
+          </p:nvPr>
+        </p:nvSpPr>
+        <p:spPr/>
+      </p:sp>
+      <p:sp>
+        <p:nvSpPr>
+          <p:cNvPr id="3" name="Notes Placeholder 2"/>
+          <p:cNvSpPr>
+            <a:spLocks noGrp="1"/>
+          </p:cNvSpPr>
+          <p:nvPr>
+            <p:ph type="body" idx="1"/>
+          </p:nvPr>
+        </p:nvSpPr>
+        <p:spPr/>
+        <p:txBody>
+          <a:bodyPr/>
+          <a:lstStyle/>
+          <a:p>
+            <a:pPr marL="171450" indent="-171450">
+              <a:buFont typeface="Arial" charset="0"/>
+              <a:buChar char="•"/>
+            </a:pPr>
+            <a:endParaRPr lang="en-US" i="0" baseline="0" dirty="0" smtClean="0"/>
+          </a:p>
+        </p:txBody>
+      </p:sp>
+      <p:sp>
+        <p:nvSpPr>
+          <p:cNvPr id="4" name="Slide Number Placeholder 3"/>
+          <p:cNvSpPr>
+            <a:spLocks noGrp="1"/>
+          </p:cNvSpPr>
+          <p:nvPr>
+            <p:ph type="sldNum" sz="quarter" idx="10"/>
+          </p:nvPr>
+        </p:nvSpPr>
+        <p:spPr/>
+        <p:txBody>
+          <a:bodyPr/>
+          <a:lstStyle/>
+          <a:p>
+            <a:fld id="{5C949890-84D1-B346-997E-B43A2CF20212}" type="slidenum">
+              <a:rPr lang="en-US" smtClean="0"/>
+              <a:t>18</a:t>
+            </a:fld>
+            <a:endParaRPr lang="en-US"/>
+          </a:p>
+        </p:txBody>
+      </p:sp>
+    </p:spTree>
+    <p:extLst>
+      <p:ext uri="{BB962C8B-B14F-4D97-AF65-F5344CB8AC3E}">
+        <p14:creationId xmlns:p14="http://schemas.microsoft.com/office/powerpoint/2010/main" val="948602118"/>
+      </p:ext>
+    </p:extLst>
+  </p:cSld>
+  <p:clrMapOvr>
+    <a:masterClrMapping/>
+  </p:clrMapOvr>
+</p:notes>
+</file>
+
+<file path=ppt/notesSlides/notesSlide18.xml><?xml version="1.0" encoding="utf-8"?>
+<p:notes xmlns:a="http://schemas.openxmlformats.org/drawingml/2006/main" xmlns:r="http://schemas.openxmlformats.org/officeDocument/2006/relationships" xmlns:p="http://schemas.openxmlformats.org/presentationml/2006/main">
+  <p:cSld>
+    <p:spTree>
+      <p:nvGrpSpPr>
+        <p:cNvPr id="1" name=""/>
+        <p:cNvGrpSpPr/>
+        <p:nvPr/>
+      </p:nvGrpSpPr>
+      <p:grpSpPr>
+        <a:xfrm>
+          <a:off x="0" y="0"/>
+          <a:ext cx="0" cy="0"/>
+          <a:chOff x="0" y="0"/>
+          <a:chExt cx="0" cy="0"/>
+        </a:xfrm>
+      </p:grpSpPr>
+      <p:sp>
+        <p:nvSpPr>
+          <p:cNvPr id="2" name="Slide Image Placeholder 1"/>
+          <p:cNvSpPr>
+            <a:spLocks noGrp="1" noRot="1" noChangeAspect="1"/>
+          </p:cNvSpPr>
+          <p:nvPr>
+            <p:ph type="sldImg"/>
+          </p:nvPr>
+        </p:nvSpPr>
+        <p:spPr/>
+      </p:sp>
+      <p:sp>
+        <p:nvSpPr>
+          <p:cNvPr id="3" name="Notes Placeholder 2"/>
+          <p:cNvSpPr>
+            <a:spLocks noGrp="1"/>
+          </p:cNvSpPr>
+          <p:nvPr>
+            <p:ph type="body" idx="1"/>
+          </p:nvPr>
+        </p:nvSpPr>
+        <p:spPr/>
+        <p:txBody>
+          <a:bodyPr/>
+          <a:lstStyle/>
+          <a:p>
+            <a:pPr marL="171450" indent="-171450">
+              <a:buFont typeface="Arial" charset="0"/>
+              <a:buChar char="•"/>
+            </a:pPr>
+            <a:r>
+              <a:rPr lang="en-US" baseline="0" dirty="0" smtClean="0"/>
+              <a:t>The keyword </a:t>
+            </a:r>
+            <a:r>
+              <a:rPr lang="en-US" i="1" baseline="0" dirty="0" smtClean="0"/>
+              <a:t>yield</a:t>
+            </a:r>
+            <a:r>
+              <a:rPr lang="en-US" baseline="0" dirty="0" smtClean="0"/>
+              <a:t> is used to pause and save the internal state of a value when it is returned</a:t>
+            </a:r>
+          </a:p>
+        </p:txBody>
+      </p:sp>
+      <p:sp>
+        <p:nvSpPr>
+          <p:cNvPr id="4" name="Slide Number Placeholder 3"/>
+          <p:cNvSpPr>
+            <a:spLocks noGrp="1"/>
+          </p:cNvSpPr>
+          <p:nvPr>
+            <p:ph type="sldNum" sz="quarter" idx="10"/>
+          </p:nvPr>
+        </p:nvSpPr>
+        <p:spPr/>
+        <p:txBody>
+          <a:bodyPr/>
+          <a:lstStyle/>
+          <a:p>
+            <a:fld id="{5C949890-84D1-B346-997E-B43A2CF20212}" type="slidenum">
+              <a:rPr lang="en-US" smtClean="0"/>
+              <a:t>19</a:t>
+            </a:fld>
+            <a:endParaRPr lang="en-US"/>
+          </a:p>
+        </p:txBody>
+      </p:sp>
+    </p:spTree>
+    <p:extLst>
+      <p:ext uri="{BB962C8B-B14F-4D97-AF65-F5344CB8AC3E}">
+        <p14:creationId xmlns:p14="http://schemas.microsoft.com/office/powerpoint/2010/main" val="176292847"/>
+      </p:ext>
+    </p:extLst>
+  </p:cSld>
+  <p:clrMapOvr>
+    <a:masterClrMapping/>
+  </p:clrMapOvr>
+</p:notes>
+</file>
+
+<file path=ppt/notesSlides/notesSlide19.xml><?xml version="1.0" encoding="utf-8"?>
+<p:notes xmlns:a="http://schemas.openxmlformats.org/drawingml/2006/main" xmlns:r="http://schemas.openxmlformats.org/officeDocument/2006/relationships" xmlns:p="http://schemas.openxmlformats.org/presentationml/2006/main">
+  <p:cSld>
+    <p:spTree>
+      <p:nvGrpSpPr>
+        <p:cNvPr id="1" name=""/>
+        <p:cNvGrpSpPr/>
+        <p:nvPr/>
+      </p:nvGrpSpPr>
+      <p:grpSpPr>
+        <a:xfrm>
+          <a:off x="0" y="0"/>
+          <a:ext cx="0" cy="0"/>
+          <a:chOff x="0" y="0"/>
+          <a:chExt cx="0" cy="0"/>
+        </a:xfrm>
+      </p:grpSpPr>
+      <p:sp>
+        <p:nvSpPr>
+          <p:cNvPr id="2" name="Slide Image Placeholder 1"/>
+          <p:cNvSpPr>
+            <a:spLocks noGrp="1" noRot="1" noChangeAspect="1"/>
+          </p:cNvSpPr>
+          <p:nvPr>
+            <p:ph type="sldImg"/>
+          </p:nvPr>
+        </p:nvSpPr>
+        <p:spPr/>
+      </p:sp>
+      <p:sp>
+        <p:nvSpPr>
+          <p:cNvPr id="3" name="Notes Placeholder 2"/>
+          <p:cNvSpPr>
+            <a:spLocks noGrp="1"/>
+          </p:cNvSpPr>
+          <p:nvPr>
+            <p:ph type="body" idx="1"/>
+          </p:nvPr>
+        </p:nvSpPr>
+        <p:spPr/>
+        <p:txBody>
+          <a:bodyPr/>
+          <a:lstStyle/>
+          <a:p>
+            <a:pPr marL="171450" indent="-171450">
+              <a:buFont typeface="Arial" charset="0"/>
+              <a:buChar char="•"/>
+            </a:pPr>
+            <a:r>
+              <a:rPr lang="en-US" baseline="0" dirty="0" smtClean="0"/>
+              <a:t>Make sure when you are creating a generator instance, you assign it to a variable </a:t>
+            </a:r>
+            <a:r>
+              <a:rPr lang="mr-IN" baseline="0" dirty="0" smtClean="0"/>
+              <a:t>–</a:t>
+            </a:r>
+            <a:r>
+              <a:rPr lang="en-US" baseline="0" dirty="0" smtClean="0"/>
+              <a:t> creates local storage</a:t>
+            </a:r>
+          </a:p>
+          <a:p>
+            <a:pPr marL="171450" indent="-171450">
+              <a:buFont typeface="Arial" charset="0"/>
+              <a:buChar char="•"/>
+            </a:pPr>
+            <a:r>
+              <a:rPr lang="en-US" baseline="0" dirty="0" smtClean="0"/>
+              <a:t>Just calling the method doesn't</a:t>
+            </a:r>
+            <a:r>
+              <a:rPr lang="mr-IN" baseline="0" dirty="0" smtClean="0"/>
+              <a:t>’</a:t>
+            </a:r>
+            <a:r>
+              <a:rPr lang="en-US" baseline="0" dirty="0" smtClean="0"/>
+              <a:t>t do that </a:t>
+            </a:r>
+            <a:r>
+              <a:rPr lang="mr-IN" baseline="0" dirty="0" smtClean="0"/>
+              <a:t>–</a:t>
+            </a:r>
+            <a:r>
+              <a:rPr lang="en-US" baseline="0" dirty="0" smtClean="0"/>
+              <a:t> no local storage, yield and pause</a:t>
+            </a:r>
+          </a:p>
+        </p:txBody>
+      </p:sp>
+      <p:sp>
+        <p:nvSpPr>
+          <p:cNvPr id="4" name="Slide Number Placeholder 3"/>
+          <p:cNvSpPr>
+            <a:spLocks noGrp="1"/>
+          </p:cNvSpPr>
+          <p:nvPr>
+            <p:ph type="sldNum" sz="quarter" idx="10"/>
+          </p:nvPr>
+        </p:nvSpPr>
+        <p:spPr/>
+        <p:txBody>
+          <a:bodyPr/>
+          <a:lstStyle/>
+          <a:p>
+            <a:fld id="{5C949890-84D1-B346-997E-B43A2CF20212}" type="slidenum">
+              <a:rPr lang="en-US" smtClean="0"/>
+              <a:t>20</a:t>
+            </a:fld>
+            <a:endParaRPr lang="en-US"/>
+          </a:p>
+        </p:txBody>
+      </p:sp>
+    </p:spTree>
+    <p:extLst>
+      <p:ext uri="{BB962C8B-B14F-4D97-AF65-F5344CB8AC3E}">
+        <p14:creationId xmlns:p14="http://schemas.microsoft.com/office/powerpoint/2010/main" val="2096639153"/>
+      </p:ext>
+    </p:extLst>
+  </p:cSld>
+  <p:clrMapOvr>
+    <a:masterClrMapping/>
+  </p:clrMapOvr>
+</p:notes>
+</file>
+
+<file path=ppt/notesSlides/notesSlide2.xml><?xml version="1.0" encoding="utf-8"?>
+<p:notes xmlns:a="http://schemas.openxmlformats.org/drawingml/2006/main" xmlns:r="http://schemas.openxmlformats.org/officeDocument/2006/relationships" xmlns:p="http://schemas.openxmlformats.org/presentationml/2006/main">
+  <p:cSld>
+    <p:spTree>
+      <p:nvGrpSpPr>
+        <p:cNvPr id="1" name=""/>
+        <p:cNvGrpSpPr/>
+        <p:nvPr/>
+      </p:nvGrpSpPr>
+      <p:grpSpPr>
+        <a:xfrm>
+          <a:off x="0" y="0"/>
+          <a:ext cx="0" cy="0"/>
+          <a:chOff x="0" y="0"/>
+          <a:chExt cx="0" cy="0"/>
+        </a:xfrm>
+      </p:grpSpPr>
+      <p:sp>
+        <p:nvSpPr>
+          <p:cNvPr id="2" name="Slide Image Placeholder 1"/>
+          <p:cNvSpPr>
+            <a:spLocks noGrp="1" noRot="1" noChangeAspect="1"/>
+          </p:cNvSpPr>
+          <p:nvPr>
+            <p:ph type="sldImg"/>
+          </p:nvPr>
+        </p:nvSpPr>
+        <p:spPr/>
+      </p:sp>
+      <p:sp>
+        <p:nvSpPr>
+          <p:cNvPr id="3" name="Notes Placeholder 2"/>
+          <p:cNvSpPr>
+            <a:spLocks noGrp="1"/>
+          </p:cNvSpPr>
+          <p:nvPr>
+            <p:ph type="body" idx="1"/>
+          </p:nvPr>
+        </p:nvSpPr>
+        <p:spPr/>
+        <p:txBody>
+          <a:bodyPr/>
+          <a:lstStyle/>
+          <a:p>
+            <a:pPr marL="171450" indent="-171450">
+              <a:buFont typeface="Arial" charset="0"/>
+              <a:buChar char="•"/>
+            </a:pPr>
+            <a:endParaRPr lang="en-US" baseline="0" dirty="0" smtClean="0"/>
+          </a:p>
+        </p:txBody>
+      </p:sp>
+      <p:sp>
+        <p:nvSpPr>
+          <p:cNvPr id="4" name="Slide Number Placeholder 3"/>
+          <p:cNvSpPr>
+            <a:spLocks noGrp="1"/>
+          </p:cNvSpPr>
+          <p:nvPr>
+            <p:ph type="sldNum" sz="quarter" idx="10"/>
+          </p:nvPr>
+        </p:nvSpPr>
+        <p:spPr/>
+        <p:txBody>
+          <a:bodyPr/>
+          <a:lstStyle/>
+          <a:p>
+            <a:fld id="{5C949890-84D1-B346-997E-B43A2CF20212}" type="slidenum">
+              <a:rPr lang="en-US" smtClean="0"/>
+              <a:t>3</a:t>
+            </a:fld>
+            <a:endParaRPr lang="en-US"/>
+          </a:p>
+        </p:txBody>
+      </p:sp>
+    </p:spTree>
+    <p:extLst>
+      <p:ext uri="{BB962C8B-B14F-4D97-AF65-F5344CB8AC3E}">
+        <p14:creationId xmlns:p14="http://schemas.microsoft.com/office/powerpoint/2010/main" val="836620449"/>
+      </p:ext>
+    </p:extLst>
+  </p:cSld>
+  <p:clrMapOvr>
+    <a:masterClrMapping/>
+  </p:clrMapOvr>
+</p:notes>
+</file>
+
+<file path=ppt/notesSlides/notesSlide20.xml><?xml version="1.0" encoding="utf-8"?>
+<p:notes xmlns:a="http://schemas.openxmlformats.org/drawingml/2006/main" xmlns:r="http://schemas.openxmlformats.org/officeDocument/2006/relationships" xmlns:p="http://schemas.openxmlformats.org/presentationml/2006/main">
+  <p:cSld>
+    <p:spTree>
+      <p:nvGrpSpPr>
+        <p:cNvPr id="1" name=""/>
+        <p:cNvGrpSpPr/>
+        <p:nvPr/>
+      </p:nvGrpSpPr>
+      <p:grpSpPr>
+        <a:xfrm>
+          <a:off x="0" y="0"/>
+          <a:ext cx="0" cy="0"/>
+          <a:chOff x="0" y="0"/>
+          <a:chExt cx="0" cy="0"/>
+        </a:xfrm>
+      </p:grpSpPr>
+      <p:sp>
+        <p:nvSpPr>
+          <p:cNvPr id="2" name="Slide Image Placeholder 1"/>
+          <p:cNvSpPr>
+            <a:spLocks noGrp="1" noRot="1" noChangeAspect="1"/>
+          </p:cNvSpPr>
+          <p:nvPr>
+            <p:ph type="sldImg"/>
+          </p:nvPr>
+        </p:nvSpPr>
+        <p:spPr/>
+      </p:sp>
+      <p:sp>
+        <p:nvSpPr>
+          <p:cNvPr id="3" name="Notes Placeholder 2"/>
+          <p:cNvSpPr>
+            <a:spLocks noGrp="1"/>
+          </p:cNvSpPr>
+          <p:nvPr>
+            <p:ph type="body" idx="1"/>
+          </p:nvPr>
+        </p:nvSpPr>
+        <p:spPr/>
+        <p:txBody>
+          <a:bodyPr/>
+          <a:lstStyle/>
+          <a:p>
+            <a:pPr marL="171450" indent="-171450">
+              <a:buFont typeface="Arial" charset="0"/>
+              <a:buChar char="•"/>
+            </a:pPr>
+            <a:endParaRPr lang="en-US" baseline="0" dirty="0" smtClean="0"/>
+          </a:p>
+        </p:txBody>
+      </p:sp>
+      <p:sp>
+        <p:nvSpPr>
+          <p:cNvPr id="4" name="Slide Number Placeholder 3"/>
+          <p:cNvSpPr>
+            <a:spLocks noGrp="1"/>
+          </p:cNvSpPr>
+          <p:nvPr>
+            <p:ph type="sldNum" sz="quarter" idx="10"/>
+          </p:nvPr>
+        </p:nvSpPr>
+        <p:spPr/>
+        <p:txBody>
+          <a:bodyPr/>
+          <a:lstStyle/>
+          <a:p>
+            <a:fld id="{5C949890-84D1-B346-997E-B43A2CF20212}" type="slidenum">
+              <a:rPr lang="en-US" smtClean="0"/>
+              <a:t>21</a:t>
+            </a:fld>
+            <a:endParaRPr lang="en-US"/>
+          </a:p>
+        </p:txBody>
+      </p:sp>
+    </p:spTree>
+    <p:extLst>
+      <p:ext uri="{BB962C8B-B14F-4D97-AF65-F5344CB8AC3E}">
+        <p14:creationId xmlns:p14="http://schemas.microsoft.com/office/powerpoint/2010/main" val="1187360459"/>
+      </p:ext>
+    </p:extLst>
+  </p:cSld>
+  <p:clrMapOvr>
+    <a:masterClrMapping/>
+  </p:clrMapOvr>
+</p:notes>
+</file>
+
+<file path=ppt/notesSlides/notesSlide21.xml><?xml version="1.0" encoding="utf-8"?>
+<p:notes xmlns:a="http://schemas.openxmlformats.org/drawingml/2006/main" xmlns:r="http://schemas.openxmlformats.org/officeDocument/2006/relationships" xmlns:p="http://schemas.openxmlformats.org/presentationml/2006/main">
+  <p:cSld>
+    <p:spTree>
+      <p:nvGrpSpPr>
+        <p:cNvPr id="1" name=""/>
+        <p:cNvGrpSpPr/>
+        <p:nvPr/>
+      </p:nvGrpSpPr>
+      <p:grpSpPr>
+        <a:xfrm>
+          <a:off x="0" y="0"/>
+          <a:ext cx="0" cy="0"/>
+          <a:chOff x="0" y="0"/>
+          <a:chExt cx="0" cy="0"/>
+        </a:xfrm>
+      </p:grpSpPr>
+      <p:sp>
+        <p:nvSpPr>
+          <p:cNvPr id="2" name="Slide Image Placeholder 1"/>
+          <p:cNvSpPr>
+            <a:spLocks noGrp="1" noRot="1" noChangeAspect="1"/>
+          </p:cNvSpPr>
+          <p:nvPr>
+            <p:ph type="sldImg"/>
+          </p:nvPr>
+        </p:nvSpPr>
+        <p:spPr/>
+      </p:sp>
+      <p:sp>
+        <p:nvSpPr>
+          <p:cNvPr id="3" name="Notes Placeholder 2"/>
+          <p:cNvSpPr>
+            <a:spLocks noGrp="1"/>
+          </p:cNvSpPr>
+          <p:nvPr>
+            <p:ph type="body" idx="1"/>
+          </p:nvPr>
+        </p:nvSpPr>
+        <p:spPr/>
+        <p:txBody>
+          <a:bodyPr/>
+          <a:lstStyle/>
+          <a:p>
+            <a:pPr marL="171450" indent="-171450">
+              <a:buFont typeface="Arial" charset="0"/>
+              <a:buChar char="•"/>
+            </a:pPr>
+            <a:r>
+              <a:rPr lang="en-US" baseline="0" dirty="0" smtClean="0"/>
+              <a:t>Once it has looped through all elements, it is exhausted </a:t>
+            </a:r>
+            <a:r>
+              <a:rPr lang="mr-IN" baseline="0" dirty="0" smtClean="0"/>
+              <a:t>–</a:t>
+            </a:r>
+            <a:r>
+              <a:rPr lang="en-US" baseline="0" dirty="0" smtClean="0"/>
+              <a:t> empty list</a:t>
+            </a:r>
+          </a:p>
+        </p:txBody>
+      </p:sp>
+      <p:sp>
+        <p:nvSpPr>
+          <p:cNvPr id="4" name="Slide Number Placeholder 3"/>
+          <p:cNvSpPr>
+            <a:spLocks noGrp="1"/>
+          </p:cNvSpPr>
+          <p:nvPr>
+            <p:ph type="sldNum" sz="quarter" idx="10"/>
+          </p:nvPr>
+        </p:nvSpPr>
+        <p:spPr/>
+        <p:txBody>
+          <a:bodyPr/>
+          <a:lstStyle/>
+          <a:p>
+            <a:fld id="{5C949890-84D1-B346-997E-B43A2CF20212}" type="slidenum">
+              <a:rPr lang="en-US" smtClean="0"/>
+              <a:t>22</a:t>
+            </a:fld>
+            <a:endParaRPr lang="en-US"/>
+          </a:p>
+        </p:txBody>
+      </p:sp>
+    </p:spTree>
+    <p:extLst>
+      <p:ext uri="{BB962C8B-B14F-4D97-AF65-F5344CB8AC3E}">
+        <p14:creationId xmlns:p14="http://schemas.microsoft.com/office/powerpoint/2010/main" val="440445796"/>
+      </p:ext>
+    </p:extLst>
+  </p:cSld>
+  <p:clrMapOvr>
+    <a:masterClrMapping/>
+  </p:clrMapOvr>
+</p:notes>
+</file>
+
+<file path=ppt/notesSlides/notesSlide22.xml><?xml version="1.0" encoding="utf-8"?>
+<p:notes xmlns:a="http://schemas.openxmlformats.org/drawingml/2006/main" xmlns:r="http://schemas.openxmlformats.org/officeDocument/2006/relationships" xmlns:p="http://schemas.openxmlformats.org/presentationml/2006/main">
+  <p:cSld>
+    <p:spTree>
+      <p:nvGrpSpPr>
+        <p:cNvPr id="1" name=""/>
+        <p:cNvGrpSpPr/>
+        <p:nvPr/>
+      </p:nvGrpSpPr>
+      <p:grpSpPr>
+        <a:xfrm>
+          <a:off x="0" y="0"/>
+          <a:ext cx="0" cy="0"/>
+          <a:chOff x="0" y="0"/>
+          <a:chExt cx="0" cy="0"/>
+        </a:xfrm>
+      </p:grpSpPr>
+      <p:sp>
+        <p:nvSpPr>
+          <p:cNvPr id="2" name="Slide Image Placeholder 1"/>
+          <p:cNvSpPr>
+            <a:spLocks noGrp="1" noRot="1" noChangeAspect="1"/>
+          </p:cNvSpPr>
+          <p:nvPr>
+            <p:ph type="sldImg"/>
+          </p:nvPr>
+        </p:nvSpPr>
+        <p:spPr/>
+      </p:sp>
+      <p:sp>
+        <p:nvSpPr>
+          <p:cNvPr id="3" name="Notes Placeholder 2"/>
+          <p:cNvSpPr>
+            <a:spLocks noGrp="1"/>
+          </p:cNvSpPr>
+          <p:nvPr>
+            <p:ph type="body" idx="1"/>
+          </p:nvPr>
+        </p:nvSpPr>
+        <p:spPr/>
+        <p:txBody>
+          <a:bodyPr/>
+          <a:lstStyle/>
+          <a:p>
+            <a:pPr marL="171450" indent="-171450">
+              <a:buFont typeface="Arial" charset="0"/>
+              <a:buChar char="•"/>
+            </a:pPr>
+            <a:endParaRPr lang="en-US" baseline="0" dirty="0" smtClean="0"/>
+          </a:p>
+        </p:txBody>
+      </p:sp>
+      <p:sp>
+        <p:nvSpPr>
+          <p:cNvPr id="4" name="Slide Number Placeholder 3"/>
+          <p:cNvSpPr>
+            <a:spLocks noGrp="1"/>
+          </p:cNvSpPr>
+          <p:nvPr>
+            <p:ph type="sldNum" sz="quarter" idx="10"/>
+          </p:nvPr>
+        </p:nvSpPr>
+        <p:spPr/>
+        <p:txBody>
+          <a:bodyPr/>
+          <a:lstStyle/>
+          <a:p>
+            <a:fld id="{5C949890-84D1-B346-997E-B43A2CF20212}" type="slidenum">
+              <a:rPr lang="en-US" smtClean="0"/>
+              <a:t>23</a:t>
+            </a:fld>
+            <a:endParaRPr lang="en-US"/>
+          </a:p>
+        </p:txBody>
+      </p:sp>
+    </p:spTree>
+    <p:extLst>
+      <p:ext uri="{BB962C8B-B14F-4D97-AF65-F5344CB8AC3E}">
+        <p14:creationId xmlns:p14="http://schemas.microsoft.com/office/powerpoint/2010/main" val="590277919"/>
+      </p:ext>
+    </p:extLst>
+  </p:cSld>
+  <p:clrMapOvr>
+    <a:masterClrMapping/>
+  </p:clrMapOvr>
+</p:notes>
+</file>
+
+<file path=ppt/notesSlides/notesSlide23.xml><?xml version="1.0" encoding="utf-8"?>
+<p:notes xmlns:a="http://schemas.openxmlformats.org/drawingml/2006/main" xmlns:r="http://schemas.openxmlformats.org/officeDocument/2006/relationships" xmlns:p="http://schemas.openxmlformats.org/presentationml/2006/main">
+  <p:cSld>
+    <p:spTree>
+      <p:nvGrpSpPr>
+        <p:cNvPr id="1" name=""/>
+        <p:cNvGrpSpPr/>
+        <p:nvPr/>
+      </p:nvGrpSpPr>
+      <p:grpSpPr>
+        <a:xfrm>
+          <a:off x="0" y="0"/>
+          <a:ext cx="0" cy="0"/>
+          <a:chOff x="0" y="0"/>
+          <a:chExt cx="0" cy="0"/>
+        </a:xfrm>
+      </p:grpSpPr>
+      <p:sp>
+        <p:nvSpPr>
+          <p:cNvPr id="2" name="Slide Image Placeholder 1"/>
+          <p:cNvSpPr>
+            <a:spLocks noGrp="1" noRot="1" noChangeAspect="1"/>
+          </p:cNvSpPr>
+          <p:nvPr>
+            <p:ph type="sldImg"/>
+          </p:nvPr>
+        </p:nvSpPr>
+        <p:spPr/>
+      </p:sp>
+      <p:sp>
+        <p:nvSpPr>
+          <p:cNvPr id="3" name="Notes Placeholder 2"/>
+          <p:cNvSpPr>
+            <a:spLocks noGrp="1"/>
+          </p:cNvSpPr>
+          <p:nvPr>
+            <p:ph type="body" idx="1"/>
+          </p:nvPr>
+        </p:nvSpPr>
+        <p:spPr/>
+        <p:txBody>
+          <a:bodyPr/>
+          <a:lstStyle/>
+          <a:p>
+            <a:pPr marL="171450" indent="-171450">
+              <a:buFont typeface="Arial" charset="0"/>
+              <a:buChar char="•"/>
+            </a:pPr>
+            <a:endParaRPr lang="en-US" baseline="0" dirty="0" smtClean="0"/>
+          </a:p>
+        </p:txBody>
+      </p:sp>
+      <p:sp>
+        <p:nvSpPr>
+          <p:cNvPr id="4" name="Slide Number Placeholder 3"/>
+          <p:cNvSpPr>
+            <a:spLocks noGrp="1"/>
+          </p:cNvSpPr>
+          <p:nvPr>
+            <p:ph type="sldNum" sz="quarter" idx="10"/>
+          </p:nvPr>
+        </p:nvSpPr>
+        <p:spPr/>
+        <p:txBody>
+          <a:bodyPr/>
+          <a:lstStyle/>
+          <a:p>
+            <a:fld id="{5C949890-84D1-B346-997E-B43A2CF20212}" type="slidenum">
+              <a:rPr lang="en-US" smtClean="0"/>
+              <a:t>24</a:t>
+            </a:fld>
+            <a:endParaRPr lang="en-US"/>
+          </a:p>
+        </p:txBody>
+      </p:sp>
+    </p:spTree>
+    <p:extLst>
+      <p:ext uri="{BB962C8B-B14F-4D97-AF65-F5344CB8AC3E}">
+        <p14:creationId xmlns:p14="http://schemas.microsoft.com/office/powerpoint/2010/main" val="1002630098"/>
+      </p:ext>
+    </p:extLst>
+  </p:cSld>
+  <p:clrMapOvr>
+    <a:masterClrMapping/>
+  </p:clrMapOvr>
+</p:notes>
+</file>
+
+<file path=ppt/notesSlides/notesSlide24.xml><?xml version="1.0" encoding="utf-8"?>
+<p:notes xmlns:a="http://schemas.openxmlformats.org/drawingml/2006/main" xmlns:r="http://schemas.openxmlformats.org/officeDocument/2006/relationships" xmlns:p="http://schemas.openxmlformats.org/presentationml/2006/main">
+  <p:cSld>
+    <p:spTree>
+      <p:nvGrpSpPr>
+        <p:cNvPr id="1" name=""/>
+        <p:cNvGrpSpPr/>
+        <p:nvPr/>
+      </p:nvGrpSpPr>
+      <p:grpSpPr>
+        <a:xfrm>
+          <a:off x="0" y="0"/>
+          <a:ext cx="0" cy="0"/>
+          <a:chOff x="0" y="0"/>
+          <a:chExt cx="0" cy="0"/>
+        </a:xfrm>
+      </p:grpSpPr>
+      <p:sp>
+        <p:nvSpPr>
+          <p:cNvPr id="2" name="Slide Image Placeholder 1"/>
+          <p:cNvSpPr>
+            <a:spLocks noGrp="1" noRot="1" noChangeAspect="1"/>
+          </p:cNvSpPr>
+          <p:nvPr>
+            <p:ph type="sldImg"/>
+          </p:nvPr>
+        </p:nvSpPr>
+        <p:spPr/>
+      </p:sp>
+      <p:sp>
+        <p:nvSpPr>
+          <p:cNvPr id="3" name="Notes Placeholder 2"/>
+          <p:cNvSpPr>
+            <a:spLocks noGrp="1"/>
+          </p:cNvSpPr>
+          <p:nvPr>
+            <p:ph type="body" idx="1"/>
+          </p:nvPr>
+        </p:nvSpPr>
+        <p:spPr/>
+        <p:txBody>
+          <a:bodyPr/>
+          <a:lstStyle/>
+          <a:p>
+            <a:pPr marL="171450" indent="-171450">
+              <a:buFont typeface="Arial" charset="0"/>
+              <a:buChar char="•"/>
+            </a:pPr>
+            <a:endParaRPr lang="en-US" baseline="0" dirty="0" smtClean="0"/>
+          </a:p>
+        </p:txBody>
+      </p:sp>
+      <p:sp>
+        <p:nvSpPr>
+          <p:cNvPr id="4" name="Slide Number Placeholder 3"/>
+          <p:cNvSpPr>
+            <a:spLocks noGrp="1"/>
+          </p:cNvSpPr>
+          <p:nvPr>
+            <p:ph type="sldNum" sz="quarter" idx="10"/>
+          </p:nvPr>
+        </p:nvSpPr>
+        <p:spPr/>
+        <p:txBody>
+          <a:bodyPr/>
+          <a:lstStyle/>
+          <a:p>
+            <a:fld id="{5C949890-84D1-B346-997E-B43A2CF20212}" type="slidenum">
+              <a:rPr lang="en-US" smtClean="0"/>
+              <a:t>25</a:t>
+            </a:fld>
+            <a:endParaRPr lang="en-US"/>
+          </a:p>
+        </p:txBody>
+      </p:sp>
+    </p:spTree>
+    <p:extLst>
+      <p:ext uri="{BB962C8B-B14F-4D97-AF65-F5344CB8AC3E}">
+        <p14:creationId xmlns:p14="http://schemas.microsoft.com/office/powerpoint/2010/main" val="592542175"/>
+      </p:ext>
+    </p:extLst>
+  </p:cSld>
+  <p:clrMapOvr>
+    <a:masterClrMapping/>
+  </p:clrMapOvr>
+</p:notes>
+</file>
+
+<file path=ppt/notesSlides/notesSlide3.xml><?xml version="1.0" encoding="utf-8"?>
+<p:notes xmlns:a="http://schemas.openxmlformats.org/drawingml/2006/main" xmlns:r="http://schemas.openxmlformats.org/officeDocument/2006/relationships" xmlns:p="http://schemas.openxmlformats.org/presentationml/2006/main">
+  <p:cSld>
+    <p:spTree>
+      <p:nvGrpSpPr>
+        <p:cNvPr id="1" name=""/>
+        <p:cNvGrpSpPr/>
+        <p:nvPr/>
+      </p:nvGrpSpPr>
+      <p:grpSpPr>
+        <a:xfrm>
+          <a:off x="0" y="0"/>
+          <a:ext cx="0" cy="0"/>
+          <a:chOff x="0" y="0"/>
+          <a:chExt cx="0" cy="0"/>
+        </a:xfrm>
+      </p:grpSpPr>
+      <p:sp>
+        <p:nvSpPr>
+          <p:cNvPr id="2" name="Slide Image Placeholder 1"/>
+          <p:cNvSpPr>
+            <a:spLocks noGrp="1" noRot="1" noChangeAspect="1"/>
+          </p:cNvSpPr>
+          <p:nvPr>
+            <p:ph type="sldImg"/>
+          </p:nvPr>
+        </p:nvSpPr>
+        <p:spPr/>
+      </p:sp>
+      <p:sp>
+        <p:nvSpPr>
+          <p:cNvPr id="3" name="Notes Placeholder 2"/>
+          <p:cNvSpPr>
+            <a:spLocks noGrp="1"/>
+          </p:cNvSpPr>
+          <p:nvPr>
+            <p:ph type="body" idx="1"/>
+          </p:nvPr>
+        </p:nvSpPr>
+        <p:spPr/>
+        <p:txBody>
+          <a:bodyPr/>
+          <a:lstStyle/>
+          <a:p>
+            <a:pPr marL="171450" indent="-171450">
+              <a:buFont typeface="Arial" charset="0"/>
+              <a:buChar char="•"/>
+            </a:pPr>
+            <a:r>
+              <a:rPr lang="en-US" baseline="0" dirty="0" smtClean="0"/>
+              <a:t>Note </a:t>
+            </a:r>
+            <a:r>
+              <a:rPr lang="en-US" i="1" baseline="0" dirty="0" smtClean="0"/>
+              <a:t>expression </a:t>
+            </a:r>
+            <a:r>
+              <a:rPr lang="en-US" i="0" baseline="0" dirty="0" smtClean="0"/>
+              <a:t>can be an expression, function or lambda function</a:t>
+            </a:r>
+          </a:p>
+          <a:p>
+            <a:pPr marL="171450" indent="-171450">
+              <a:buFont typeface="Arial" charset="0"/>
+              <a:buChar char="•"/>
+            </a:pPr>
+            <a:r>
+              <a:rPr lang="en-US" i="0" baseline="0" dirty="0" smtClean="0"/>
+              <a:t>Sequences like lists and tuples have </a:t>
+            </a:r>
+            <a:r>
+              <a:rPr lang="en-US" i="1" baseline="0" dirty="0" smtClean="0"/>
+              <a:t>next </a:t>
+            </a:r>
+            <a:r>
+              <a:rPr lang="en-US" i="0" baseline="0" dirty="0" smtClean="0"/>
+              <a:t>as part of their class definitions, so they can be used in list comprehensions</a:t>
+            </a:r>
+            <a:endParaRPr lang="en-US" baseline="0" dirty="0" smtClean="0"/>
+          </a:p>
+        </p:txBody>
+      </p:sp>
+      <p:sp>
+        <p:nvSpPr>
+          <p:cNvPr id="4" name="Slide Number Placeholder 3"/>
+          <p:cNvSpPr>
+            <a:spLocks noGrp="1"/>
+          </p:cNvSpPr>
+          <p:nvPr>
+            <p:ph type="sldNum" sz="quarter" idx="10"/>
+          </p:nvPr>
+        </p:nvSpPr>
+        <p:spPr/>
+        <p:txBody>
+          <a:bodyPr/>
+          <a:lstStyle/>
+          <a:p>
+            <a:fld id="{5C949890-84D1-B346-997E-B43A2CF20212}" type="slidenum">
+              <a:rPr lang="en-US" smtClean="0"/>
+              <a:t>4</a:t>
+            </a:fld>
+            <a:endParaRPr lang="en-US"/>
+          </a:p>
+        </p:txBody>
+      </p:sp>
+    </p:spTree>
+    <p:extLst>
+      <p:ext uri="{BB962C8B-B14F-4D97-AF65-F5344CB8AC3E}">
+        <p14:creationId xmlns:p14="http://schemas.microsoft.com/office/powerpoint/2010/main" val="1652669635"/>
+      </p:ext>
+    </p:extLst>
+  </p:cSld>
+  <p:clrMapOvr>
+    <a:masterClrMapping/>
+  </p:clrMapOvr>
+</p:notes>
+</file>
+
+<file path=ppt/notesSlides/notesSlide4.xml><?xml version="1.0" encoding="utf-8"?>
+<p:notes xmlns:a="http://schemas.openxmlformats.org/drawingml/2006/main" xmlns:r="http://schemas.openxmlformats.org/officeDocument/2006/relationships" xmlns:p="http://schemas.openxmlformats.org/presentationml/2006/main">
+  <p:cSld>
+    <p:spTree>
+      <p:nvGrpSpPr>
+        <p:cNvPr id="1" name=""/>
+        <p:cNvGrpSpPr/>
+        <p:nvPr/>
+      </p:nvGrpSpPr>
+      <p:grpSpPr>
+        <a:xfrm>
+          <a:off x="0" y="0"/>
+          <a:ext cx="0" cy="0"/>
+          <a:chOff x="0" y="0"/>
+          <a:chExt cx="0" cy="0"/>
+        </a:xfrm>
+      </p:grpSpPr>
+      <p:sp>
+        <p:nvSpPr>
+          <p:cNvPr id="2" name="Slide Image Placeholder 1"/>
+          <p:cNvSpPr>
+            <a:spLocks noGrp="1" noRot="1" noChangeAspect="1"/>
+          </p:cNvSpPr>
+          <p:nvPr>
+            <p:ph type="sldImg"/>
+          </p:nvPr>
+        </p:nvSpPr>
+        <p:spPr/>
+      </p:sp>
+      <p:sp>
+        <p:nvSpPr>
+          <p:cNvPr id="3" name="Notes Placeholder 2"/>
+          <p:cNvSpPr>
+            <a:spLocks noGrp="1"/>
+          </p:cNvSpPr>
+          <p:nvPr>
+            <p:ph type="body" idx="1"/>
+          </p:nvPr>
+        </p:nvSpPr>
+        <p:spPr/>
+        <p:txBody>
+          <a:bodyPr/>
+          <a:lstStyle/>
+          <a:p>
+            <a:pPr marL="171450" indent="-171450">
+              <a:buFont typeface="Arial" charset="0"/>
+              <a:buChar char="•"/>
+            </a:pPr>
+            <a:r>
+              <a:rPr lang="en-US" baseline="0" dirty="0" smtClean="0"/>
+              <a:t>Logically, the are equivalent. </a:t>
+            </a:r>
+            <a:r>
+              <a:rPr lang="en-NZ" baseline="0" dirty="0" smtClean="0"/>
+              <a:t>Although, recall that map actually returns a different data type that must be cast to a list for printing</a:t>
+            </a:r>
+          </a:p>
+          <a:p>
+            <a:pPr marL="171450" indent="-171450">
+              <a:buFont typeface="Arial" charset="0"/>
+              <a:buChar char="•"/>
+            </a:pPr>
+            <a:r>
+              <a:rPr lang="en-NZ" baseline="0" dirty="0" smtClean="0"/>
+              <a:t>As the computations get more complicated, the list comprehension becomes increasingly more succinct than the imperative and map approach</a:t>
+            </a:r>
+            <a:endParaRPr lang="en-US" baseline="0" dirty="0" smtClean="0"/>
+          </a:p>
+        </p:txBody>
+      </p:sp>
+      <p:sp>
+        <p:nvSpPr>
+          <p:cNvPr id="4" name="Slide Number Placeholder 3"/>
+          <p:cNvSpPr>
+            <a:spLocks noGrp="1"/>
+          </p:cNvSpPr>
+          <p:nvPr>
+            <p:ph type="sldNum" sz="quarter" idx="10"/>
+          </p:nvPr>
+        </p:nvSpPr>
+        <p:spPr/>
+        <p:txBody>
+          <a:bodyPr/>
+          <a:lstStyle/>
+          <a:p>
+            <a:fld id="{5C949890-84D1-B346-997E-B43A2CF20212}" type="slidenum">
+              <a:rPr lang="en-US" smtClean="0"/>
+              <a:t>5</a:t>
+            </a:fld>
+            <a:endParaRPr lang="en-US"/>
+          </a:p>
+        </p:txBody>
+      </p:sp>
+    </p:spTree>
+    <p:extLst>
+      <p:ext uri="{BB962C8B-B14F-4D97-AF65-F5344CB8AC3E}">
+        <p14:creationId xmlns:p14="http://schemas.microsoft.com/office/powerpoint/2010/main" val="1056882456"/>
+      </p:ext>
+    </p:extLst>
+  </p:cSld>
+  <p:clrMapOvr>
+    <a:masterClrMapping/>
+  </p:clrMapOvr>
+</p:notes>
+</file>
+
+<file path=ppt/notesSlides/notesSlide5.xml><?xml version="1.0" encoding="utf-8"?>
+<p:notes xmlns:a="http://schemas.openxmlformats.org/drawingml/2006/main" xmlns:r="http://schemas.openxmlformats.org/officeDocument/2006/relationships" xmlns:p="http://schemas.openxmlformats.org/presentationml/2006/main">
+  <p:cSld>
+    <p:spTree>
+      <p:nvGrpSpPr>
+        <p:cNvPr id="1" name=""/>
+        <p:cNvGrpSpPr/>
+        <p:nvPr/>
+      </p:nvGrpSpPr>
+      <p:grpSpPr>
+        <a:xfrm>
+          <a:off x="0" y="0"/>
+          <a:ext cx="0" cy="0"/>
+          <a:chOff x="0" y="0"/>
+          <a:chExt cx="0" cy="0"/>
+        </a:xfrm>
+      </p:grpSpPr>
+      <p:sp>
+        <p:nvSpPr>
+          <p:cNvPr id="2" name="Slide Image Placeholder 1"/>
+          <p:cNvSpPr>
+            <a:spLocks noGrp="1" noRot="1" noChangeAspect="1"/>
+          </p:cNvSpPr>
+          <p:nvPr>
+            <p:ph type="sldImg"/>
+          </p:nvPr>
+        </p:nvSpPr>
+        <p:spPr/>
+      </p:sp>
+      <p:sp>
+        <p:nvSpPr>
+          <p:cNvPr id="3" name="Notes Placeholder 2"/>
+          <p:cNvSpPr>
+            <a:spLocks noGrp="1"/>
+          </p:cNvSpPr>
+          <p:nvPr>
+            <p:ph type="body" idx="1"/>
+          </p:nvPr>
+        </p:nvSpPr>
+        <p:spPr/>
+        <p:txBody>
+          <a:bodyPr/>
+          <a:lstStyle/>
+          <a:p>
+            <a:pPr marL="171450" indent="-171450">
+              <a:buFont typeface="Arial" charset="0"/>
+              <a:buChar char="•"/>
+            </a:pPr>
+            <a:r>
+              <a:rPr lang="en-US" baseline="0" dirty="0" smtClean="0"/>
+              <a:t>We would need to use a function like map to do the same thing</a:t>
+            </a:r>
+          </a:p>
+          <a:p>
+            <a:pPr marL="171450" indent="-171450">
+              <a:buFont typeface="Arial" charset="0"/>
+              <a:buChar char="•"/>
+            </a:pPr>
+            <a:r>
+              <a:rPr lang="en-US" baseline="0" dirty="0" smtClean="0"/>
+              <a:t>There can be sometimes be a performance advantage for using one over the other, depending on the exact nature of the function and collection</a:t>
+            </a:r>
+          </a:p>
+          <a:p>
+            <a:pPr marL="171450" indent="-171450">
+              <a:buFont typeface="Arial" charset="0"/>
+              <a:buChar char="•"/>
+            </a:pPr>
+            <a:r>
+              <a:rPr lang="en-US" baseline="0" dirty="0" smtClean="0"/>
+              <a:t>List comprehensions are preferred because they are considered idiomatic Python</a:t>
+            </a:r>
+          </a:p>
+          <a:p>
+            <a:pPr marL="171450" indent="-171450">
+              <a:buFont typeface="Arial" charset="0"/>
+              <a:buChar char="•"/>
+            </a:pPr>
+            <a:endParaRPr lang="en-US" baseline="0" dirty="0" smtClean="0"/>
+          </a:p>
+        </p:txBody>
+      </p:sp>
+      <p:sp>
+        <p:nvSpPr>
+          <p:cNvPr id="4" name="Slide Number Placeholder 3"/>
+          <p:cNvSpPr>
+            <a:spLocks noGrp="1"/>
+          </p:cNvSpPr>
+          <p:nvPr>
+            <p:ph type="sldNum" sz="quarter" idx="10"/>
+          </p:nvPr>
+        </p:nvSpPr>
+        <p:spPr/>
+        <p:txBody>
+          <a:bodyPr/>
+          <a:lstStyle/>
+          <a:p>
+            <a:fld id="{5C949890-84D1-B346-997E-B43A2CF20212}" type="slidenum">
+              <a:rPr lang="en-US" smtClean="0"/>
+              <a:t>6</a:t>
+            </a:fld>
+            <a:endParaRPr lang="en-US"/>
+          </a:p>
+        </p:txBody>
+      </p:sp>
+    </p:spTree>
+    <p:extLst>
+      <p:ext uri="{BB962C8B-B14F-4D97-AF65-F5344CB8AC3E}">
+        <p14:creationId xmlns:p14="http://schemas.microsoft.com/office/powerpoint/2010/main" val="25138577"/>
+      </p:ext>
+    </p:extLst>
+  </p:cSld>
+  <p:clrMapOvr>
+    <a:masterClrMapping/>
+  </p:clrMapOvr>
+</p:notes>
+</file>
+
+<file path=ppt/notesSlides/notesSlide6.xml><?xml version="1.0" encoding="utf-8"?>
+<p:notes xmlns:a="http://schemas.openxmlformats.org/drawingml/2006/main" xmlns:r="http://schemas.openxmlformats.org/officeDocument/2006/relationships" xmlns:p="http://schemas.openxmlformats.org/presentationml/2006/main">
+  <p:cSld>
+    <p:spTree>
+      <p:nvGrpSpPr>
+        <p:cNvPr id="1" name=""/>
+        <p:cNvGrpSpPr/>
+        <p:nvPr/>
+      </p:nvGrpSpPr>
+      <p:grpSpPr>
+        <a:xfrm>
+          <a:off x="0" y="0"/>
+          <a:ext cx="0" cy="0"/>
+          <a:chOff x="0" y="0"/>
+          <a:chExt cx="0" cy="0"/>
+        </a:xfrm>
+      </p:grpSpPr>
+      <p:sp>
+        <p:nvSpPr>
+          <p:cNvPr id="2" name="Slide Image Placeholder 1"/>
+          <p:cNvSpPr>
+            <a:spLocks noGrp="1" noRot="1" noChangeAspect="1"/>
+          </p:cNvSpPr>
+          <p:nvPr>
+            <p:ph type="sldImg"/>
+          </p:nvPr>
+        </p:nvSpPr>
+        <p:spPr/>
+      </p:sp>
+      <p:sp>
+        <p:nvSpPr>
+          <p:cNvPr id="3" name="Notes Placeholder 2"/>
+          <p:cNvSpPr>
+            <a:spLocks noGrp="1"/>
+          </p:cNvSpPr>
+          <p:nvPr>
+            <p:ph type="body" idx="1"/>
+          </p:nvPr>
+        </p:nvSpPr>
+        <p:spPr/>
+        <p:txBody>
+          <a:bodyPr/>
+          <a:lstStyle/>
+          <a:p>
+            <a:pPr marL="171450" indent="-171450">
+              <a:buFont typeface="Arial" charset="0"/>
+              <a:buChar char="•"/>
+            </a:pPr>
+            <a:r>
+              <a:rPr lang="is-IS" baseline="0" dirty="0" smtClean="0"/>
+              <a:t>Imperative-style = 6.143417131</a:t>
+            </a:r>
+          </a:p>
+          <a:p>
+            <a:pPr marL="171450" indent="-171450">
+              <a:buFont typeface="Arial" charset="0"/>
+              <a:buChar char="•"/>
+            </a:pPr>
+            <a:r>
+              <a:rPr lang="is-IS" baseline="0" dirty="0" smtClean="0"/>
+              <a:t>List comprehension = 3.539589169000001</a:t>
+            </a:r>
+            <a:endParaRPr lang="en-US" baseline="0" dirty="0" smtClean="0"/>
+          </a:p>
+        </p:txBody>
+      </p:sp>
+      <p:sp>
+        <p:nvSpPr>
+          <p:cNvPr id="4" name="Slide Number Placeholder 3"/>
+          <p:cNvSpPr>
+            <a:spLocks noGrp="1"/>
+          </p:cNvSpPr>
+          <p:nvPr>
+            <p:ph type="sldNum" sz="quarter" idx="10"/>
+          </p:nvPr>
+        </p:nvSpPr>
+        <p:spPr/>
+        <p:txBody>
+          <a:bodyPr/>
+          <a:lstStyle/>
+          <a:p>
+            <a:fld id="{5C949890-84D1-B346-997E-B43A2CF20212}" type="slidenum">
+              <a:rPr lang="en-US" smtClean="0"/>
+              <a:t>7</a:t>
+            </a:fld>
+            <a:endParaRPr lang="en-US"/>
+          </a:p>
+        </p:txBody>
+      </p:sp>
+    </p:spTree>
+    <p:extLst>
+      <p:ext uri="{BB962C8B-B14F-4D97-AF65-F5344CB8AC3E}">
+        <p14:creationId xmlns:p14="http://schemas.microsoft.com/office/powerpoint/2010/main" val="1261021579"/>
+      </p:ext>
+    </p:extLst>
+  </p:cSld>
+  <p:clrMapOvr>
+    <a:masterClrMapping/>
+  </p:clrMapOvr>
+</p:notes>
+</file>
+
+<file path=ppt/notesSlides/notesSlide7.xml><?xml version="1.0" encoding="utf-8"?>
+<p:notes xmlns:a="http://schemas.openxmlformats.org/drawingml/2006/main" xmlns:r="http://schemas.openxmlformats.org/officeDocument/2006/relationships" xmlns:p="http://schemas.openxmlformats.org/presentationml/2006/main">
+  <p:cSld>
+    <p:spTree>
+      <p:nvGrpSpPr>
+        <p:cNvPr id="1" name=""/>
+        <p:cNvGrpSpPr/>
+        <p:nvPr/>
+      </p:nvGrpSpPr>
+      <p:grpSpPr>
+        <a:xfrm>
+          <a:off x="0" y="0"/>
+          <a:ext cx="0" cy="0"/>
+          <a:chOff x="0" y="0"/>
+          <a:chExt cx="0" cy="0"/>
+        </a:xfrm>
+      </p:grpSpPr>
+      <p:sp>
+        <p:nvSpPr>
+          <p:cNvPr id="2" name="Slide Image Placeholder 1"/>
+          <p:cNvSpPr>
+            <a:spLocks noGrp="1" noRot="1" noChangeAspect="1"/>
+          </p:cNvSpPr>
+          <p:nvPr>
+            <p:ph type="sldImg"/>
+          </p:nvPr>
+        </p:nvSpPr>
+        <p:spPr/>
+      </p:sp>
+      <p:sp>
+        <p:nvSpPr>
+          <p:cNvPr id="3" name="Notes Placeholder 2"/>
+          <p:cNvSpPr>
+            <a:spLocks noGrp="1"/>
+          </p:cNvSpPr>
+          <p:nvPr>
+            <p:ph type="body" idx="1"/>
+          </p:nvPr>
+        </p:nvSpPr>
+        <p:spPr/>
+        <p:txBody>
+          <a:bodyPr/>
+          <a:lstStyle/>
+          <a:p>
+            <a:pPr marL="171450" indent="-171450">
+              <a:buFont typeface="Arial" charset="0"/>
+              <a:buChar char="•"/>
+            </a:pPr>
+            <a:r>
+              <a:rPr lang="en-US" baseline="0" dirty="0" smtClean="0"/>
+              <a:t>Expressions can be any function. Here we use the exponentiation function from the Python math library</a:t>
+            </a:r>
+          </a:p>
+          <a:p>
+            <a:pPr marL="171450" indent="-171450">
+              <a:buFont typeface="Arial" charset="0"/>
+              <a:buChar char="•"/>
+            </a:pPr>
+            <a:r>
+              <a:rPr lang="en-US" baseline="0" dirty="0" smtClean="0"/>
+              <a:t>The result returns a list of floats. We can wrap </a:t>
+            </a:r>
+            <a:r>
+              <a:rPr lang="en-US" i="1" baseline="0" dirty="0" err="1" smtClean="0"/>
+              <a:t>math.pow</a:t>
+            </a:r>
+            <a:r>
+              <a:rPr lang="en-US" i="1" baseline="0" dirty="0" smtClean="0"/>
+              <a:t> </a:t>
+            </a:r>
+            <a:r>
+              <a:rPr lang="en-US" i="0" baseline="0" dirty="0" smtClean="0"/>
+              <a:t>with </a:t>
+            </a:r>
+            <a:r>
+              <a:rPr lang="en-US" i="1" baseline="0" dirty="0" err="1" smtClean="0"/>
+              <a:t>math.trunc</a:t>
+            </a:r>
+            <a:r>
+              <a:rPr lang="en-US" i="0" baseline="0" dirty="0" smtClean="0"/>
+              <a:t> to return a list of integers instead</a:t>
+            </a:r>
+            <a:endParaRPr lang="en-US" i="1" baseline="0" dirty="0" smtClean="0"/>
+          </a:p>
+        </p:txBody>
+      </p:sp>
+      <p:sp>
+        <p:nvSpPr>
+          <p:cNvPr id="4" name="Slide Number Placeholder 3"/>
+          <p:cNvSpPr>
+            <a:spLocks noGrp="1"/>
+          </p:cNvSpPr>
+          <p:nvPr>
+            <p:ph type="sldNum" sz="quarter" idx="10"/>
+          </p:nvPr>
+        </p:nvSpPr>
+        <p:spPr/>
+        <p:txBody>
+          <a:bodyPr/>
+          <a:lstStyle/>
+          <a:p>
+            <a:fld id="{5C949890-84D1-B346-997E-B43A2CF20212}" type="slidenum">
+              <a:rPr lang="en-US" smtClean="0"/>
+              <a:t>8</a:t>
+            </a:fld>
+            <a:endParaRPr lang="en-US"/>
+          </a:p>
+        </p:txBody>
+      </p:sp>
+    </p:spTree>
+    <p:extLst>
+      <p:ext uri="{BB962C8B-B14F-4D97-AF65-F5344CB8AC3E}">
+        <p14:creationId xmlns:p14="http://schemas.microsoft.com/office/powerpoint/2010/main" val="217468893"/>
+      </p:ext>
+    </p:extLst>
+  </p:cSld>
+  <p:clrMapOvr>
+    <a:masterClrMapping/>
+  </p:clrMapOvr>
+</p:notes>
+</file>
+
+<file path=ppt/notesSlides/notesSlide8.xml><?xml version="1.0" encoding="utf-8"?>
+<p:notes xmlns:a="http://schemas.openxmlformats.org/drawingml/2006/main" xmlns:r="http://schemas.openxmlformats.org/officeDocument/2006/relationships" xmlns:p="http://schemas.openxmlformats.org/presentationml/2006/main">
+  <p:cSld>
+    <p:spTree>
+      <p:nvGrpSpPr>
+        <p:cNvPr id="1" name=""/>
+        <p:cNvGrpSpPr/>
+        <p:nvPr/>
+      </p:nvGrpSpPr>
+      <p:grpSpPr>
+        <a:xfrm>
+          <a:off x="0" y="0"/>
+          <a:ext cx="0" cy="0"/>
+          <a:chOff x="0" y="0"/>
+          <a:chExt cx="0" cy="0"/>
+        </a:xfrm>
+      </p:grpSpPr>
+      <p:sp>
+        <p:nvSpPr>
+          <p:cNvPr id="2" name="Slide Image Placeholder 1"/>
+          <p:cNvSpPr>
+            <a:spLocks noGrp="1" noRot="1" noChangeAspect="1"/>
+          </p:cNvSpPr>
+          <p:nvPr>
+            <p:ph type="sldImg"/>
+          </p:nvPr>
+        </p:nvSpPr>
+        <p:spPr/>
+      </p:sp>
+      <p:sp>
+        <p:nvSpPr>
+          <p:cNvPr id="3" name="Notes Placeholder 2"/>
+          <p:cNvSpPr>
+            <a:spLocks noGrp="1"/>
+          </p:cNvSpPr>
+          <p:nvPr>
+            <p:ph type="body" idx="1"/>
+          </p:nvPr>
+        </p:nvSpPr>
+        <p:spPr/>
+        <p:txBody>
+          <a:bodyPr/>
+          <a:lstStyle/>
+          <a:p>
+            <a:pPr marL="171450" indent="-171450">
+              <a:buFont typeface="Arial" charset="0"/>
+              <a:buChar char="•"/>
+            </a:pPr>
+            <a:endParaRPr lang="en-US" i="0" baseline="0" dirty="0" smtClean="0"/>
+          </a:p>
+        </p:txBody>
+      </p:sp>
+      <p:sp>
+        <p:nvSpPr>
+          <p:cNvPr id="4" name="Slide Number Placeholder 3"/>
+          <p:cNvSpPr>
+            <a:spLocks noGrp="1"/>
+          </p:cNvSpPr>
+          <p:nvPr>
+            <p:ph type="sldNum" sz="quarter" idx="10"/>
+          </p:nvPr>
+        </p:nvSpPr>
+        <p:spPr/>
+        <p:txBody>
+          <a:bodyPr/>
+          <a:lstStyle/>
+          <a:p>
+            <a:fld id="{5C949890-84D1-B346-997E-B43A2CF20212}" type="slidenum">
+              <a:rPr lang="en-US" smtClean="0"/>
+              <a:t>9</a:t>
+            </a:fld>
+            <a:endParaRPr lang="en-US"/>
+          </a:p>
+        </p:txBody>
+      </p:sp>
+    </p:spTree>
+    <p:extLst>
+      <p:ext uri="{BB962C8B-B14F-4D97-AF65-F5344CB8AC3E}">
+        <p14:creationId xmlns:p14="http://schemas.microsoft.com/office/powerpoint/2010/main" val="755706263"/>
+      </p:ext>
+    </p:extLst>
+  </p:cSld>
+  <p:clrMapOvr>
+    <a:masterClrMapping/>
+  </p:clrMapOvr>
+</p:notes>
+</file>
+
+<file path=ppt/notesSlides/notesSlide9.xml><?xml version="1.0" encoding="utf-8"?>
+<p:notes xmlns:a="http://schemas.openxmlformats.org/drawingml/2006/main" xmlns:r="http://schemas.openxmlformats.org/officeDocument/2006/relationships" xmlns:p="http://schemas.openxmlformats.org/presentationml/2006/main">
+  <p:cSld>
+    <p:spTree>
+      <p:nvGrpSpPr>
+        <p:cNvPr id="1" name=""/>
+        <p:cNvGrpSpPr/>
+        <p:nvPr/>
+      </p:nvGrpSpPr>
+      <p:grpSpPr>
+        <a:xfrm>
+          <a:off x="0" y="0"/>
+          <a:ext cx="0" cy="0"/>
+          <a:chOff x="0" y="0"/>
+          <a:chExt cx="0" cy="0"/>
+        </a:xfrm>
+      </p:grpSpPr>
+      <p:sp>
+        <p:nvSpPr>
+          <p:cNvPr id="2" name="Slide Image Placeholder 1"/>
+          <p:cNvSpPr>
+            <a:spLocks noGrp="1" noRot="1" noChangeAspect="1"/>
+          </p:cNvSpPr>
+          <p:nvPr>
+            <p:ph type="sldImg"/>
+          </p:nvPr>
+        </p:nvSpPr>
+        <p:spPr/>
+      </p:sp>
+      <p:sp>
+        <p:nvSpPr>
+          <p:cNvPr id="3" name="Notes Placeholder 2"/>
+          <p:cNvSpPr>
+            <a:spLocks noGrp="1"/>
+          </p:cNvSpPr>
+          <p:nvPr>
+            <p:ph type="body" idx="1"/>
+          </p:nvPr>
+        </p:nvSpPr>
+        <p:spPr/>
+        <p:txBody>
+          <a:bodyPr/>
+          <a:lstStyle/>
+          <a:p>
+            <a:pPr marL="171450" indent="-171450">
+              <a:buFont typeface="Arial" charset="0"/>
+              <a:buChar char="•"/>
+            </a:pPr>
+            <a:endParaRPr lang="en-US" i="0" baseline="0" dirty="0" smtClean="0"/>
+          </a:p>
+        </p:txBody>
+      </p:sp>
+      <p:sp>
+        <p:nvSpPr>
+          <p:cNvPr id="4" name="Slide Number Placeholder 3"/>
+          <p:cNvSpPr>
+            <a:spLocks noGrp="1"/>
+          </p:cNvSpPr>
+          <p:nvPr>
+            <p:ph type="sldNum" sz="quarter" idx="10"/>
+          </p:nvPr>
+        </p:nvSpPr>
+        <p:spPr/>
+        <p:txBody>
+          <a:bodyPr/>
+          <a:lstStyle/>
+          <a:p>
+            <a:fld id="{5C949890-84D1-B346-997E-B43A2CF20212}" type="slidenum">
+              <a:rPr lang="en-US" smtClean="0"/>
+              <a:t>10</a:t>
+            </a:fld>
+            <a:endParaRPr lang="en-US"/>
+          </a:p>
+        </p:txBody>
+      </p:sp>
+    </p:spTree>
+    <p:extLst>
+      <p:ext uri="{BB962C8B-B14F-4D97-AF65-F5344CB8AC3E}">
+        <p14:creationId xmlns:p14="http://schemas.microsoft.com/office/powerpoint/2010/main" val="26092600"/>
+      </p:ext>
+    </p:extLst>
+  </p:cSld>
+  <p:clrMapOvr>
+    <a:masterClrMapping/>
+  </p:clrMapOvr>
+</p:notes>
+</file>
+
 <file path=ppt/slideLayouts/slideLayout1.xml><?xml version="1.0" encoding="utf-8"?>
 <p:sldLayout xmlns:a="http://schemas.openxmlformats.org/drawingml/2006/main" xmlns:r="http://schemas.openxmlformats.org/officeDocument/2006/relationships" xmlns:p="http://schemas.openxmlformats.org/presentationml/2006/main" type="title" preserve="1">
   <p:cSld name="Title Slide">
@@ -529,13 +2930,17 @@
         </p:nvSpPr>
         <p:spPr>
           <a:xfrm>
-            <a:off x="685800" y="2130425"/>
-            <a:ext cx="7772400" cy="1470025"/>
+            <a:off x="1524000" y="1122363"/>
+            <a:ext cx="9144000" cy="2387600"/>
           </a:xfrm>
         </p:spPr>
         <p:txBody>
-          <a:bodyPr/>
-          <a:lstStyle/>
+          <a:bodyPr anchor="b"/>
+          <a:lstStyle>
+            <a:lvl1pPr algn="ctr">
+              <a:defRPr sz="6000"/>
+            </a:lvl1pPr>
+          </a:lstStyle>
           <a:p>
             <a:r>
               <a:rPr lang="en-US" smtClean="0"/>
@@ -557,8 +2962,8 @@
         </p:nvSpPr>
         <p:spPr>
           <a:xfrm>
-            <a:off x="1371600" y="3886200"/>
-            <a:ext cx="6400800" cy="1752600"/>
+            <a:off x="1524000" y="3602038"/>
+            <a:ext cx="9144000" cy="1655762"/>
           </a:xfrm>
         </p:spPr>
         <p:txBody>
@@ -566,93 +2971,39 @@
           <a:lstStyle>
             <a:lvl1pPr marL="0" indent="0" algn="ctr">
               <a:buNone/>
-              <a:defRPr>
-                <a:solidFill>
-                  <a:schemeClr val="tx1">
-                    <a:tint val="75000"/>
-                  </a:schemeClr>
-                </a:solidFill>
-              </a:defRPr>
+              <a:defRPr sz="2400"/>
             </a:lvl1pPr>
             <a:lvl2pPr marL="457200" indent="0" algn="ctr">
               <a:buNone/>
-              <a:defRPr>
-                <a:solidFill>
-                  <a:schemeClr val="tx1">
-                    <a:tint val="75000"/>
-                  </a:schemeClr>
-                </a:solidFill>
-              </a:defRPr>
+              <a:defRPr sz="2000"/>
             </a:lvl2pPr>
             <a:lvl3pPr marL="914400" indent="0" algn="ctr">
               <a:buNone/>
-              <a:defRPr>
-                <a:solidFill>
-                  <a:schemeClr val="tx1">
-                    <a:tint val="75000"/>
-                  </a:schemeClr>
-                </a:solidFill>
-              </a:defRPr>
+              <a:defRPr sz="1800"/>
             </a:lvl3pPr>
             <a:lvl4pPr marL="1371600" indent="0" algn="ctr">
               <a:buNone/>
-              <a:defRPr>
-                <a:solidFill>
-                  <a:schemeClr val="tx1">
-                    <a:tint val="75000"/>
-                  </a:schemeClr>
-                </a:solidFill>
-              </a:defRPr>
+              <a:defRPr sz="1600"/>
             </a:lvl4pPr>
             <a:lvl5pPr marL="1828800" indent="0" algn="ctr">
               <a:buNone/>
-              <a:defRPr>
-                <a:solidFill>
-                  <a:schemeClr val="tx1">
-                    <a:tint val="75000"/>
-                  </a:schemeClr>
-                </a:solidFill>
-              </a:defRPr>
+              <a:defRPr sz="1600"/>
             </a:lvl5pPr>
             <a:lvl6pPr marL="2286000" indent="0" algn="ctr">
               <a:buNone/>
-              <a:defRPr>
-                <a:solidFill>
-                  <a:schemeClr val="tx1">
-                    <a:tint val="75000"/>
-                  </a:schemeClr>
-                </a:solidFill>
-              </a:defRPr>
+              <a:defRPr sz="1600"/>
             </a:lvl6pPr>
             <a:lvl7pPr marL="2743200" indent="0" algn="ctr">
               <a:buNone/>
-              <a:defRPr>
-                <a:solidFill>
-                  <a:schemeClr val="tx1">
-                    <a:tint val="75000"/>
-                  </a:schemeClr>
-                </a:solidFill>
-              </a:defRPr>
+              <a:defRPr sz="1600"/>
             </a:lvl7pPr>
             <a:lvl8pPr marL="3200400" indent="0" algn="ctr">
               <a:buNone/>
-              <a:defRPr>
-                <a:solidFill>
-                  <a:schemeClr val="tx1">
-                    <a:tint val="75000"/>
-                  </a:schemeClr>
-                </a:solidFill>
-              </a:defRPr>
+              <a:defRPr sz="1600"/>
             </a:lvl8pPr>
             <a:lvl9pPr marL="3657600" indent="0" algn="ctr">
               <a:buNone/>
-              <a:defRPr>
-                <a:solidFill>
-                  <a:schemeClr val="tx1">
-                    <a:tint val="75000"/>
-                  </a:schemeClr>
-                </a:solidFill>
-              </a:defRPr>
+              <a:defRPr sz="1600"/>
             </a:lvl9pPr>
           </a:lstStyle>
           <a:p>
@@ -679,9 +3030,9 @@
           <a:bodyPr/>
           <a:lstStyle/>
           <a:p>
-            <a:fld id="{F8166F1F-CE9B-4651-A6AA-CD717754106B}" type="datetimeFigureOut">
-              <a:rPr lang="en-US" smtClean="0"/>
-              <a:t>7/8/19</a:t>
+            <a:fld id="{BD4CA122-8521-6D44-9B67-558DC60F8753}" type="datetimeFigureOut">
+              <a:rPr lang="en-US" smtClean="0"/>
+              <a:t>10/23/19</a:t>
             </a:fld>
             <a:endParaRPr lang="en-US"/>
           </a:p>
@@ -721,7 +3072,7 @@
           <a:bodyPr/>
           <a:lstStyle/>
           <a:p>
-            <a:fld id="{B1393E5F-521B-4CAD-9D3A-AE923D912DCE}" type="slidenum">
+            <a:fld id="{B822FDE6-25CA-0444-94EE-C6FC8C5EFEB8}" type="slidenum">
               <a:rPr lang="en-US" smtClean="0"/>
               <a:t>‹#›</a:t>
             </a:fld>
@@ -730,6 +3081,11 @@
         </p:txBody>
       </p:sp>
     </p:spTree>
+    <p:extLst>
+      <p:ext uri="{BB962C8B-B14F-4D97-AF65-F5344CB8AC3E}">
+        <p14:creationId xmlns:p14="http://schemas.microsoft.com/office/powerpoint/2010/main" val="1223307664"/>
+      </p:ext>
+    </p:extLst>
   </p:cSld>
   <p:clrMapOvr>
     <a:masterClrMapping/>
@@ -844,9 +3200,9 @@
           <a:bodyPr/>
           <a:lstStyle/>
           <a:p>
-            <a:fld id="{A76116CE-C4A3-4A05-B2D7-7C2E9A889C0F}" type="datetimeFigureOut">
-              <a:rPr lang="en-US" smtClean="0"/>
-              <a:t>7/8/19</a:t>
+            <a:fld id="{BD4CA122-8521-6D44-9B67-558DC60F8753}" type="datetimeFigureOut">
+              <a:rPr lang="en-US" smtClean="0"/>
+              <a:t>10/23/19</a:t>
             </a:fld>
             <a:endParaRPr lang="en-US"/>
           </a:p>
@@ -886,7 +3242,7 @@
           <a:bodyPr/>
           <a:lstStyle/>
           <a:p>
-            <a:fld id="{B1393E5F-521B-4CAD-9D3A-AE923D912DCE}" type="slidenum">
+            <a:fld id="{B822FDE6-25CA-0444-94EE-C6FC8C5EFEB8}" type="slidenum">
               <a:rPr lang="en-US" smtClean="0"/>
               <a:t>‹#›</a:t>
             </a:fld>
@@ -895,6 +3251,11 @@
         </p:txBody>
       </p:sp>
     </p:spTree>
+    <p:extLst>
+      <p:ext uri="{BB962C8B-B14F-4D97-AF65-F5344CB8AC3E}">
+        <p14:creationId xmlns:p14="http://schemas.microsoft.com/office/powerpoint/2010/main" val="832326019"/>
+      </p:ext>
+    </p:extLst>
   </p:cSld>
   <p:clrMapOvr>
     <a:masterClrMapping/>
@@ -931,8 +3292,8 @@
         </p:nvSpPr>
         <p:spPr>
           <a:xfrm>
-            <a:off x="6629400" y="274638"/>
-            <a:ext cx="2057400" cy="5851525"/>
+            <a:off x="8724900" y="365125"/>
+            <a:ext cx="2628900" cy="5811838"/>
           </a:xfrm>
         </p:spPr>
         <p:txBody>
@@ -959,8 +3320,8 @@
         </p:nvSpPr>
         <p:spPr>
           <a:xfrm>
-            <a:off x="457200" y="274638"/>
-            <a:ext cx="6019800" cy="5851525"/>
+            <a:off x="838200" y="365125"/>
+            <a:ext cx="7734300" cy="5811838"/>
           </a:xfrm>
         </p:spPr>
         <p:txBody>
@@ -1019,9 +3380,9 @@
           <a:bodyPr/>
           <a:lstStyle/>
           <a:p>
-            <a:fld id="{A76116CE-C4A3-4A05-B2D7-7C2E9A889C0F}" type="datetimeFigureOut">
-              <a:rPr lang="en-US" smtClean="0"/>
-              <a:t>7/8/19</a:t>
+            <a:fld id="{BD4CA122-8521-6D44-9B67-558DC60F8753}" type="datetimeFigureOut">
+              <a:rPr lang="en-US" smtClean="0"/>
+              <a:t>10/23/19</a:t>
             </a:fld>
             <a:endParaRPr lang="en-US"/>
           </a:p>
@@ -1061,7 +3422,7 @@
           <a:bodyPr/>
           <a:lstStyle/>
           <a:p>
-            <a:fld id="{B1393E5F-521B-4CAD-9D3A-AE923D912DCE}" type="slidenum">
+            <a:fld id="{B822FDE6-25CA-0444-94EE-C6FC8C5EFEB8}" type="slidenum">
               <a:rPr lang="en-US" smtClean="0"/>
               <a:t>‹#›</a:t>
             </a:fld>
@@ -1070,6 +3431,11 @@
         </p:txBody>
       </p:sp>
     </p:spTree>
+    <p:extLst>
+      <p:ext uri="{BB962C8B-B14F-4D97-AF65-F5344CB8AC3E}">
+        <p14:creationId xmlns:p14="http://schemas.microsoft.com/office/powerpoint/2010/main" val="194924775"/>
+      </p:ext>
+    </p:extLst>
   </p:cSld>
   <p:clrMapOvr>
     <a:masterClrMapping/>
@@ -1132,9 +3498,7 @@
           <a:bodyPr/>
           <a:lstStyle/>
           <a:p>
-            <a:pPr lvl="0">
-              <a:buChar char="•"/>
-            </a:pPr>
+            <a:pPr lvl="0"/>
             <a:r>
               <a:rPr lang="en-US" smtClean="0"/>
               <a:t>Click to edit Master text styles</a:t>
@@ -1186,9 +3550,9 @@
           <a:bodyPr/>
           <a:lstStyle/>
           <a:p>
-            <a:fld id="{A76116CE-C4A3-4A05-B2D7-7C2E9A889C0F}" type="datetimeFigureOut">
-              <a:rPr lang="en-US" smtClean="0"/>
-              <a:t>7/8/19</a:t>
+            <a:fld id="{BD4CA122-8521-6D44-9B67-558DC60F8753}" type="datetimeFigureOut">
+              <a:rPr lang="en-US" smtClean="0"/>
+              <a:t>10/23/19</a:t>
             </a:fld>
             <a:endParaRPr lang="en-US"/>
           </a:p>
@@ -1228,7 +3592,7 @@
           <a:bodyPr/>
           <a:lstStyle/>
           <a:p>
-            <a:fld id="{B1393E5F-521B-4CAD-9D3A-AE923D912DCE}" type="slidenum">
+            <a:fld id="{B822FDE6-25CA-0444-94EE-C6FC8C5EFEB8}" type="slidenum">
               <a:rPr lang="en-US" smtClean="0"/>
               <a:t>‹#›</a:t>
             </a:fld>
@@ -1237,6 +3601,11 @@
         </p:txBody>
       </p:sp>
     </p:spTree>
+    <p:extLst>
+      <p:ext uri="{BB962C8B-B14F-4D97-AF65-F5344CB8AC3E}">
+        <p14:creationId xmlns:p14="http://schemas.microsoft.com/office/powerpoint/2010/main" val="123472470"/>
+      </p:ext>
+    </p:extLst>
   </p:cSld>
   <p:clrMapOvr>
     <a:masterClrMapping/>
@@ -1273,15 +3642,15 @@
         </p:nvSpPr>
         <p:spPr>
           <a:xfrm>
-            <a:off x="722313" y="4406900"/>
-            <a:ext cx="7772400" cy="1362075"/>
+            <a:off x="831850" y="1709738"/>
+            <a:ext cx="10515600" cy="2852737"/>
           </a:xfrm>
         </p:spPr>
         <p:txBody>
-          <a:bodyPr anchor="t"/>
+          <a:bodyPr anchor="b"/>
           <a:lstStyle>
-            <a:lvl1pPr algn="l">
-              <a:defRPr sz="4000" b="1" cap="all"/>
+            <a:lvl1pPr>
+              <a:defRPr sz="6000"/>
             </a:lvl1pPr>
           </a:lstStyle>
           <a:p>
@@ -1305,16 +3674,16 @@
         </p:nvSpPr>
         <p:spPr>
           <a:xfrm>
-            <a:off x="722313" y="2906713"/>
-            <a:ext cx="7772400" cy="1500187"/>
+            <a:off x="831850" y="4589463"/>
+            <a:ext cx="10515600" cy="1500187"/>
           </a:xfrm>
         </p:spPr>
         <p:txBody>
-          <a:bodyPr anchor="b"/>
+          <a:bodyPr/>
           <a:lstStyle>
             <a:lvl1pPr marL="0" indent="0">
               <a:buNone/>
-              <a:defRPr sz="2000">
+              <a:defRPr sz="2400">
                 <a:solidFill>
                   <a:schemeClr val="tx1">
                     <a:tint val="75000"/>
@@ -1324,7 +3693,7 @@
             </a:lvl1pPr>
             <a:lvl2pPr marL="457200" indent="0">
               <a:buNone/>
-              <a:defRPr sz="1800">
+              <a:defRPr sz="2000">
                 <a:solidFill>
                   <a:schemeClr val="tx1">
                     <a:tint val="75000"/>
@@ -1334,7 +3703,7 @@
             </a:lvl2pPr>
             <a:lvl3pPr marL="914400" indent="0">
               <a:buNone/>
-              <a:defRPr sz="1600">
+              <a:defRPr sz="1800">
                 <a:solidFill>
                   <a:schemeClr val="tx1">
                     <a:tint val="75000"/>
@@ -1344,7 +3713,7 @@
             </a:lvl3pPr>
             <a:lvl4pPr marL="1371600" indent="0">
               <a:buNone/>
-              <a:defRPr sz="1400">
+              <a:defRPr sz="1600">
                 <a:solidFill>
                   <a:schemeClr val="tx1">
                     <a:tint val="75000"/>
@@ -1354,7 +3723,7 @@
             </a:lvl4pPr>
             <a:lvl5pPr marL="1828800" indent="0">
               <a:buNone/>
-              <a:defRPr sz="1400">
+              <a:defRPr sz="1600">
                 <a:solidFill>
                   <a:schemeClr val="tx1">
                     <a:tint val="75000"/>
@@ -1364,7 +3733,7 @@
             </a:lvl5pPr>
             <a:lvl6pPr marL="2286000" indent="0">
               <a:buNone/>
-              <a:defRPr sz="1400">
+              <a:defRPr sz="1600">
                 <a:solidFill>
                   <a:schemeClr val="tx1">
                     <a:tint val="75000"/>
@@ -1374,7 +3743,7 @@
             </a:lvl6pPr>
             <a:lvl7pPr marL="2743200" indent="0">
               <a:buNone/>
-              <a:defRPr sz="1400">
+              <a:defRPr sz="1600">
                 <a:solidFill>
                   <a:schemeClr val="tx1">
                     <a:tint val="75000"/>
@@ -1384,7 +3753,7 @@
             </a:lvl7pPr>
             <a:lvl8pPr marL="3200400" indent="0">
               <a:buNone/>
-              <a:defRPr sz="1400">
+              <a:defRPr sz="1600">
                 <a:solidFill>
                   <a:schemeClr val="tx1">
                     <a:tint val="75000"/>
@@ -1394,7 +3763,7 @@
             </a:lvl8pPr>
             <a:lvl9pPr marL="3657600" indent="0">
               <a:buNone/>
-              <a:defRPr sz="1400">
+              <a:defRPr sz="1600">
                 <a:solidFill>
                   <a:schemeClr val="tx1">
                     <a:tint val="75000"/>
@@ -1427,9 +3796,9 @@
           <a:bodyPr/>
           <a:lstStyle/>
           <a:p>
-            <a:fld id="{A76116CE-C4A3-4A05-B2D7-7C2E9A889C0F}" type="datetimeFigureOut">
-              <a:rPr lang="en-US" smtClean="0"/>
-              <a:t>7/8/19</a:t>
+            <a:fld id="{BD4CA122-8521-6D44-9B67-558DC60F8753}" type="datetimeFigureOut">
+              <a:rPr lang="en-US" smtClean="0"/>
+              <a:t>10/23/19</a:t>
             </a:fld>
             <a:endParaRPr lang="en-US"/>
           </a:p>
@@ -1469,7 +3838,7 @@
           <a:bodyPr/>
           <a:lstStyle/>
           <a:p>
-            <a:fld id="{B1393E5F-521B-4CAD-9D3A-AE923D912DCE}" type="slidenum">
+            <a:fld id="{B822FDE6-25CA-0444-94EE-C6FC8C5EFEB8}" type="slidenum">
               <a:rPr lang="en-US" smtClean="0"/>
               <a:t>‹#›</a:t>
             </a:fld>
@@ -1478,6 +3847,11 @@
         </p:txBody>
       </p:sp>
     </p:spTree>
+    <p:extLst>
+      <p:ext uri="{BB962C8B-B14F-4D97-AF65-F5344CB8AC3E}">
+        <p14:creationId xmlns:p14="http://schemas.microsoft.com/office/powerpoint/2010/main" val="732600288"/>
+      </p:ext>
+    </p:extLst>
   </p:cSld>
   <p:clrMapOvr>
     <a:masterClrMapping/>
@@ -1537,41 +3911,13 @@
         </p:nvSpPr>
         <p:spPr>
           <a:xfrm>
-            <a:off x="457200" y="1600200"/>
-            <a:ext cx="4038600" cy="4525963"/>
+            <a:off x="838200" y="1825625"/>
+            <a:ext cx="5181600" cy="4351338"/>
           </a:xfrm>
         </p:spPr>
         <p:txBody>
           <a:bodyPr/>
-          <a:lstStyle>
-            <a:lvl1pPr>
-              <a:defRPr sz="2800"/>
-            </a:lvl1pPr>
-            <a:lvl2pPr>
-              <a:defRPr sz="2400"/>
-            </a:lvl2pPr>
-            <a:lvl3pPr>
-              <a:defRPr sz="2000"/>
-            </a:lvl3pPr>
-            <a:lvl4pPr>
-              <a:defRPr sz="1800"/>
-            </a:lvl4pPr>
-            <a:lvl5pPr>
-              <a:defRPr sz="1800"/>
-            </a:lvl5pPr>
-            <a:lvl6pPr>
-              <a:defRPr sz="1800"/>
-            </a:lvl6pPr>
-            <a:lvl7pPr>
-              <a:defRPr sz="1800"/>
-            </a:lvl7pPr>
-            <a:lvl8pPr>
-              <a:defRPr sz="1800"/>
-            </a:lvl8pPr>
-            <a:lvl9pPr>
-              <a:defRPr sz="1800"/>
-            </a:lvl9pPr>
-          </a:lstStyle>
+          <a:lstStyle/>
           <a:p>
             <a:pPr lvl="0"/>
             <a:r>
@@ -1622,41 +3968,13 @@
         </p:nvSpPr>
         <p:spPr>
           <a:xfrm>
-            <a:off x="4648200" y="1600200"/>
-            <a:ext cx="4038600" cy="4525963"/>
+            <a:off x="6172200" y="1825625"/>
+            <a:ext cx="5181600" cy="4351338"/>
           </a:xfrm>
         </p:spPr>
         <p:txBody>
           <a:bodyPr/>
-          <a:lstStyle>
-            <a:lvl1pPr>
-              <a:defRPr sz="2800"/>
-            </a:lvl1pPr>
-            <a:lvl2pPr>
-              <a:defRPr sz="2400"/>
-            </a:lvl2pPr>
-            <a:lvl3pPr>
-              <a:defRPr sz="2000"/>
-            </a:lvl3pPr>
-            <a:lvl4pPr>
-              <a:defRPr sz="1800"/>
-            </a:lvl4pPr>
-            <a:lvl5pPr>
-              <a:defRPr sz="1800"/>
-            </a:lvl5pPr>
-            <a:lvl6pPr>
-              <a:defRPr sz="1800"/>
-            </a:lvl6pPr>
-            <a:lvl7pPr>
-              <a:defRPr sz="1800"/>
-            </a:lvl7pPr>
-            <a:lvl8pPr>
-              <a:defRPr sz="1800"/>
-            </a:lvl8pPr>
-            <a:lvl9pPr>
-              <a:defRPr sz="1800"/>
-            </a:lvl9pPr>
-          </a:lstStyle>
+          <a:lstStyle/>
           <a:p>
             <a:pPr lvl="0"/>
             <a:r>
@@ -1710,9 +4028,9 @@
           <a:bodyPr/>
           <a:lstStyle/>
           <a:p>
-            <a:fld id="{A76116CE-C4A3-4A05-B2D7-7C2E9A889C0F}" type="datetimeFigureOut">
-              <a:rPr lang="en-US" smtClean="0"/>
-              <a:t>7/8/19</a:t>
+            <a:fld id="{BD4CA122-8521-6D44-9B67-558DC60F8753}" type="datetimeFigureOut">
+              <a:rPr lang="en-US" smtClean="0"/>
+              <a:t>10/23/19</a:t>
             </a:fld>
             <a:endParaRPr lang="en-US"/>
           </a:p>
@@ -1752,7 +4070,7 @@
           <a:bodyPr/>
           <a:lstStyle/>
           <a:p>
-            <a:fld id="{B1393E5F-521B-4CAD-9D3A-AE923D912DCE}" type="slidenum">
+            <a:fld id="{B822FDE6-25CA-0444-94EE-C6FC8C5EFEB8}" type="slidenum">
               <a:rPr lang="en-US" smtClean="0"/>
               <a:t>‹#›</a:t>
             </a:fld>
@@ -1761,6 +4079,11 @@
         </p:txBody>
       </p:sp>
     </p:spTree>
+    <p:extLst>
+      <p:ext uri="{BB962C8B-B14F-4D97-AF65-F5344CB8AC3E}">
+        <p14:creationId xmlns:p14="http://schemas.microsoft.com/office/powerpoint/2010/main" val="1289292165"/>
+      </p:ext>
+    </p:extLst>
   </p:cSld>
   <p:clrMapOvr>
     <a:masterClrMapping/>
@@ -1795,37 +4118,38 @@
             <p:ph type="title"/>
           </p:nvPr>
         </p:nvSpPr>
-        <p:spPr/>
-        <p:txBody>
-          <a:bodyPr/>
-          <a:lstStyle>
-            <a:lvl1pPr>
-              <a:defRPr/>
-            </a:lvl1pPr>
-          </a:lstStyle>
-          <a:p>
-            <a:r>
-              <a:rPr lang="en-US" smtClean="0"/>
-              <a:t>Click to edit Master title style</a:t>
-            </a:r>
-            <a:endParaRPr lang="en-US"/>
-          </a:p>
-        </p:txBody>
-      </p:sp>
-      <p:sp>
-        <p:nvSpPr>
-          <p:cNvPr id="3" name="Text Placeholder 2"/>
-          <p:cNvSpPr>
-            <a:spLocks noGrp="1"/>
-          </p:cNvSpPr>
-          <p:nvPr>
-            <p:ph type="body" idx="1"/>
-          </p:nvPr>
-        </p:nvSpPr>
         <p:spPr>
           <a:xfrm>
-            <a:off x="457200" y="1535113"/>
-            <a:ext cx="4040188" cy="639762"/>
+            <a:off x="839788" y="365125"/>
+            <a:ext cx="10515600" cy="1325563"/>
+          </a:xfrm>
+        </p:spPr>
+        <p:txBody>
+          <a:bodyPr/>
+          <a:lstStyle/>
+          <a:p>
+            <a:r>
+              <a:rPr lang="en-US" smtClean="0"/>
+              <a:t>Click to edit Master title style</a:t>
+            </a:r>
+            <a:endParaRPr lang="en-US"/>
+          </a:p>
+        </p:txBody>
+      </p:sp>
+      <p:sp>
+        <p:nvSpPr>
+          <p:cNvPr id="3" name="Text Placeholder 2"/>
+          <p:cNvSpPr>
+            <a:spLocks noGrp="1"/>
+          </p:cNvSpPr>
+          <p:nvPr>
+            <p:ph type="body" idx="1"/>
+          </p:nvPr>
+        </p:nvSpPr>
+        <p:spPr>
+          <a:xfrm>
+            <a:off x="839788" y="1681163"/>
+            <a:ext cx="5157787" cy="823912"/>
           </a:xfrm>
         </p:spPr>
         <p:txBody>
@@ -1889,41 +4213,13 @@
         </p:nvSpPr>
         <p:spPr>
           <a:xfrm>
-            <a:off x="457200" y="2174875"/>
-            <a:ext cx="4040188" cy="3951288"/>
+            <a:off x="839788" y="2505075"/>
+            <a:ext cx="5157787" cy="3684588"/>
           </a:xfrm>
         </p:spPr>
         <p:txBody>
           <a:bodyPr/>
-          <a:lstStyle>
-            <a:lvl1pPr>
-              <a:defRPr sz="2400"/>
-            </a:lvl1pPr>
-            <a:lvl2pPr>
-              <a:defRPr sz="2000"/>
-            </a:lvl2pPr>
-            <a:lvl3pPr>
-              <a:defRPr sz="1800"/>
-            </a:lvl3pPr>
-            <a:lvl4pPr>
-              <a:defRPr sz="1600"/>
-            </a:lvl4pPr>
-            <a:lvl5pPr>
-              <a:defRPr sz="1600"/>
-            </a:lvl5pPr>
-            <a:lvl6pPr>
-              <a:defRPr sz="1600"/>
-            </a:lvl6pPr>
-            <a:lvl7pPr>
-              <a:defRPr sz="1600"/>
-            </a:lvl7pPr>
-            <a:lvl8pPr>
-              <a:defRPr sz="1600"/>
-            </a:lvl8pPr>
-            <a:lvl9pPr>
-              <a:defRPr sz="1600"/>
-            </a:lvl9pPr>
-          </a:lstStyle>
+          <a:lstStyle/>
           <a:p>
             <a:pPr lvl="0"/>
             <a:r>
@@ -1974,8 +4270,8 @@
         </p:nvSpPr>
         <p:spPr>
           <a:xfrm>
-            <a:off x="4645025" y="1535113"/>
-            <a:ext cx="4041775" cy="639762"/>
+            <a:off x="6172200" y="1681163"/>
+            <a:ext cx="5183188" cy="823912"/>
           </a:xfrm>
         </p:spPr>
         <p:txBody>
@@ -2039,41 +4335,13 @@
         </p:nvSpPr>
         <p:spPr>
           <a:xfrm>
-            <a:off x="4645025" y="2174875"/>
-            <a:ext cx="4041775" cy="3951288"/>
+            <a:off x="6172200" y="2505075"/>
+            <a:ext cx="5183188" cy="3684588"/>
           </a:xfrm>
         </p:spPr>
         <p:txBody>
           <a:bodyPr/>
-          <a:lstStyle>
-            <a:lvl1pPr>
-              <a:defRPr sz="2400"/>
-            </a:lvl1pPr>
-            <a:lvl2pPr>
-              <a:defRPr sz="2000"/>
-            </a:lvl2pPr>
-            <a:lvl3pPr>
-              <a:defRPr sz="1800"/>
-            </a:lvl3pPr>
-            <a:lvl4pPr>
-              <a:defRPr sz="1600"/>
-            </a:lvl4pPr>
-            <a:lvl5pPr>
-              <a:defRPr sz="1600"/>
-            </a:lvl5pPr>
-            <a:lvl6pPr>
-              <a:defRPr sz="1600"/>
-            </a:lvl6pPr>
-            <a:lvl7pPr>
-              <a:defRPr sz="1600"/>
-            </a:lvl7pPr>
-            <a:lvl8pPr>
-              <a:defRPr sz="1600"/>
-            </a:lvl8pPr>
-            <a:lvl9pPr>
-              <a:defRPr sz="1600"/>
-            </a:lvl9pPr>
-          </a:lstStyle>
+          <a:lstStyle/>
           <a:p>
             <a:pPr lvl="0"/>
             <a:r>
@@ -2127,9 +4395,9 @@
           <a:bodyPr/>
           <a:lstStyle/>
           <a:p>
-            <a:fld id="{A76116CE-C4A3-4A05-B2D7-7C2E9A889C0F}" type="datetimeFigureOut">
-              <a:rPr lang="en-US" smtClean="0"/>
-              <a:t>7/8/19</a:t>
+            <a:fld id="{BD4CA122-8521-6D44-9B67-558DC60F8753}" type="datetimeFigureOut">
+              <a:rPr lang="en-US" smtClean="0"/>
+              <a:t>10/23/19</a:t>
             </a:fld>
             <a:endParaRPr lang="en-US"/>
           </a:p>
@@ -2169,7 +4437,7 @@
           <a:bodyPr/>
           <a:lstStyle/>
           <a:p>
-            <a:fld id="{B1393E5F-521B-4CAD-9D3A-AE923D912DCE}" type="slidenum">
+            <a:fld id="{B822FDE6-25CA-0444-94EE-C6FC8C5EFEB8}" type="slidenum">
               <a:rPr lang="en-US" smtClean="0"/>
               <a:t>‹#›</a:t>
             </a:fld>
@@ -2178,6 +4446,11 @@
         </p:txBody>
       </p:sp>
     </p:spTree>
+    <p:extLst>
+      <p:ext uri="{BB962C8B-B14F-4D97-AF65-F5344CB8AC3E}">
+        <p14:creationId xmlns:p14="http://schemas.microsoft.com/office/powerpoint/2010/main" val="1023418925"/>
+      </p:ext>
+    </p:extLst>
   </p:cSld>
   <p:clrMapOvr>
     <a:masterClrMapping/>
@@ -2240,9 +4513,9 @@
           <a:bodyPr/>
           <a:lstStyle/>
           <a:p>
-            <a:fld id="{A76116CE-C4A3-4A05-B2D7-7C2E9A889C0F}" type="datetimeFigureOut">
-              <a:rPr lang="en-US" smtClean="0"/>
-              <a:t>7/8/19</a:t>
+            <a:fld id="{BD4CA122-8521-6D44-9B67-558DC60F8753}" type="datetimeFigureOut">
+              <a:rPr lang="en-US" smtClean="0"/>
+              <a:t>10/23/19</a:t>
             </a:fld>
             <a:endParaRPr lang="en-US"/>
           </a:p>
@@ -2282,7 +4555,7 @@
           <a:bodyPr/>
           <a:lstStyle/>
           <a:p>
-            <a:fld id="{B1393E5F-521B-4CAD-9D3A-AE923D912DCE}" type="slidenum">
+            <a:fld id="{B822FDE6-25CA-0444-94EE-C6FC8C5EFEB8}" type="slidenum">
               <a:rPr lang="en-US" smtClean="0"/>
               <a:t>‹#›</a:t>
             </a:fld>
@@ -2291,6 +4564,11 @@
         </p:txBody>
       </p:sp>
     </p:spTree>
+    <p:extLst>
+      <p:ext uri="{BB962C8B-B14F-4D97-AF65-F5344CB8AC3E}">
+        <p14:creationId xmlns:p14="http://schemas.microsoft.com/office/powerpoint/2010/main" val="1405343652"/>
+      </p:ext>
+    </p:extLst>
   </p:cSld>
   <p:clrMapOvr>
     <a:masterClrMapping/>
@@ -2330,9 +4608,9 @@
           <a:bodyPr/>
           <a:lstStyle/>
           <a:p>
-            <a:fld id="{A76116CE-C4A3-4A05-B2D7-7C2E9A889C0F}" type="datetimeFigureOut">
-              <a:rPr lang="en-US" smtClean="0"/>
-              <a:t>7/8/19</a:t>
+            <a:fld id="{BD4CA122-8521-6D44-9B67-558DC60F8753}" type="datetimeFigureOut">
+              <a:rPr lang="en-US" smtClean="0"/>
+              <a:t>10/23/19</a:t>
             </a:fld>
             <a:endParaRPr lang="en-US"/>
           </a:p>
@@ -2372,7 +4650,7 @@
           <a:bodyPr/>
           <a:lstStyle/>
           <a:p>
-            <a:fld id="{B1393E5F-521B-4CAD-9D3A-AE923D912DCE}" type="slidenum">
+            <a:fld id="{B822FDE6-25CA-0444-94EE-C6FC8C5EFEB8}" type="slidenum">
               <a:rPr lang="en-US" smtClean="0"/>
               <a:t>‹#›</a:t>
             </a:fld>
@@ -2381,6 +4659,11 @@
         </p:txBody>
       </p:sp>
     </p:spTree>
+    <p:extLst>
+      <p:ext uri="{BB962C8B-B14F-4D97-AF65-F5344CB8AC3E}">
+        <p14:creationId xmlns:p14="http://schemas.microsoft.com/office/powerpoint/2010/main" val="1585609458"/>
+      </p:ext>
+    </p:extLst>
   </p:cSld>
   <p:clrMapOvr>
     <a:masterClrMapping/>
@@ -2417,15 +4700,15 @@
         </p:nvSpPr>
         <p:spPr>
           <a:xfrm>
-            <a:off x="457200" y="273050"/>
-            <a:ext cx="3008313" cy="1162050"/>
+            <a:off x="839788" y="457200"/>
+            <a:ext cx="3932237" cy="1600200"/>
           </a:xfrm>
         </p:spPr>
         <p:txBody>
           <a:bodyPr anchor="b"/>
           <a:lstStyle>
-            <a:lvl1pPr algn="l">
-              <a:defRPr sz="2000" b="1"/>
+            <a:lvl1pPr>
+              <a:defRPr sz="3200"/>
             </a:lvl1pPr>
           </a:lstStyle>
           <a:p>
@@ -2449,8 +4732,8 @@
         </p:nvSpPr>
         <p:spPr>
           <a:xfrm>
-            <a:off x="3575050" y="273050"/>
-            <a:ext cx="5111750" cy="5853113"/>
+            <a:off x="5183188" y="987425"/>
+            <a:ext cx="6172200" cy="4873625"/>
           </a:xfrm>
         </p:spPr>
         <p:txBody>
@@ -2534,8 +4817,8 @@
         </p:nvSpPr>
         <p:spPr>
           <a:xfrm>
-            <a:off x="457200" y="1435100"/>
-            <a:ext cx="3008313" cy="4691063"/>
+            <a:off x="839788" y="2057400"/>
+            <a:ext cx="3932237" cy="3811588"/>
           </a:xfrm>
         </p:spPr>
         <p:txBody>
@@ -2543,39 +4826,39 @@
           <a:lstStyle>
             <a:lvl1pPr marL="0" indent="0">
               <a:buNone/>
-              <a:defRPr sz="1400"/>
+              <a:defRPr sz="1600"/>
             </a:lvl1pPr>
             <a:lvl2pPr marL="457200" indent="0">
               <a:buNone/>
-              <a:defRPr sz="1200"/>
+              <a:defRPr sz="1400"/>
             </a:lvl2pPr>
             <a:lvl3pPr marL="914400" indent="0">
               <a:buNone/>
-              <a:defRPr sz="1000"/>
+              <a:defRPr sz="1200"/>
             </a:lvl3pPr>
             <a:lvl4pPr marL="1371600" indent="0">
               <a:buNone/>
-              <a:defRPr sz="900"/>
+              <a:defRPr sz="1000"/>
             </a:lvl4pPr>
             <a:lvl5pPr marL="1828800" indent="0">
               <a:buNone/>
-              <a:defRPr sz="900"/>
+              <a:defRPr sz="1000"/>
             </a:lvl5pPr>
             <a:lvl6pPr marL="2286000" indent="0">
               <a:buNone/>
-              <a:defRPr sz="900"/>
+              <a:defRPr sz="1000"/>
             </a:lvl6pPr>
             <a:lvl7pPr marL="2743200" indent="0">
               <a:buNone/>
-              <a:defRPr sz="900"/>
+              <a:defRPr sz="1000"/>
             </a:lvl7pPr>
             <a:lvl8pPr marL="3200400" indent="0">
               <a:buNone/>
-              <a:defRPr sz="900"/>
+              <a:defRPr sz="1000"/>
             </a:lvl8pPr>
             <a:lvl9pPr marL="3657600" indent="0">
               <a:buNone/>
-              <a:defRPr sz="900"/>
+              <a:defRPr sz="1000"/>
             </a:lvl9pPr>
           </a:lstStyle>
           <a:p>
@@ -2602,9 +4885,9 @@
           <a:bodyPr/>
           <a:lstStyle/>
           <a:p>
-            <a:fld id="{A76116CE-C4A3-4A05-B2D7-7C2E9A889C0F}" type="datetimeFigureOut">
-              <a:rPr lang="en-US" smtClean="0"/>
-              <a:t>7/8/19</a:t>
+            <a:fld id="{BD4CA122-8521-6D44-9B67-558DC60F8753}" type="datetimeFigureOut">
+              <a:rPr lang="en-US" smtClean="0"/>
+              <a:t>10/23/19</a:t>
             </a:fld>
             <a:endParaRPr lang="en-US"/>
           </a:p>
@@ -2644,7 +4927,7 @@
           <a:bodyPr/>
           <a:lstStyle/>
           <a:p>
-            <a:fld id="{B1393E5F-521B-4CAD-9D3A-AE923D912DCE}" type="slidenum">
+            <a:fld id="{B822FDE6-25CA-0444-94EE-C6FC8C5EFEB8}" type="slidenum">
               <a:rPr lang="en-US" smtClean="0"/>
               <a:t>‹#›</a:t>
             </a:fld>
@@ -2653,6 +4936,11 @@
         </p:txBody>
       </p:sp>
     </p:spTree>
+    <p:extLst>
+      <p:ext uri="{BB962C8B-B14F-4D97-AF65-F5344CB8AC3E}">
+        <p14:creationId xmlns:p14="http://schemas.microsoft.com/office/powerpoint/2010/main" val="1213584983"/>
+      </p:ext>
+    </p:extLst>
   </p:cSld>
   <p:clrMapOvr>
     <a:masterClrMapping/>
@@ -2689,15 +4977,15 @@
         </p:nvSpPr>
         <p:spPr>
           <a:xfrm>
-            <a:off x="1792288" y="4800600"/>
-            <a:ext cx="5486400" cy="566738"/>
+            <a:off x="839788" y="457200"/>
+            <a:ext cx="3932237" cy="1600200"/>
           </a:xfrm>
         </p:spPr>
         <p:txBody>
           <a:bodyPr anchor="b"/>
           <a:lstStyle>
-            <a:lvl1pPr algn="l">
-              <a:defRPr sz="2000" b="1"/>
+            <a:lvl1pPr>
+              <a:defRPr sz="3200"/>
             </a:lvl1pPr>
           </a:lstStyle>
           <a:p>
@@ -2721,8 +5009,8 @@
         </p:nvSpPr>
         <p:spPr>
           <a:xfrm>
-            <a:off x="1792288" y="612775"/>
-            <a:ext cx="5486400" cy="4114800"/>
+            <a:off x="5183188" y="987425"/>
+            <a:ext cx="6172200" cy="4873625"/>
           </a:xfrm>
         </p:spPr>
         <p:txBody>
@@ -2782,8 +5070,8 @@
         </p:nvSpPr>
         <p:spPr>
           <a:xfrm>
-            <a:off x="1792288" y="5367338"/>
-            <a:ext cx="5486400" cy="804862"/>
+            <a:off x="839788" y="2057400"/>
+            <a:ext cx="3932237" cy="3811588"/>
           </a:xfrm>
         </p:spPr>
         <p:txBody>
@@ -2791,39 +5079,39 @@
           <a:lstStyle>
             <a:lvl1pPr marL="0" indent="0">
               <a:buNone/>
-              <a:defRPr sz="1400"/>
+              <a:defRPr sz="1600"/>
             </a:lvl1pPr>
             <a:lvl2pPr marL="457200" indent="0">
               <a:buNone/>
-              <a:defRPr sz="1200"/>
+              <a:defRPr sz="1400"/>
             </a:lvl2pPr>
             <a:lvl3pPr marL="914400" indent="0">
               <a:buNone/>
-              <a:defRPr sz="1000"/>
+              <a:defRPr sz="1200"/>
             </a:lvl3pPr>
             <a:lvl4pPr marL="1371600" indent="0">
               <a:buNone/>
-              <a:defRPr sz="900"/>
+              <a:defRPr sz="1000"/>
             </a:lvl4pPr>
             <a:lvl5pPr marL="1828800" indent="0">
               <a:buNone/>
-              <a:defRPr sz="900"/>
+              <a:defRPr sz="1000"/>
             </a:lvl5pPr>
             <a:lvl6pPr marL="2286000" indent="0">
               <a:buNone/>
-              <a:defRPr sz="900"/>
+              <a:defRPr sz="1000"/>
             </a:lvl6pPr>
             <a:lvl7pPr marL="2743200" indent="0">
               <a:buNone/>
-              <a:defRPr sz="900"/>
+              <a:defRPr sz="1000"/>
             </a:lvl7pPr>
             <a:lvl8pPr marL="3200400" indent="0">
               <a:buNone/>
-              <a:defRPr sz="900"/>
+              <a:defRPr sz="1000"/>
             </a:lvl8pPr>
             <a:lvl9pPr marL="3657600" indent="0">
               <a:buNone/>
-              <a:defRPr sz="900"/>
+              <a:defRPr sz="1000"/>
             </a:lvl9pPr>
           </a:lstStyle>
           <a:p>
@@ -2850,9 +5138,9 @@
           <a:bodyPr/>
           <a:lstStyle/>
           <a:p>
-            <a:fld id="{A76116CE-C4A3-4A05-B2D7-7C2E9A889C0F}" type="datetimeFigureOut">
-              <a:rPr lang="en-US" smtClean="0"/>
-              <a:t>7/8/19</a:t>
+            <a:fld id="{BD4CA122-8521-6D44-9B67-558DC60F8753}" type="datetimeFigureOut">
+              <a:rPr lang="en-US" smtClean="0"/>
+              <a:t>10/23/19</a:t>
             </a:fld>
             <a:endParaRPr lang="en-US"/>
           </a:p>
@@ -2892,7 +5180,7 @@
           <a:bodyPr/>
           <a:lstStyle/>
           <a:p>
-            <a:fld id="{B1393E5F-521B-4CAD-9D3A-AE923D912DCE}" type="slidenum">
+            <a:fld id="{B822FDE6-25CA-0444-94EE-C6FC8C5EFEB8}" type="slidenum">
               <a:rPr lang="en-US" smtClean="0"/>
               <a:t>‹#›</a:t>
             </a:fld>
@@ -2901,6 +5189,11 @@
         </p:txBody>
       </p:sp>
     </p:spTree>
+    <p:extLst>
+      <p:ext uri="{BB962C8B-B14F-4D97-AF65-F5344CB8AC3E}">
+        <p14:creationId xmlns:p14="http://schemas.microsoft.com/office/powerpoint/2010/main" val="2070613722"/>
+      </p:ext>
+    </p:extLst>
   </p:cSld>
   <p:clrMapOvr>
     <a:masterClrMapping/>
@@ -2942,8 +5235,8 @@
         </p:nvSpPr>
         <p:spPr>
           <a:xfrm>
-            <a:off x="457200" y="274638"/>
-            <a:ext cx="8229600" cy="1143000"/>
+            <a:off x="838200" y="365125"/>
+            <a:ext cx="10515600" cy="1325563"/>
           </a:xfrm>
           <a:prstGeom prst="rect">
             <a:avLst/>
@@ -2975,8 +5268,8 @@
         </p:nvSpPr>
         <p:spPr>
           <a:xfrm>
-            <a:off x="457200" y="1600200"/>
-            <a:ext cx="8229600" cy="4525963"/>
+            <a:off x="838200" y="1825625"/>
+            <a:ext cx="10515600" cy="4351338"/>
           </a:xfrm>
           <a:prstGeom prst="rect">
             <a:avLst/>
@@ -3037,8 +5330,8 @@
         </p:nvSpPr>
         <p:spPr>
           <a:xfrm>
-            <a:off x="457200" y="6356350"/>
-            <a:ext cx="2133600" cy="365125"/>
+            <a:off x="838200" y="6356350"/>
+            <a:ext cx="2743200" cy="365125"/>
           </a:xfrm>
           <a:prstGeom prst="rect">
             <a:avLst/>
@@ -3058,9 +5351,9 @@
             </a:lvl1pPr>
           </a:lstStyle>
           <a:p>
-            <a:fld id="{F8166F1F-CE9B-4651-A6AA-CD717754106B}" type="datetimeFigureOut">
-              <a:rPr lang="en-US" smtClean="0"/>
-              <a:t>7/8/19</a:t>
+            <a:fld id="{BD4CA122-8521-6D44-9B67-558DC60F8753}" type="datetimeFigureOut">
+              <a:rPr lang="en-US" smtClean="0"/>
+              <a:t>10/23/19</a:t>
             </a:fld>
             <a:endParaRPr lang="en-US"/>
           </a:p>
@@ -3078,8 +5371,8 @@
         </p:nvSpPr>
         <p:spPr>
           <a:xfrm>
-            <a:off x="3124200" y="6356350"/>
-            <a:ext cx="2895600" cy="365125"/>
+            <a:off x="4038600" y="6356350"/>
+            <a:ext cx="4114800" cy="365125"/>
           </a:xfrm>
           <a:prstGeom prst="rect">
             <a:avLst/>
@@ -3115,8 +5408,8 @@
         </p:nvSpPr>
         <p:spPr>
           <a:xfrm>
-            <a:off x="6553200" y="6356350"/>
-            <a:ext cx="2133600" cy="365125"/>
+            <a:off x="8610600" y="6356350"/>
+            <a:ext cx="2743200" cy="365125"/>
           </a:xfrm>
           <a:prstGeom prst="rect">
             <a:avLst/>
@@ -3136,7 +5429,7 @@
             </a:lvl1pPr>
           </a:lstStyle>
           <a:p>
-            <a:fld id="{F7021451-1387-4CA6-816F-3879F97B5CBC}" type="slidenum">
+            <a:fld id="{B822FDE6-25CA-0444-94EE-C6FC8C5EFEB8}" type="slidenum">
               <a:rPr lang="en-US" smtClean="0"/>
               <a:t>‹#›</a:t>
             </a:fld>
@@ -3145,6 +5438,11 @@
         </p:txBody>
       </p:sp>
     </p:spTree>
+    <p:extLst>
+      <p:ext uri="{BB962C8B-B14F-4D97-AF65-F5344CB8AC3E}">
+        <p14:creationId xmlns:p14="http://schemas.microsoft.com/office/powerpoint/2010/main" val="1688978530"/>
+      </p:ext>
+    </p:extLst>
   </p:cSld>
   <p:clrMap bg1="lt1" tx1="dk1" bg2="lt2" tx2="dk2" accent1="accent1" accent2="accent2" accent3="accent3" accent4="accent4" accent5="accent5" accent6="accent6" hlink="hlink" folHlink="folHlink"/>
   <p:sldLayoutIdLst>
@@ -3162,7 +5460,10 @@
   </p:sldLayoutIdLst>
   <p:txStyles>
     <p:titleStyle>
-      <a:lvl1pPr algn="ctr" defTabSz="914400" rtl="0" eaLnBrk="1" latinLnBrk="0" hangingPunct="1">
+      <a:lvl1pPr algn="l" defTabSz="914400" rtl="0" eaLnBrk="1" latinLnBrk="0" hangingPunct="1">
+        <a:lnSpc>
+          <a:spcPct val="90000"/>
+        </a:lnSpc>
         <a:spcBef>
           <a:spcPct val="0"/>
         </a:spcBef>
@@ -3178,13 +5479,16 @@
       </a:lvl1pPr>
     </p:titleStyle>
     <p:bodyStyle>
-      <a:lvl1pPr marL="342900" indent="-342900" algn="l" defTabSz="914400" rtl="0" eaLnBrk="1" latinLnBrk="0" hangingPunct="1">
+      <a:lvl1pPr marL="228600" indent="-228600" algn="l" defTabSz="914400" rtl="0" eaLnBrk="1" latinLnBrk="0" hangingPunct="1">
+        <a:lnSpc>
+          <a:spcPct val="90000"/>
+        </a:lnSpc>
         <a:spcBef>
-          <a:spcPct val="20000"/>
+          <a:spcPts val="1000"/>
         </a:spcBef>
-        <a:buFont typeface="Arial" pitchFamily="34" charset="0"/>
-        <a:buChar char="�"/>
-        <a:defRPr sz="3200" kern="1200">
+        <a:buFont typeface="Arial"/>
+        <a:buChar char="•"/>
+        <a:defRPr sz="2800" kern="1200">
           <a:solidFill>
             <a:schemeClr val="tx1"/>
           </a:solidFill>
@@ -3193,13 +5497,16 @@
           <a:cs typeface="+mn-cs"/>
         </a:defRPr>
       </a:lvl1pPr>
-      <a:lvl2pPr marL="742950" indent="-285750" algn="l" defTabSz="914400" rtl="0" eaLnBrk="1" latinLnBrk="0" hangingPunct="1">
+      <a:lvl2pPr marL="685800" indent="-228600" algn="l" defTabSz="914400" rtl="0" eaLnBrk="1" latinLnBrk="0" hangingPunct="1">
+        <a:lnSpc>
+          <a:spcPct val="90000"/>
+        </a:lnSpc>
         <a:spcBef>
-          <a:spcPct val="20000"/>
+          <a:spcPts val="500"/>
         </a:spcBef>
-        <a:buFont typeface="Arial" pitchFamily="34" charset="0"/>
-        <a:buChar char="�"/>
-        <a:defRPr sz="2800" kern="1200">
+        <a:buFont typeface="Arial"/>
+        <a:buChar char="•"/>
+        <a:defRPr sz="2400" kern="1200">
           <a:solidFill>
             <a:schemeClr val="tx1"/>
           </a:solidFill>
@@ -3209,12 +5516,15 @@
         </a:defRPr>
       </a:lvl2pPr>
       <a:lvl3pPr marL="1143000" indent="-228600" algn="l" defTabSz="914400" rtl="0" eaLnBrk="1" latinLnBrk="0" hangingPunct="1">
+        <a:lnSpc>
+          <a:spcPct val="90000"/>
+        </a:lnSpc>
         <a:spcBef>
-          <a:spcPct val="20000"/>
+          <a:spcPts val="500"/>
         </a:spcBef>
-        <a:buFont typeface="Arial" pitchFamily="34" charset="0"/>
-        <a:buChar char="�"/>
-        <a:defRPr sz="2400" kern="1200">
+        <a:buFont typeface="Arial"/>
+        <a:buChar char="•"/>
+        <a:defRPr sz="2000" kern="1200">
           <a:solidFill>
             <a:schemeClr val="tx1"/>
           </a:solidFill>
@@ -3224,12 +5534,15 @@
         </a:defRPr>
       </a:lvl3pPr>
       <a:lvl4pPr marL="1600200" indent="-228600" algn="l" defTabSz="914400" rtl="0" eaLnBrk="1" latinLnBrk="0" hangingPunct="1">
+        <a:lnSpc>
+          <a:spcPct val="90000"/>
+        </a:lnSpc>
         <a:spcBef>
-          <a:spcPct val="20000"/>
+          <a:spcPts val="500"/>
         </a:spcBef>
-        <a:buFont typeface="Arial" pitchFamily="34" charset="0"/>
-        <a:buChar char="�"/>
-        <a:defRPr sz="2000" kern="1200">
+        <a:buFont typeface="Arial"/>
+        <a:buChar char="•"/>
+        <a:defRPr sz="1800" kern="1200">
           <a:solidFill>
             <a:schemeClr val="tx1"/>
           </a:solidFill>
@@ -3239,12 +5552,15 @@
         </a:defRPr>
       </a:lvl4pPr>
       <a:lvl5pPr marL="2057400" indent="-228600" algn="l" defTabSz="914400" rtl="0" eaLnBrk="1" latinLnBrk="0" hangingPunct="1">
+        <a:lnSpc>
+          <a:spcPct val="90000"/>
+        </a:lnSpc>
         <a:spcBef>
-          <a:spcPct val="20000"/>
+          <a:spcPts val="500"/>
         </a:spcBef>
-        <a:buFont typeface="Arial" pitchFamily="34" charset="0"/>
-        <a:buChar char="�"/>
-        <a:defRPr sz="2000" kern="1200">
+        <a:buFont typeface="Arial"/>
+        <a:buChar char="•"/>
+        <a:defRPr sz="1800" kern="1200">
           <a:solidFill>
             <a:schemeClr val="tx1"/>
           </a:solidFill>
@@ -3254,12 +5570,15 @@
         </a:defRPr>
       </a:lvl5pPr>
       <a:lvl6pPr marL="2514600" indent="-228600" algn="l" defTabSz="914400" rtl="0" eaLnBrk="1" latinLnBrk="0" hangingPunct="1">
+        <a:lnSpc>
+          <a:spcPct val="90000"/>
+        </a:lnSpc>
         <a:spcBef>
-          <a:spcPct val="20000"/>
+          <a:spcPts val="500"/>
         </a:spcBef>
-        <a:buFont typeface="Arial" pitchFamily="34" charset="0"/>
-        <a:buChar char="�"/>
-        <a:defRPr sz="2000" kern="1200">
+        <a:buFont typeface="Arial"/>
+        <a:buChar char="•"/>
+        <a:defRPr sz="1800" kern="1200">
           <a:solidFill>
             <a:schemeClr val="tx1"/>
           </a:solidFill>
@@ -3269,12 +5588,15 @@
         </a:defRPr>
       </a:lvl6pPr>
       <a:lvl7pPr marL="2971800" indent="-228600" algn="l" defTabSz="914400" rtl="0" eaLnBrk="1" latinLnBrk="0" hangingPunct="1">
+        <a:lnSpc>
+          <a:spcPct val="90000"/>
+        </a:lnSpc>
         <a:spcBef>
-          <a:spcPct val="20000"/>
+          <a:spcPts val="500"/>
         </a:spcBef>
-        <a:buFont typeface="Arial" pitchFamily="34" charset="0"/>
-        <a:buChar char="�"/>
-        <a:defRPr sz="2000" kern="1200">
+        <a:buFont typeface="Arial"/>
+        <a:buChar char="•"/>
+        <a:defRPr sz="1800" kern="1200">
           <a:solidFill>
             <a:schemeClr val="tx1"/>
           </a:solidFill>
@@ -3284,12 +5606,15 @@
         </a:defRPr>
       </a:lvl7pPr>
       <a:lvl8pPr marL="3429000" indent="-228600" algn="l" defTabSz="914400" rtl="0" eaLnBrk="1" latinLnBrk="0" hangingPunct="1">
+        <a:lnSpc>
+          <a:spcPct val="90000"/>
+        </a:lnSpc>
         <a:spcBef>
-          <a:spcPct val="20000"/>
+          <a:spcPts val="500"/>
         </a:spcBef>
-        <a:buFont typeface="Arial" pitchFamily="34" charset="0"/>
-        <a:buChar char="�"/>
-        <a:defRPr sz="2000" kern="1200">
+        <a:buFont typeface="Arial"/>
+        <a:buChar char="•"/>
+        <a:defRPr sz="1800" kern="1200">
           <a:solidFill>
             <a:schemeClr val="tx1"/>
           </a:solidFill>
@@ -3299,12 +5624,15 @@
         </a:defRPr>
       </a:lvl8pPr>
       <a:lvl9pPr marL="3886200" indent="-228600" algn="l" defTabSz="914400" rtl="0" eaLnBrk="1" latinLnBrk="0" hangingPunct="1">
+        <a:lnSpc>
+          <a:spcPct val="90000"/>
+        </a:lnSpc>
         <a:spcBef>
-          <a:spcPct val="20000"/>
+          <a:spcPts val="500"/>
         </a:spcBef>
-        <a:buFont typeface="Arial" pitchFamily="34" charset="0"/>
-        <a:buChar char="�"/>
-        <a:defRPr sz="2000" kern="1200">
+        <a:buFont typeface="Arial"/>
+        <a:buChar char="•"/>
+        <a:defRPr sz="1800" kern="1200">
           <a:solidFill>
             <a:schemeClr val="tx1"/>
           </a:solidFill>
@@ -3449,8 +5777,8 @@
         </p:nvSpPr>
         <p:spPr>
           <a:xfrm>
-            <a:off x="0" y="2133600"/>
-            <a:ext cx="9144000" cy="2300630"/>
+            <a:off x="0" y="1336119"/>
+            <a:ext cx="12192000" cy="3600986"/>
           </a:xfrm>
           <a:prstGeom prst="rect">
             <a:avLst/>
@@ -3458,54 +5786,74 @@
           <a:noFill/>
         </p:spPr>
         <p:txBody>
-          <a:bodyPr wrap="square" lIns="68580" tIns="34290" rIns="68580" bIns="34290">
+          <a:bodyPr wrap="square" lIns="91440" tIns="45720" rIns="91440" bIns="45720">
             <a:spAutoFit/>
           </a:bodyPr>
           <a:lstStyle/>
           <a:p>
             <a:pPr algn="ctr"/>
             <a:r>
-              <a:rPr lang="en-US" sz="4000" b="1" dirty="0"/>
-              <a:t>Programming </a:t>
-            </a:r>
-            <a:r>
-              <a:rPr lang="en-US" sz="4000" b="1" dirty="0" smtClean="0"/>
-              <a:t>4</a:t>
-            </a:r>
-            <a:endParaRPr lang="en-US" sz="2500" b="1" dirty="0"/>
+              <a:rPr lang="en-US" sz="3800" b="1" dirty="0" smtClean="0"/>
+              <a:t>Programming 4 </a:t>
+            </a:r>
+            <a:r>
+              <a:rPr lang="en-US" sz="3800" b="1" dirty="0"/>
+              <a:t>- Intermediate Architecture </a:t>
+            </a:r>
+            <a:endParaRPr lang="en-US" sz="3800" b="1" dirty="0" smtClean="0"/>
           </a:p>
           <a:p>
             <a:pPr algn="ctr"/>
             <a:r>
-              <a:rPr lang="en-US" sz="4000" b="1" dirty="0" smtClean="0"/>
-              <a:t>12.2 Functional Programming 2</a:t>
+              <a:rPr lang="en-US" sz="3800" b="1" dirty="0" smtClean="0"/>
+              <a:t>and </a:t>
+            </a:r>
+            <a:r>
+              <a:rPr lang="en-US" sz="3800" b="1" dirty="0"/>
+              <a:t>Algorithms</a:t>
             </a:r>
           </a:p>
           <a:p>
             <a:pPr algn="ctr"/>
-            <a:endParaRPr lang="en-US" sz="2500" b="1" dirty="0"/>
+            <a:endParaRPr lang="en-US" sz="3800" b="1" dirty="0"/>
           </a:p>
           <a:p>
             <a:pPr algn="ctr"/>
             <a:r>
-              <a:rPr lang="en-US" sz="4000" b="1" dirty="0"/>
-              <a:t>Semester 2</a:t>
-            </a:r>
-            <a:r>
-              <a:rPr lang="en-US" sz="4000" b="1" dirty="0" smtClean="0"/>
+              <a:rPr lang="en-US" sz="3800" b="1" dirty="0" smtClean="0"/>
+              <a:t>Functional Programming with Python II</a:t>
+            </a:r>
+          </a:p>
+          <a:p>
+            <a:pPr algn="ctr"/>
+            <a:endParaRPr lang="en-US" sz="3800" b="1" dirty="0" smtClean="0"/>
+          </a:p>
+          <a:p>
+            <a:pPr algn="ctr"/>
+            <a:r>
+              <a:rPr lang="en-US" sz="3800" b="1" dirty="0" smtClean="0"/>
+              <a:t>Semester </a:t>
+            </a:r>
+            <a:r>
+              <a:rPr lang="en-US" sz="3800" b="1" dirty="0"/>
+              <a:t>2</a:t>
+            </a:r>
+            <a:r>
+              <a:rPr lang="en-US" sz="3800" b="1" dirty="0" smtClean="0"/>
               <a:t>, </a:t>
             </a:r>
             <a:r>
-              <a:rPr lang="en-US" sz="4000" b="1" dirty="0"/>
+              <a:rPr lang="en-US" sz="3800" b="1" dirty="0" smtClean="0"/>
               <a:t>2019</a:t>
             </a:r>
+            <a:endParaRPr lang="en-US" sz="3800" b="1" dirty="0"/>
           </a:p>
         </p:txBody>
       </p:sp>
     </p:spTree>
     <p:extLst>
       <p:ext uri="{BB962C8B-B14F-4D97-AF65-F5344CB8AC3E}">
-        <p14:creationId xmlns:p14="http://schemas.microsoft.com/office/powerpoint/2010/main" val="2024276947"/>
+        <p14:creationId xmlns:p14="http://schemas.microsoft.com/office/powerpoint/2010/main" val="1188131750"/>
       </p:ext>
     </p:extLst>
   </p:cSld>
@@ -3552,14 +5900,37 @@
       </p:grpSpPr>
       <p:sp>
         <p:nvSpPr>
+          <p:cNvPr id="9" name="Slide Number Placeholder 8"/>
+          <p:cNvSpPr>
+            <a:spLocks noGrp="1"/>
+          </p:cNvSpPr>
+          <p:nvPr>
+            <p:ph type="sldNum" sz="quarter" idx="12"/>
+          </p:nvPr>
+        </p:nvSpPr>
+        <p:spPr/>
+        <p:txBody>
+          <a:bodyPr/>
+          <a:lstStyle/>
+          <a:p>
+            <a:fld id="{B822FDE6-25CA-0444-94EE-C6FC8C5EFEB8}" type="slidenum">
+              <a:rPr lang="en-US" smtClean="0"/>
+              <a:t>10</a:t>
+            </a:fld>
+            <a:endParaRPr lang="en-US"/>
+          </a:p>
+        </p:txBody>
+      </p:sp>
+      <p:sp>
+        <p:nvSpPr>
           <p:cNvPr id="5" name="Rectangle 4"/>
           <p:cNvSpPr/>
           <p:nvPr/>
         </p:nvSpPr>
         <p:spPr>
           <a:xfrm>
-            <a:off x="6096" y="6096"/>
-            <a:ext cx="9144000" cy="1223412"/>
+            <a:off x="0" y="1299607"/>
+            <a:ext cx="12192000" cy="1646605"/>
           </a:xfrm>
           <a:prstGeom prst="rect">
             <a:avLst/>
@@ -3567,41 +5938,45 @@
           <a:noFill/>
         </p:spPr>
         <p:txBody>
-          <a:bodyPr wrap="square" lIns="68580" tIns="34290" rIns="68580" bIns="34290">
+          <a:bodyPr wrap="square" lIns="91440" tIns="45720" rIns="91440" bIns="45720">
             <a:spAutoFit/>
           </a:bodyPr>
           <a:lstStyle/>
           <a:p>
-            <a:pPr algn="ctr"/>
-            <a:endParaRPr lang="en-US" sz="4000" b="1" dirty="0" smtClean="0"/>
-          </a:p>
-          <a:p>
-            <a:pPr lvl="1"/>
-            <a:r>
-              <a:rPr lang="en-US" sz="3500" b="1" dirty="0" smtClean="0"/>
-              <a:t>Example </a:t>
-            </a:r>
-            <a:r>
-              <a:rPr lang="mr-IN" sz="3500" b="1" dirty="0" smtClean="0"/>
-              <a:t>–</a:t>
-            </a:r>
-            <a:r>
-              <a:rPr lang="en-US" sz="3500" b="1" dirty="0" smtClean="0"/>
-              <a:t> list comprehensions</a:t>
+            <a:r>
+              <a:rPr lang="en-US" sz="3800" dirty="0" smtClean="0"/>
+              <a:t>	</a:t>
+            </a:r>
+            <a:r>
+              <a:rPr lang="en-US" sz="3800" b="1" dirty="0" smtClean="0"/>
+              <a:t>List comprehensions</a:t>
+            </a:r>
+          </a:p>
+          <a:p>
+            <a:endParaRPr lang="en-US" sz="3800" b="1" dirty="0" smtClean="0"/>
+          </a:p>
+          <a:p>
+            <a:pPr marL="1485900" lvl="2" indent="-571500">
+              <a:buFont typeface="Arial" charset="0"/>
+              <a:buChar char="•"/>
+            </a:pPr>
+            <a:r>
+              <a:rPr lang="en-AU" sz="2500" dirty="0" smtClean="0"/>
+              <a:t>Unit testing</a:t>
             </a:r>
           </a:p>
         </p:txBody>
       </p:sp>
       <p:pic>
         <p:nvPicPr>
-          <p:cNvPr id="3" name="Picture 2"/>
+          <p:cNvPr id="2" name="Picture 1"/>
           <p:cNvPicPr>
             <a:picLocks noChangeAspect="1"/>
           </p:cNvPicPr>
           <p:nvPr/>
         </p:nvPicPr>
         <p:blipFill>
-          <a:blip r:embed="rId2">
+          <a:blip r:embed="rId3">
             <a:extLst>
               <a:ext uri="{28A0092B-C50C-407E-A947-70E740481C1C}">
                 <a14:useLocalDpi xmlns:a14="http://schemas.microsoft.com/office/drawing/2010/main" val="0"/>
@@ -3614,8 +5989,8 @@
         </p:blipFill>
         <p:spPr>
           <a:xfrm>
-            <a:off x="1072896" y="1981200"/>
-            <a:ext cx="7010400" cy="2050339"/>
+            <a:off x="4589780" y="2529309"/>
+            <a:ext cx="7282636" cy="2958912"/>
           </a:xfrm>
           <a:prstGeom prst="rect">
             <a:avLst/>
@@ -3625,7 +6000,7 @@
     </p:spTree>
     <p:extLst>
       <p:ext uri="{BB962C8B-B14F-4D97-AF65-F5344CB8AC3E}">
-        <p14:creationId xmlns:p14="http://schemas.microsoft.com/office/powerpoint/2010/main" val="1952312672"/>
+        <p14:creationId xmlns:p14="http://schemas.microsoft.com/office/powerpoint/2010/main" val="329784101"/>
       </p:ext>
     </p:extLst>
   </p:cSld>
@@ -3672,43 +6047,24 @@
       </p:grpSpPr>
       <p:sp>
         <p:nvSpPr>
-          <p:cNvPr id="5" name="Rectangle 4"/>
-          <p:cNvSpPr/>
-          <p:nvPr/>
-        </p:nvSpPr>
-        <p:spPr>
-          <a:xfrm>
-            <a:off x="6096" y="6096"/>
-            <a:ext cx="9144000" cy="1223412"/>
-          </a:xfrm>
-          <a:prstGeom prst="rect">
-            <a:avLst/>
-          </a:prstGeom>
-          <a:noFill/>
-        </p:spPr>
-        <p:txBody>
-          <a:bodyPr wrap="square" lIns="68580" tIns="34290" rIns="68580" bIns="34290">
-            <a:spAutoFit/>
-          </a:bodyPr>
-          <a:lstStyle/>
-          <a:p>
-            <a:pPr algn="ctr"/>
-            <a:endParaRPr lang="en-US" sz="4000" b="1" dirty="0" smtClean="0"/>
-          </a:p>
-          <a:p>
-            <a:pPr lvl="1"/>
-            <a:r>
-              <a:rPr lang="en-US" sz="3500" b="1" dirty="0" smtClean="0"/>
-              <a:t>Example </a:t>
-            </a:r>
-            <a:r>
-              <a:rPr lang="mr-IN" sz="3500" b="1" dirty="0" smtClean="0"/>
-              <a:t>–</a:t>
-            </a:r>
-            <a:r>
-              <a:rPr lang="en-US" sz="3500" b="1" dirty="0" smtClean="0"/>
-              <a:t> list comprehensions</a:t>
-            </a:r>
+          <p:cNvPr id="9" name="Slide Number Placeholder 8"/>
+          <p:cNvSpPr>
+            <a:spLocks noGrp="1"/>
+          </p:cNvSpPr>
+          <p:nvPr>
+            <p:ph type="sldNum" sz="quarter" idx="12"/>
+          </p:nvPr>
+        </p:nvSpPr>
+        <p:spPr/>
+        <p:txBody>
+          <a:bodyPr/>
+          <a:lstStyle/>
+          <a:p>
+            <a:fld id="{B822FDE6-25CA-0444-94EE-C6FC8C5EFEB8}" type="slidenum">
+              <a:rPr lang="en-US" smtClean="0"/>
+              <a:t>11</a:t>
+            </a:fld>
+            <a:endParaRPr lang="en-US"/>
           </a:p>
         </p:txBody>
       </p:sp>
@@ -3721,7 +6077,7 @@
           <p:nvPr/>
         </p:nvPicPr>
         <p:blipFill>
-          <a:blip r:embed="rId2">
+          <a:blip r:embed="rId3">
             <a:extLst>
               <a:ext uri="{28A0092B-C50C-407E-A947-70E740481C1C}">
                 <a14:useLocalDpi xmlns:a14="http://schemas.microsoft.com/office/drawing/2010/main" val="0"/>
@@ -3734,8 +6090,125 @@
         </p:blipFill>
         <p:spPr>
           <a:xfrm>
-            <a:off x="699225" y="1828800"/>
-            <a:ext cx="7757742" cy="3695713"/>
+            <a:off x="3249930" y="3830181"/>
+            <a:ext cx="6261100" cy="647700"/>
+          </a:xfrm>
+          <a:prstGeom prst="rect">
+            <a:avLst/>
+          </a:prstGeom>
+        </p:spPr>
+      </p:pic>
+      <p:sp>
+        <p:nvSpPr>
+          <p:cNvPr id="6" name="Rectangle 5"/>
+          <p:cNvSpPr/>
+          <p:nvPr/>
+        </p:nvSpPr>
+        <p:spPr>
+          <a:xfrm>
+            <a:off x="0" y="1299607"/>
+            <a:ext cx="12192000" cy="2031325"/>
+          </a:xfrm>
+          <a:prstGeom prst="rect">
+            <a:avLst/>
+          </a:prstGeom>
+          <a:noFill/>
+        </p:spPr>
+        <p:txBody>
+          <a:bodyPr wrap="square" lIns="91440" tIns="45720" rIns="91440" bIns="45720">
+            <a:spAutoFit/>
+          </a:bodyPr>
+          <a:lstStyle/>
+          <a:p>
+            <a:r>
+              <a:rPr lang="en-US" sz="3800" dirty="0" smtClean="0"/>
+              <a:t>	</a:t>
+            </a:r>
+            <a:r>
+              <a:rPr lang="en-US" sz="3800" b="1" dirty="0" smtClean="0"/>
+              <a:t>List comprehensions </a:t>
+            </a:r>
+          </a:p>
+          <a:p>
+            <a:endParaRPr lang="en-US" sz="3800" b="1" dirty="0"/>
+          </a:p>
+          <a:p>
+            <a:pPr marL="1485900" lvl="2" indent="-571500">
+              <a:buFont typeface="Arial" charset="0"/>
+              <a:buChar char="•"/>
+            </a:pPr>
+            <a:r>
+              <a:rPr lang="en-US" sz="2500" dirty="0" smtClean="0"/>
+              <a:t>Nested list comprehensions</a:t>
+            </a:r>
+          </a:p>
+          <a:p>
+            <a:pPr marL="1485900" lvl="2" indent="-571500">
+              <a:buFont typeface="Arial" charset="0"/>
+              <a:buChar char="•"/>
+            </a:pPr>
+            <a:r>
+              <a:rPr lang="en-US" sz="2500" dirty="0" smtClean="0"/>
+              <a:t>Returns a list of lists / 2D array in other languages</a:t>
+            </a:r>
+            <a:endParaRPr lang="en-US" sz="2500" dirty="0"/>
+          </a:p>
+        </p:txBody>
+      </p:sp>
+      <p:pic>
+        <p:nvPicPr>
+          <p:cNvPr id="5" name="Picture 4"/>
+          <p:cNvPicPr>
+            <a:picLocks noChangeAspect="1"/>
+          </p:cNvPicPr>
+          <p:nvPr/>
+        </p:nvPicPr>
+        <p:blipFill>
+          <a:blip r:embed="rId4">
+            <a:extLst>
+              <a:ext uri="{28A0092B-C50C-407E-A947-70E740481C1C}">
+                <a14:useLocalDpi xmlns:a14="http://schemas.microsoft.com/office/drawing/2010/main" val="0"/>
+              </a:ext>
+            </a:extLst>
+          </a:blip>
+          <a:stretch>
+            <a:fillRect/>
+          </a:stretch>
+        </p:blipFill>
+        <p:spPr>
+          <a:xfrm>
+            <a:off x="3046730" y="4721721"/>
+            <a:ext cx="6667500" cy="812800"/>
+          </a:xfrm>
+          <a:prstGeom prst="rect">
+            <a:avLst/>
+          </a:prstGeom>
+        </p:spPr>
+      </p:pic>
+      <p:pic>
+        <p:nvPicPr>
+          <p:cNvPr id="7" name="Picture 6"/>
+          <p:cNvPicPr>
+            <a:picLocks noChangeAspect="1"/>
+          </p:cNvPicPr>
+          <p:nvPr/>
+        </p:nvPicPr>
+        <p:blipFill>
+          <a:blip r:embed="rId5">
+            <a:extLst>
+              <a:ext uri="{28A0092B-C50C-407E-A947-70E740481C1C}">
+                <a14:useLocalDpi xmlns:a14="http://schemas.microsoft.com/office/drawing/2010/main" val="0"/>
+              </a:ext>
+            </a:extLst>
+          </a:blip>
+          <a:stretch>
+            <a:fillRect/>
+          </a:stretch>
+        </p:blipFill>
+        <p:spPr>
+          <a:xfrm>
+            <a:off x="9146540" y="1618407"/>
+            <a:ext cx="2552700" cy="1435100"/>
           </a:xfrm>
           <a:prstGeom prst="rect">
             <a:avLst/>
@@ -3745,7 +6218,7 @@
     </p:spTree>
     <p:extLst>
       <p:ext uri="{BB962C8B-B14F-4D97-AF65-F5344CB8AC3E}">
-        <p14:creationId xmlns:p14="http://schemas.microsoft.com/office/powerpoint/2010/main" val="318662031"/>
+        <p14:creationId xmlns:p14="http://schemas.microsoft.com/office/powerpoint/2010/main" val="257993887"/>
       </p:ext>
     </p:extLst>
   </p:cSld>
@@ -3792,14 +6265,37 @@
       </p:grpSpPr>
       <p:sp>
         <p:nvSpPr>
-          <p:cNvPr id="5" name="Rectangle 4"/>
+          <p:cNvPr id="9" name="Slide Number Placeholder 8"/>
+          <p:cNvSpPr>
+            <a:spLocks noGrp="1"/>
+          </p:cNvSpPr>
+          <p:nvPr>
+            <p:ph type="sldNum" sz="quarter" idx="12"/>
+          </p:nvPr>
+        </p:nvSpPr>
+        <p:spPr/>
+        <p:txBody>
+          <a:bodyPr/>
+          <a:lstStyle/>
+          <a:p>
+            <a:fld id="{B822FDE6-25CA-0444-94EE-C6FC8C5EFEB8}" type="slidenum">
+              <a:rPr lang="en-US" smtClean="0"/>
+              <a:t>12</a:t>
+            </a:fld>
+            <a:endParaRPr lang="en-US"/>
+          </a:p>
+        </p:txBody>
+      </p:sp>
+      <p:sp>
+        <p:nvSpPr>
+          <p:cNvPr id="6" name="Rectangle 5"/>
           <p:cNvSpPr/>
           <p:nvPr/>
         </p:nvSpPr>
         <p:spPr>
           <a:xfrm>
-            <a:off x="6096" y="6096"/>
-            <a:ext cx="9144000" cy="2377574"/>
+            <a:off x="0" y="1299607"/>
+            <a:ext cx="12192000" cy="2416046"/>
           </a:xfrm>
           <a:prstGeom prst="rect">
             <a:avLst/>
@@ -3807,45 +6303,62 @@
           <a:noFill/>
         </p:spPr>
         <p:txBody>
-          <a:bodyPr wrap="square" lIns="68580" tIns="34290" rIns="68580" bIns="34290">
+          <a:bodyPr wrap="square" lIns="91440" tIns="45720" rIns="91440" bIns="45720">
             <a:spAutoFit/>
           </a:bodyPr>
           <a:lstStyle/>
           <a:p>
-            <a:pPr algn="ctr"/>
-            <a:endParaRPr lang="en-US" sz="4000" b="1" dirty="0" smtClean="0"/>
-          </a:p>
-          <a:p>
-            <a:pPr lvl="1"/>
-            <a:r>
-              <a:rPr lang="en-US" sz="3500" b="1" dirty="0" smtClean="0"/>
-              <a:t>List comprehensions</a:t>
-            </a:r>
-          </a:p>
-          <a:p>
-            <a:pPr lvl="1"/>
-            <a:endParaRPr lang="en-US" sz="2500" dirty="0" smtClean="0"/>
-          </a:p>
-          <a:p>
-            <a:pPr marL="1657350" lvl="2" indent="-742950">
-              <a:buFont typeface="Arial" panose="020B0604020202020204" pitchFamily="34" charset="0"/>
+            <a:r>
+              <a:rPr lang="en-US" sz="3800" dirty="0" smtClean="0"/>
+              <a:t>	</a:t>
+            </a:r>
+            <a:r>
+              <a:rPr lang="en-US" sz="3800" b="1" dirty="0" smtClean="0"/>
+              <a:t>When to use list comprehensions</a:t>
+            </a:r>
+          </a:p>
+          <a:p>
+            <a:endParaRPr lang="en-US" sz="3800" b="1" dirty="0"/>
+          </a:p>
+          <a:p>
+            <a:pPr marL="1485900" lvl="2" indent="-571500">
+              <a:buFont typeface="Arial" charset="0"/>
               <a:buChar char="•"/>
             </a:pPr>
             <a:r>
-              <a:rPr lang="en-AU" sz="2500" dirty="0" smtClean="0"/>
-              <a:t>Nested list comprehensions</a:t>
-            </a:r>
-          </a:p>
-          <a:p>
-            <a:pPr marL="1657350" lvl="2" indent="-742950">
-              <a:buFont typeface="Arial" panose="020B0604020202020204" pitchFamily="34" charset="0"/>
+              <a:rPr lang="en-US" sz="2500" dirty="0" smtClean="0"/>
+              <a:t>Do not call functions with side effects </a:t>
+            </a:r>
+            <a:r>
+              <a:rPr lang="mr-IN" sz="2500" dirty="0" smtClean="0"/>
+              <a:t>–</a:t>
+            </a:r>
+            <a:r>
+              <a:rPr lang="en-US" sz="2500" dirty="0" smtClean="0"/>
+              <a:t> print()</a:t>
+            </a:r>
+          </a:p>
+          <a:p>
+            <a:pPr marL="1485900" lvl="2" indent="-571500">
+              <a:buFont typeface="Arial" charset="0"/>
               <a:buChar char="•"/>
             </a:pPr>
             <a:r>
               <a:rPr lang="en-AU" sz="2500" dirty="0" smtClean="0"/>
-              <a:t>Returns a list of lists</a:t>
+              <a:t>Only use if you are making lists</a:t>
             </a:r>
             <a:endParaRPr lang="en-US" sz="2500" dirty="0" smtClean="0"/>
+          </a:p>
+          <a:p>
+            <a:pPr marL="1485900" lvl="2" indent="-571500">
+              <a:buFont typeface="Arial" charset="0"/>
+              <a:buChar char="•"/>
+            </a:pPr>
+            <a:r>
+              <a:rPr lang="en-US" sz="2500" dirty="0" smtClean="0"/>
+              <a:t>Should only be used for turning one list or iterable into another list</a:t>
+            </a:r>
+            <a:endParaRPr lang="en-US" sz="2500" dirty="0"/>
           </a:p>
         </p:txBody>
       </p:sp>
@@ -3858,7 +6371,7 @@
           <p:nvPr/>
         </p:nvPicPr>
         <p:blipFill>
-          <a:blip r:embed="rId2">
+          <a:blip r:embed="rId3">
             <a:extLst>
               <a:ext uri="{28A0092B-C50C-407E-A947-70E740481C1C}">
                 <a14:useLocalDpi xmlns:a14="http://schemas.microsoft.com/office/drawing/2010/main" val="0"/>
@@ -3871,8 +6384,8 @@
         </p:blipFill>
         <p:spPr>
           <a:xfrm>
-            <a:off x="800100" y="3026271"/>
-            <a:ext cx="7543800" cy="805458"/>
+            <a:off x="4241800" y="4439101"/>
+            <a:ext cx="5740400" cy="596900"/>
           </a:xfrm>
           <a:prstGeom prst="rect">
             <a:avLst/>
@@ -3882,7 +6395,7 @@
     </p:spTree>
     <p:extLst>
       <p:ext uri="{BB962C8B-B14F-4D97-AF65-F5344CB8AC3E}">
-        <p14:creationId xmlns:p14="http://schemas.microsoft.com/office/powerpoint/2010/main" val="1654121293"/>
+        <p14:creationId xmlns:p14="http://schemas.microsoft.com/office/powerpoint/2010/main" val="102758695"/>
       </p:ext>
     </p:extLst>
   </p:cSld>
@@ -3929,14 +6442,37 @@
       </p:grpSpPr>
       <p:sp>
         <p:nvSpPr>
-          <p:cNvPr id="5" name="Rectangle 4"/>
+          <p:cNvPr id="9" name="Slide Number Placeholder 8"/>
+          <p:cNvSpPr>
+            <a:spLocks noGrp="1"/>
+          </p:cNvSpPr>
+          <p:nvPr>
+            <p:ph type="sldNum" sz="quarter" idx="12"/>
+          </p:nvPr>
+        </p:nvSpPr>
+        <p:spPr/>
+        <p:txBody>
+          <a:bodyPr/>
+          <a:lstStyle/>
+          <a:p>
+            <a:fld id="{B822FDE6-25CA-0444-94EE-C6FC8C5EFEB8}" type="slidenum">
+              <a:rPr lang="en-US" smtClean="0"/>
+              <a:t>13</a:t>
+            </a:fld>
+            <a:endParaRPr lang="en-US"/>
+          </a:p>
+        </p:txBody>
+      </p:sp>
+      <p:sp>
+        <p:nvSpPr>
+          <p:cNvPr id="4" name="Rectangle 3"/>
           <p:cNvSpPr/>
           <p:nvPr/>
         </p:nvSpPr>
         <p:spPr>
           <a:xfrm>
-            <a:off x="6096" y="6096"/>
-            <a:ext cx="9144000" cy="3147015"/>
+            <a:off x="0" y="1299607"/>
+            <a:ext cx="12192000" cy="3954929"/>
           </a:xfrm>
           <a:prstGeom prst="rect">
             <a:avLst/>
@@ -3944,111 +6480,114 @@
           <a:noFill/>
         </p:spPr>
         <p:txBody>
-          <a:bodyPr wrap="square" lIns="68580" tIns="34290" rIns="68580" bIns="34290">
+          <a:bodyPr wrap="square" lIns="91440" tIns="45720" rIns="91440" bIns="45720">
             <a:spAutoFit/>
           </a:bodyPr>
           <a:lstStyle/>
           <a:p>
-            <a:pPr algn="ctr"/>
-            <a:endParaRPr lang="en-US" sz="4000" b="1" dirty="0" smtClean="0"/>
-          </a:p>
-          <a:p>
-            <a:pPr lvl="1"/>
-            <a:r>
-              <a:rPr lang="en-US" sz="3500" b="1" dirty="0" smtClean="0"/>
-              <a:t>List comprehensions</a:t>
-            </a:r>
-          </a:p>
-          <a:p>
-            <a:pPr lvl="1"/>
-            <a:endParaRPr lang="en-US" sz="2500" dirty="0" smtClean="0"/>
-          </a:p>
-          <a:p>
-            <a:pPr marL="1657350" lvl="2" indent="-742950">
-              <a:buFont typeface="Arial" panose="020B0604020202020204" pitchFamily="34" charset="0"/>
+            <a:r>
+              <a:rPr lang="en-US" sz="3800" dirty="0" smtClean="0"/>
+              <a:t>	</a:t>
+            </a:r>
+            <a:r>
+              <a:rPr lang="en-US" sz="3800" b="1" dirty="0" smtClean="0"/>
+              <a:t>Iterators</a:t>
+            </a:r>
+          </a:p>
+          <a:p>
+            <a:endParaRPr lang="en-US" sz="3800" b="1" dirty="0"/>
+          </a:p>
+          <a:p>
+            <a:pPr marL="1485900" lvl="2" indent="-571500">
+              <a:buFont typeface="Arial" charset="0"/>
               <a:buChar char="•"/>
             </a:pPr>
             <a:r>
-              <a:rPr lang="en-AU" sz="2500" dirty="0" smtClean="0"/>
-              <a:t>Don’t call functions with side effects </a:t>
-            </a:r>
-            <a:r>
-              <a:rPr lang="mr-IN" sz="2500" dirty="0" smtClean="0"/>
-              <a:t>–</a:t>
-            </a:r>
-            <a:r>
-              <a:rPr lang="en-AU" sz="2500" dirty="0" smtClean="0"/>
-              <a:t> print()</a:t>
-            </a:r>
-          </a:p>
-          <a:p>
-            <a:pPr marL="1657350" lvl="2" indent="-742950">
-              <a:buFont typeface="Arial" panose="020B0604020202020204" pitchFamily="34" charset="0"/>
+              <a:rPr lang="en-US" sz="2500" dirty="0"/>
+              <a:t>Can be iterated over</a:t>
+            </a:r>
+          </a:p>
+          <a:p>
+            <a:pPr marL="1485900" lvl="2" indent="-571500">
+              <a:buFont typeface="Arial" charset="0"/>
               <a:buChar char="•"/>
             </a:pPr>
             <a:r>
-              <a:rPr lang="en-AU" sz="2500" dirty="0" smtClean="0"/>
-              <a:t>Only use if you are making lists</a:t>
-            </a:r>
-          </a:p>
-          <a:p>
-            <a:pPr marL="1657350" lvl="2" indent="-742950">
-              <a:buFont typeface="Arial" panose="020B0604020202020204" pitchFamily="34" charset="0"/>
+              <a:rPr lang="en-US" sz="2500" dirty="0"/>
+              <a:t>Can be processed one element at a time</a:t>
+            </a:r>
+          </a:p>
+          <a:p>
+            <a:pPr marL="1485900" lvl="2" indent="-571500">
+              <a:buFont typeface="Arial" charset="0"/>
               <a:buChar char="•"/>
             </a:pPr>
             <a:r>
               <a:rPr lang="en-AU" sz="2500" dirty="0" smtClean="0"/>
-              <a:t>Should only be used for turning one list or </a:t>
-            </a:r>
-          </a:p>
-          <a:p>
-            <a:pPr lvl="2"/>
-            <a:r>
-              <a:rPr lang="en-AU" sz="2500" dirty="0"/>
-              <a:t>	</a:t>
-            </a:r>
+              <a:t>To make an iterable class</a:t>
+            </a:r>
+          </a:p>
+          <a:p>
+            <a:pPr marL="1943100" lvl="3" indent="-571500">
+              <a:buFont typeface="Arial" charset="0"/>
+              <a:buChar char="•"/>
+            </a:pPr>
             <a:r>
               <a:rPr lang="en-AU" sz="2500" dirty="0" smtClean="0"/>
-              <a:t>iterable into another list</a:t>
-            </a:r>
-            <a:endParaRPr lang="en-US" sz="2500" dirty="0" smtClean="0"/>
-          </a:p>
-        </p:txBody>
-      </p:sp>
-      <p:pic>
-        <p:nvPicPr>
-          <p:cNvPr id="2" name="Picture 1"/>
-          <p:cNvPicPr>
-            <a:picLocks noChangeAspect="1"/>
-          </p:cNvPicPr>
-          <p:nvPr/>
-        </p:nvPicPr>
-        <p:blipFill>
-          <a:blip r:embed="rId2">
-            <a:extLst>
-              <a:ext uri="{28A0092B-C50C-407E-A947-70E740481C1C}">
-                <a14:useLocalDpi xmlns:a14="http://schemas.microsoft.com/office/drawing/2010/main" val="0"/>
-              </a:ext>
-            </a:extLst>
-          </a:blip>
-          <a:stretch>
-            <a:fillRect/>
-          </a:stretch>
-        </p:blipFill>
-        <p:spPr>
-          <a:xfrm>
-            <a:off x="923798" y="3810000"/>
-            <a:ext cx="7296404" cy="882103"/>
-          </a:xfrm>
-          <a:prstGeom prst="rect">
-            <a:avLst/>
-          </a:prstGeom>
-        </p:spPr>
-      </p:pic>
+              <a:t>Define method </a:t>
+            </a:r>
+            <a:r>
+              <a:rPr lang="en-AU" sz="2500" i="1" dirty="0" smtClean="0"/>
+              <a:t>__iter__ </a:t>
+            </a:r>
+            <a:r>
+              <a:rPr lang="en-AU" sz="2500" dirty="0" smtClean="0"/>
+              <a:t>which returns the instance</a:t>
+            </a:r>
+          </a:p>
+          <a:p>
+            <a:pPr marL="1943100" lvl="3" indent="-571500">
+              <a:buFont typeface="Arial" charset="0"/>
+              <a:buChar char="•"/>
+            </a:pPr>
+            <a:r>
+              <a:rPr lang="en-AU" sz="2500" dirty="0" smtClean="0"/>
+              <a:t>Define method </a:t>
+            </a:r>
+            <a:r>
+              <a:rPr lang="en-AU" sz="2500" i="1" dirty="0" smtClean="0"/>
+              <a:t>__next__ </a:t>
+            </a:r>
+            <a:r>
+              <a:rPr lang="en-AU" sz="2500" dirty="0" smtClean="0"/>
+              <a:t>which returns the relevant element, one at a time, on repeat calls</a:t>
+            </a:r>
+          </a:p>
+          <a:p>
+            <a:pPr marL="1943100" lvl="3" indent="-571500">
+              <a:buFont typeface="Arial" charset="0"/>
+              <a:buChar char="•"/>
+            </a:pPr>
+            <a:r>
+              <a:rPr lang="en-AU" sz="2500" dirty="0" smtClean="0"/>
+              <a:t>When all items have been given, raise the </a:t>
+            </a:r>
+            <a:r>
+              <a:rPr lang="en-AU" sz="2500" i="1" dirty="0" smtClean="0"/>
+              <a:t>StopIteration </a:t>
+            </a:r>
+            <a:r>
+              <a:rPr lang="en-AU" sz="2500" dirty="0" smtClean="0"/>
+              <a:t>exception</a:t>
+            </a:r>
+            <a:endParaRPr lang="en-AU" sz="2500" i="1" dirty="0" smtClean="0"/>
+          </a:p>
+        </p:txBody>
+      </p:sp>
     </p:spTree>
     <p:extLst>
       <p:ext uri="{BB962C8B-B14F-4D97-AF65-F5344CB8AC3E}">
-        <p14:creationId xmlns:p14="http://schemas.microsoft.com/office/powerpoint/2010/main" val="1764099824"/>
+        <p14:creationId xmlns:p14="http://schemas.microsoft.com/office/powerpoint/2010/main" val="1200652174"/>
       </p:ext>
     </p:extLst>
   </p:cSld>
@@ -4095,14 +6634,37 @@
       </p:grpSpPr>
       <p:sp>
         <p:nvSpPr>
-          <p:cNvPr id="5" name="Rectangle 4"/>
+          <p:cNvPr id="9" name="Slide Number Placeholder 8"/>
+          <p:cNvSpPr>
+            <a:spLocks noGrp="1"/>
+          </p:cNvSpPr>
+          <p:nvPr>
+            <p:ph type="sldNum" sz="quarter" idx="12"/>
+          </p:nvPr>
+        </p:nvSpPr>
+        <p:spPr/>
+        <p:txBody>
+          <a:bodyPr/>
+          <a:lstStyle/>
+          <a:p>
+            <a:fld id="{B822FDE6-25CA-0444-94EE-C6FC8C5EFEB8}" type="slidenum">
+              <a:rPr lang="en-US" smtClean="0"/>
+              <a:t>14</a:t>
+            </a:fld>
+            <a:endParaRPr lang="en-US"/>
+          </a:p>
+        </p:txBody>
+      </p:sp>
+      <p:sp>
+        <p:nvSpPr>
+          <p:cNvPr id="4" name="Rectangle 3"/>
           <p:cNvSpPr/>
           <p:nvPr/>
         </p:nvSpPr>
         <p:spPr>
           <a:xfrm>
-            <a:off x="6096" y="6096"/>
-            <a:ext cx="9144000" cy="3685624"/>
+            <a:off x="0" y="1299607"/>
+            <a:ext cx="12192000" cy="677108"/>
           </a:xfrm>
           <a:prstGeom prst="rect">
             <a:avLst/>
@@ -4110,106 +6672,56 @@
           <a:noFill/>
         </p:spPr>
         <p:txBody>
-          <a:bodyPr wrap="square" lIns="68580" tIns="34290" rIns="68580" bIns="34290">
+          <a:bodyPr wrap="square" lIns="91440" tIns="45720" rIns="91440" bIns="45720">
             <a:spAutoFit/>
           </a:bodyPr>
           <a:lstStyle/>
           <a:p>
-            <a:pPr algn="ctr"/>
-            <a:endParaRPr lang="en-US" sz="4000" b="1" dirty="0" smtClean="0"/>
-          </a:p>
-          <a:p>
-            <a:pPr lvl="1"/>
-            <a:r>
-              <a:rPr lang="en-US" sz="3500" b="1" dirty="0" smtClean="0"/>
+            <a:r>
+              <a:rPr lang="en-US" sz="3800" dirty="0" smtClean="0"/>
+              <a:t>	</a:t>
+            </a:r>
+            <a:r>
+              <a:rPr lang="en-US" sz="3800" b="1" dirty="0" smtClean="0"/>
               <a:t>Iterators</a:t>
             </a:r>
           </a:p>
-          <a:p>
-            <a:pPr lvl="1"/>
-            <a:endParaRPr lang="en-US" sz="2500" dirty="0" smtClean="0"/>
-          </a:p>
-          <a:p>
-            <a:pPr marL="1657350" lvl="2" indent="-742950">
-              <a:buFont typeface="Arial" panose="020B0604020202020204" pitchFamily="34" charset="0"/>
-              <a:buChar char="•"/>
-            </a:pPr>
-            <a:r>
-              <a:rPr lang="en-AU" sz="2500" dirty="0" smtClean="0"/>
-              <a:t>Can be iterated over</a:t>
-            </a:r>
-          </a:p>
-          <a:p>
-            <a:pPr marL="1657350" lvl="2" indent="-742950">
-              <a:buFont typeface="Arial" panose="020B0604020202020204" pitchFamily="34" charset="0"/>
-              <a:buChar char="•"/>
-            </a:pPr>
-            <a:r>
-              <a:rPr lang="en-AU" sz="2500" dirty="0" smtClean="0"/>
-              <a:t>Can be processed one element at a time</a:t>
-            </a:r>
-          </a:p>
-          <a:p>
-            <a:pPr marL="1657350" lvl="2" indent="-742950">
-              <a:buFont typeface="Arial" panose="020B0604020202020204" pitchFamily="34" charset="0"/>
-              <a:buChar char="•"/>
-            </a:pPr>
-            <a:r>
-              <a:rPr lang="en-AU" sz="2500" dirty="0"/>
-              <a:t>To make an iterable class:</a:t>
-            </a:r>
-          </a:p>
-          <a:p>
-            <a:pPr marL="2114550" lvl="3" indent="-742950">
-              <a:buFont typeface="Arial" panose="020B0604020202020204" pitchFamily="34" charset="0"/>
-              <a:buChar char="•"/>
-            </a:pPr>
-            <a:r>
-              <a:rPr lang="en-AU" sz="2000" dirty="0"/>
-              <a:t>Define method __iter</a:t>
-            </a:r>
-            <a:r>
-              <a:rPr lang="en-AU" sz="2000" dirty="0" smtClean="0"/>
-              <a:t>__</a:t>
-            </a:r>
-            <a:endParaRPr lang="en-AU" sz="2000" dirty="0"/>
-          </a:p>
-          <a:p>
-            <a:pPr marL="2114550" lvl="3" indent="-742950">
-              <a:buFont typeface="Arial" panose="020B0604020202020204" pitchFamily="34" charset="0"/>
-              <a:buChar char="•"/>
-            </a:pPr>
-            <a:r>
-              <a:rPr lang="en-AU" sz="2000" dirty="0"/>
-              <a:t>Define method __next__ </a:t>
-            </a:r>
-            <a:endParaRPr lang="en-AU" sz="2000" dirty="0" smtClean="0"/>
-          </a:p>
-          <a:p>
-            <a:pPr marL="2114550" lvl="3" indent="-742950">
-              <a:buFont typeface="Arial" panose="020B0604020202020204" pitchFamily="34" charset="0"/>
-              <a:buChar char="•"/>
-            </a:pPr>
-            <a:r>
-              <a:rPr lang="en-AU" sz="2000" dirty="0" smtClean="0"/>
-              <a:t>Raise the </a:t>
-            </a:r>
-            <a:r>
-              <a:rPr lang="en-AU" sz="2000" dirty="0"/>
-              <a:t>StopIteration </a:t>
-            </a:r>
-            <a:r>
-              <a:rPr lang="en-AU" sz="2000" dirty="0" smtClean="0"/>
-              <a:t>exception</a:t>
-            </a:r>
-            <a:endParaRPr lang="en-AU" sz="2000" dirty="0"/>
-          </a:p>
-        </p:txBody>
-      </p:sp>
+        </p:txBody>
+      </p:sp>
+      <p:pic>
+        <p:nvPicPr>
+          <p:cNvPr id="2" name="Picture 1"/>
+          <p:cNvPicPr>
+            <a:picLocks noChangeAspect="1"/>
+          </p:cNvPicPr>
+          <p:nvPr/>
+        </p:nvPicPr>
+        <p:blipFill>
+          <a:blip r:embed="rId3">
+            <a:extLst>
+              <a:ext uri="{28A0092B-C50C-407E-A947-70E740481C1C}">
+                <a14:useLocalDpi xmlns:a14="http://schemas.microsoft.com/office/drawing/2010/main" val="0"/>
+              </a:ext>
+            </a:extLst>
+          </a:blip>
+          <a:stretch>
+            <a:fillRect/>
+          </a:stretch>
+        </p:blipFill>
+        <p:spPr>
+          <a:xfrm>
+            <a:off x="2922633" y="2220456"/>
+            <a:ext cx="6346733" cy="3719433"/>
+          </a:xfrm>
+          <a:prstGeom prst="rect">
+            <a:avLst/>
+          </a:prstGeom>
+        </p:spPr>
+      </p:pic>
     </p:spTree>
     <p:extLst>
       <p:ext uri="{BB962C8B-B14F-4D97-AF65-F5344CB8AC3E}">
-        <p14:creationId xmlns:p14="http://schemas.microsoft.com/office/powerpoint/2010/main" val="371542526"/>
+        <p14:creationId xmlns:p14="http://schemas.microsoft.com/office/powerpoint/2010/main" val="1160676271"/>
       </p:ext>
     </p:extLst>
   </p:cSld>
@@ -4256,14 +6768,37 @@
       </p:grpSpPr>
       <p:sp>
         <p:nvSpPr>
-          <p:cNvPr id="5" name="Rectangle 4"/>
+          <p:cNvPr id="9" name="Slide Number Placeholder 8"/>
+          <p:cNvSpPr>
+            <a:spLocks noGrp="1"/>
+          </p:cNvSpPr>
+          <p:nvPr>
+            <p:ph type="sldNum" sz="quarter" idx="12"/>
+          </p:nvPr>
+        </p:nvSpPr>
+        <p:spPr/>
+        <p:txBody>
+          <a:bodyPr/>
+          <a:lstStyle/>
+          <a:p>
+            <a:fld id="{B822FDE6-25CA-0444-94EE-C6FC8C5EFEB8}" type="slidenum">
+              <a:rPr lang="en-US" smtClean="0"/>
+              <a:t>15</a:t>
+            </a:fld>
+            <a:endParaRPr lang="en-US"/>
+          </a:p>
+        </p:txBody>
+      </p:sp>
+      <p:sp>
+        <p:nvSpPr>
+          <p:cNvPr id="4" name="Rectangle 3"/>
           <p:cNvSpPr/>
           <p:nvPr/>
         </p:nvSpPr>
         <p:spPr>
           <a:xfrm>
-            <a:off x="6096" y="6096"/>
-            <a:ext cx="9144000" cy="1223412"/>
+            <a:off x="0" y="1299607"/>
+            <a:ext cx="12192000" cy="677108"/>
           </a:xfrm>
           <a:prstGeom prst="rect">
             <a:avLst/>
@@ -4271,41 +6806,32 @@
           <a:noFill/>
         </p:spPr>
         <p:txBody>
-          <a:bodyPr wrap="square" lIns="68580" tIns="34290" rIns="68580" bIns="34290">
+          <a:bodyPr wrap="square" lIns="91440" tIns="45720" rIns="91440" bIns="45720">
             <a:spAutoFit/>
           </a:bodyPr>
           <a:lstStyle/>
           <a:p>
-            <a:pPr algn="ctr"/>
-            <a:endParaRPr lang="en-US" sz="4000" b="1" dirty="0" smtClean="0"/>
-          </a:p>
-          <a:p>
-            <a:pPr lvl="1"/>
-            <a:r>
-              <a:rPr lang="en-US" sz="3500" b="1" dirty="0" smtClean="0"/>
-              <a:t>Example </a:t>
-            </a:r>
-            <a:r>
-              <a:rPr lang="mr-IN" sz="3500" b="1" dirty="0" smtClean="0"/>
-              <a:t>–</a:t>
-            </a:r>
-            <a:r>
-              <a:rPr lang="en-US" sz="3500" b="1" dirty="0" smtClean="0"/>
-              <a:t> iterators </a:t>
+            <a:r>
+              <a:rPr lang="en-US" sz="3800" dirty="0" smtClean="0"/>
+              <a:t>	</a:t>
+            </a:r>
+            <a:r>
+              <a:rPr lang="en-US" sz="3800" b="1" dirty="0" smtClean="0"/>
+              <a:t>Iterators</a:t>
             </a:r>
           </a:p>
         </p:txBody>
       </p:sp>
       <p:pic>
         <p:nvPicPr>
-          <p:cNvPr id="4" name="Picture 3"/>
+          <p:cNvPr id="3" name="Picture 2"/>
           <p:cNvPicPr>
             <a:picLocks noChangeAspect="1"/>
           </p:cNvPicPr>
           <p:nvPr/>
         </p:nvPicPr>
         <p:blipFill>
-          <a:blip r:embed="rId2">
+          <a:blip r:embed="rId3">
             <a:extLst>
               <a:ext uri="{28A0092B-C50C-407E-A947-70E740481C1C}">
                 <a14:useLocalDpi xmlns:a14="http://schemas.microsoft.com/office/drawing/2010/main" val="0"/>
@@ -4318,8 +6844,8 @@
         </p:blipFill>
         <p:spPr>
           <a:xfrm>
-            <a:off x="1906368" y="1600200"/>
-            <a:ext cx="5343455" cy="4559300"/>
+            <a:off x="3067186" y="1976715"/>
+            <a:ext cx="5543414" cy="3732019"/>
           </a:xfrm>
           <a:prstGeom prst="rect">
             <a:avLst/>
@@ -4329,7 +6855,7 @@
     </p:spTree>
     <p:extLst>
       <p:ext uri="{BB962C8B-B14F-4D97-AF65-F5344CB8AC3E}">
-        <p14:creationId xmlns:p14="http://schemas.microsoft.com/office/powerpoint/2010/main" val="821169622"/>
+        <p14:creationId xmlns:p14="http://schemas.microsoft.com/office/powerpoint/2010/main" val="1985957347"/>
       </p:ext>
     </p:extLst>
   </p:cSld>
@@ -4376,14 +6902,37 @@
       </p:grpSpPr>
       <p:sp>
         <p:nvSpPr>
+          <p:cNvPr id="9" name="Slide Number Placeholder 8"/>
+          <p:cNvSpPr>
+            <a:spLocks noGrp="1"/>
+          </p:cNvSpPr>
+          <p:nvPr>
+            <p:ph type="sldNum" sz="quarter" idx="12"/>
+          </p:nvPr>
+        </p:nvSpPr>
+        <p:spPr/>
+        <p:txBody>
+          <a:bodyPr/>
+          <a:lstStyle/>
+          <a:p>
+            <a:fld id="{B822FDE6-25CA-0444-94EE-C6FC8C5EFEB8}" type="slidenum">
+              <a:rPr lang="en-US" smtClean="0"/>
+              <a:t>16</a:t>
+            </a:fld>
+            <a:endParaRPr lang="en-US"/>
+          </a:p>
+        </p:txBody>
+      </p:sp>
+      <p:sp>
+        <p:nvSpPr>
           <p:cNvPr id="5" name="Rectangle 4"/>
           <p:cNvSpPr/>
           <p:nvPr/>
         </p:nvSpPr>
         <p:spPr>
           <a:xfrm>
-            <a:off x="6096" y="6096"/>
-            <a:ext cx="9144000" cy="1223412"/>
+            <a:off x="0" y="1299607"/>
+            <a:ext cx="12192000" cy="2416046"/>
           </a:xfrm>
           <a:prstGeom prst="rect">
             <a:avLst/>
@@ -4391,28 +6940,73 @@
           <a:noFill/>
         </p:spPr>
         <p:txBody>
-          <a:bodyPr wrap="square" lIns="68580" tIns="34290" rIns="68580" bIns="34290">
+          <a:bodyPr wrap="square" lIns="91440" tIns="45720" rIns="91440" bIns="45720">
             <a:spAutoFit/>
           </a:bodyPr>
           <a:lstStyle/>
           <a:p>
-            <a:pPr algn="ctr"/>
-            <a:endParaRPr lang="en-US" sz="4000" b="1" dirty="0" smtClean="0"/>
-          </a:p>
-          <a:p>
-            <a:pPr lvl="1"/>
-            <a:r>
-              <a:rPr lang="en-US" sz="3500" b="1" dirty="0" smtClean="0"/>
-              <a:t>Example </a:t>
-            </a:r>
-            <a:r>
-              <a:rPr lang="mr-IN" sz="3500" b="1" dirty="0" smtClean="0"/>
-              <a:t>–</a:t>
-            </a:r>
-            <a:r>
-              <a:rPr lang="en-US" sz="3500" b="1" dirty="0" smtClean="0"/>
-              <a:t> iterators </a:t>
-            </a:r>
+            <a:r>
+              <a:rPr lang="en-US" sz="3800" dirty="0" smtClean="0"/>
+              <a:t>	</a:t>
+            </a:r>
+            <a:r>
+              <a:rPr lang="en-US" sz="3800" b="1" dirty="0" smtClean="0"/>
+              <a:t>Iterators</a:t>
+            </a:r>
+          </a:p>
+          <a:p>
+            <a:endParaRPr lang="en-US" sz="3800" b="1" dirty="0" smtClean="0"/>
+          </a:p>
+          <a:p>
+            <a:pPr marL="1485900" lvl="2" indent="-571500">
+              <a:buFont typeface="Arial" charset="0"/>
+              <a:buChar char="•"/>
+            </a:pPr>
+            <a:r>
+              <a:rPr lang="en-US" sz="2500" dirty="0" smtClean="0"/>
+              <a:t>Built in function </a:t>
+            </a:r>
+            <a:r>
+              <a:rPr lang="en-US" sz="2500" i="1" dirty="0" smtClean="0"/>
+              <a:t>iter </a:t>
+            </a:r>
+            <a:r>
+              <a:rPr lang="en-US" sz="2500" dirty="0" smtClean="0"/>
+              <a:t>takes a sequence and returns an iterator</a:t>
+            </a:r>
+          </a:p>
+          <a:p>
+            <a:pPr marL="1485900" lvl="2" indent="-571500">
+              <a:buFont typeface="Arial" charset="0"/>
+              <a:buChar char="•"/>
+            </a:pPr>
+            <a:r>
+              <a:rPr lang="en-US" sz="2500" dirty="0"/>
+              <a:t>Each time we call the next method on the iterator gives us the next </a:t>
+            </a:r>
+            <a:r>
+              <a:rPr lang="en-US" sz="2500" dirty="0" smtClean="0"/>
+              <a:t>element</a:t>
+            </a:r>
+          </a:p>
+          <a:p>
+            <a:pPr marL="1485900" lvl="2" indent="-571500">
+              <a:buFont typeface="Arial" charset="0"/>
+              <a:buChar char="•"/>
+            </a:pPr>
+            <a:r>
+              <a:rPr lang="en-US" sz="2500" dirty="0" smtClean="0"/>
+              <a:t>If </a:t>
+            </a:r>
+            <a:r>
+              <a:rPr lang="en-US" sz="2500" dirty="0"/>
+              <a:t>there are no more elements, it raises a </a:t>
+            </a:r>
+            <a:r>
+              <a:rPr lang="en-US" sz="2500" dirty="0" smtClean="0"/>
+              <a:t>StopIteration</a:t>
+            </a:r>
+            <a:endParaRPr lang="en-AU" sz="2500" dirty="0" smtClean="0"/>
           </a:p>
         </p:txBody>
       </p:sp>
@@ -4425,7 +7019,7 @@
           <p:nvPr/>
         </p:nvPicPr>
         <p:blipFill>
-          <a:blip r:embed="rId2">
+          <a:blip r:embed="rId3">
             <a:extLst>
               <a:ext uri="{28A0092B-C50C-407E-A947-70E740481C1C}">
                 <a14:useLocalDpi xmlns:a14="http://schemas.microsoft.com/office/drawing/2010/main" val="0"/>
@@ -4438,8 +7032,8 @@
         </p:blipFill>
         <p:spPr>
           <a:xfrm>
-            <a:off x="1867842" y="1905000"/>
-            <a:ext cx="5408316" cy="4267200"/>
+            <a:off x="3683000" y="4204151"/>
+            <a:ext cx="4826000" cy="1663700"/>
           </a:xfrm>
           <a:prstGeom prst="rect">
             <a:avLst/>
@@ -4449,7 +7043,7 @@
     </p:spTree>
     <p:extLst>
       <p:ext uri="{BB962C8B-B14F-4D97-AF65-F5344CB8AC3E}">
-        <p14:creationId xmlns:p14="http://schemas.microsoft.com/office/powerpoint/2010/main" val="958785001"/>
+        <p14:creationId xmlns:p14="http://schemas.microsoft.com/office/powerpoint/2010/main" val="1081496939"/>
       </p:ext>
     </p:extLst>
   </p:cSld>
@@ -4496,14 +7090,37 @@
       </p:grpSpPr>
       <p:sp>
         <p:nvSpPr>
-          <p:cNvPr id="5" name="Rectangle 4"/>
+          <p:cNvPr id="9" name="Slide Number Placeholder 8"/>
+          <p:cNvSpPr>
+            <a:spLocks noGrp="1"/>
+          </p:cNvSpPr>
+          <p:nvPr>
+            <p:ph type="sldNum" sz="quarter" idx="12"/>
+          </p:nvPr>
+        </p:nvSpPr>
+        <p:spPr/>
+        <p:txBody>
+          <a:bodyPr/>
+          <a:lstStyle/>
+          <a:p>
+            <a:fld id="{B822FDE6-25CA-0444-94EE-C6FC8C5EFEB8}" type="slidenum">
+              <a:rPr lang="en-US" smtClean="0"/>
+              <a:t>17</a:t>
+            </a:fld>
+            <a:endParaRPr lang="en-US"/>
+          </a:p>
+        </p:txBody>
+      </p:sp>
+      <p:sp>
+        <p:nvSpPr>
+          <p:cNvPr id="7" name="Rectangle 6"/>
           <p:cNvSpPr/>
           <p:nvPr/>
         </p:nvSpPr>
         <p:spPr>
           <a:xfrm>
-            <a:off x="6096" y="6096"/>
-            <a:ext cx="9144000" cy="3916457"/>
+            <a:off x="0" y="1299607"/>
+            <a:ext cx="12192000" cy="677108"/>
           </a:xfrm>
           <a:prstGeom prst="rect">
             <a:avLst/>
@@ -4511,93 +7128,32 @@
           <a:noFill/>
         </p:spPr>
         <p:txBody>
-          <a:bodyPr wrap="square" lIns="68580" tIns="34290" rIns="68580" bIns="34290">
+          <a:bodyPr wrap="square" lIns="91440" tIns="45720" rIns="91440" bIns="45720">
             <a:spAutoFit/>
           </a:bodyPr>
           <a:lstStyle/>
           <a:p>
-            <a:pPr algn="ctr"/>
-            <a:endParaRPr lang="en-US" sz="4000" b="1" dirty="0" smtClean="0"/>
-          </a:p>
-          <a:p>
-            <a:pPr lvl="1"/>
-            <a:r>
-              <a:rPr lang="en-US" sz="3500" b="1" dirty="0" smtClean="0"/>
+            <a:r>
+              <a:rPr lang="en-US" sz="3800" dirty="0" smtClean="0"/>
+              <a:t>	</a:t>
+            </a:r>
+            <a:r>
+              <a:rPr lang="en-US" sz="3800" b="1" dirty="0" smtClean="0"/>
               <a:t>Iterators</a:t>
             </a:r>
-          </a:p>
-          <a:p>
-            <a:pPr lvl="1"/>
-            <a:endParaRPr lang="en-US" sz="2500" dirty="0" smtClean="0"/>
-          </a:p>
-          <a:p>
-            <a:pPr marL="1657350" lvl="2" indent="-742950">
-              <a:buFont typeface="Arial" panose="020B0604020202020204" pitchFamily="34" charset="0"/>
-              <a:buChar char="•"/>
-            </a:pPr>
-            <a:r>
-              <a:rPr lang="en-AU" sz="2500" dirty="0" smtClean="0"/>
-              <a:t>Built-in function iter takes a sequence and</a:t>
-            </a:r>
-          </a:p>
-          <a:p>
-            <a:pPr lvl="2"/>
-            <a:r>
-              <a:rPr lang="en-AU" sz="2500" dirty="0"/>
-              <a:t>	</a:t>
-            </a:r>
-            <a:r>
-              <a:rPr lang="en-AU" sz="2500" dirty="0" smtClean="0"/>
-              <a:t>returns an iterator</a:t>
-            </a:r>
-          </a:p>
-          <a:p>
-            <a:pPr marL="1657350" lvl="2" indent="-742950">
-              <a:buFont typeface="Arial" panose="020B0604020202020204" pitchFamily="34" charset="0"/>
-              <a:buChar char="•"/>
-            </a:pPr>
-            <a:r>
-              <a:rPr lang="en-AU" sz="2500" dirty="0" smtClean="0"/>
-              <a:t>Each time we call the next method, the iterator </a:t>
-            </a:r>
-          </a:p>
-          <a:p>
-            <a:pPr lvl="2"/>
-            <a:r>
-              <a:rPr lang="en-AU" sz="2500" dirty="0" smtClean="0"/>
-              <a:t>	gives us the next element</a:t>
-            </a:r>
-          </a:p>
-          <a:p>
-            <a:pPr marL="1657350" lvl="2" indent="-742950">
-              <a:buFont typeface="Arial" panose="020B0604020202020204" pitchFamily="34" charset="0"/>
-              <a:buChar char="•"/>
-            </a:pPr>
-            <a:r>
-              <a:rPr lang="en-AU" sz="2500" dirty="0" smtClean="0"/>
-              <a:t>If there are no more elements, it raises a </a:t>
-            </a:r>
-          </a:p>
-          <a:p>
-            <a:pPr lvl="2"/>
-            <a:r>
-              <a:rPr lang="en-AU" sz="2500" dirty="0" smtClean="0"/>
-              <a:t>	StopIteration</a:t>
-            </a:r>
-            <a:endParaRPr lang="en-AU" sz="2000" dirty="0"/>
           </a:p>
         </p:txBody>
       </p:sp>
       <p:pic>
         <p:nvPicPr>
-          <p:cNvPr id="2" name="Picture 1"/>
+          <p:cNvPr id="6" name="Picture 5"/>
           <p:cNvPicPr>
             <a:picLocks noChangeAspect="1"/>
           </p:cNvPicPr>
           <p:nvPr/>
         </p:nvPicPr>
         <p:blipFill>
-          <a:blip r:embed="rId2">
+          <a:blip r:embed="rId3">
             <a:extLst>
               <a:ext uri="{28A0092B-C50C-407E-A947-70E740481C1C}">
                 <a14:useLocalDpi xmlns:a14="http://schemas.microsoft.com/office/drawing/2010/main" val="0"/>
@@ -4610,8 +7166,8 @@
         </p:blipFill>
         <p:spPr>
           <a:xfrm>
-            <a:off x="1219200" y="4191000"/>
-            <a:ext cx="6705600" cy="1917071"/>
+            <a:off x="4089400" y="1976715"/>
+            <a:ext cx="4013200" cy="4013200"/>
           </a:xfrm>
           <a:prstGeom prst="rect">
             <a:avLst/>
@@ -4621,7 +7177,7 @@
     </p:spTree>
     <p:extLst>
       <p:ext uri="{BB962C8B-B14F-4D97-AF65-F5344CB8AC3E}">
-        <p14:creationId xmlns:p14="http://schemas.microsoft.com/office/powerpoint/2010/main" val="1128673869"/>
+        <p14:creationId xmlns:p14="http://schemas.microsoft.com/office/powerpoint/2010/main" val="1521714346"/>
       </p:ext>
     </p:extLst>
   </p:cSld>
@@ -4668,56 +7224,37 @@
       </p:grpSpPr>
       <p:sp>
         <p:nvSpPr>
-          <p:cNvPr id="5" name="Rectangle 4"/>
-          <p:cNvSpPr/>
-          <p:nvPr/>
-        </p:nvSpPr>
-        <p:spPr>
-          <a:xfrm>
-            <a:off x="6096" y="6096"/>
-            <a:ext cx="9144000" cy="1223412"/>
-          </a:xfrm>
-          <a:prstGeom prst="rect">
-            <a:avLst/>
-          </a:prstGeom>
-          <a:noFill/>
-        </p:spPr>
-        <p:txBody>
-          <a:bodyPr wrap="square" lIns="68580" tIns="34290" rIns="68580" bIns="34290">
-            <a:spAutoFit/>
-          </a:bodyPr>
-          <a:lstStyle/>
-          <a:p>
-            <a:pPr algn="ctr"/>
-            <a:endParaRPr lang="en-US" sz="4000" b="1" dirty="0" smtClean="0"/>
-          </a:p>
-          <a:p>
-            <a:pPr lvl="1"/>
-            <a:r>
-              <a:rPr lang="en-US" sz="3500" b="1" dirty="0" smtClean="0"/>
-              <a:t>Example </a:t>
-            </a:r>
-            <a:r>
-              <a:rPr lang="mr-IN" sz="3500" b="1" dirty="0" smtClean="0"/>
-              <a:t>–</a:t>
-            </a:r>
-            <a:r>
-              <a:rPr lang="en-US" sz="3500" b="1" dirty="0" smtClean="0"/>
-              <a:t> iterators</a:t>
-            </a:r>
+          <p:cNvPr id="9" name="Slide Number Placeholder 8"/>
+          <p:cNvSpPr>
+            <a:spLocks noGrp="1"/>
+          </p:cNvSpPr>
+          <p:nvPr>
+            <p:ph type="sldNum" sz="quarter" idx="12"/>
+          </p:nvPr>
+        </p:nvSpPr>
+        <p:spPr/>
+        <p:txBody>
+          <a:bodyPr/>
+          <a:lstStyle/>
+          <a:p>
+            <a:fld id="{B822FDE6-25CA-0444-94EE-C6FC8C5EFEB8}" type="slidenum">
+              <a:rPr lang="en-US" smtClean="0"/>
+              <a:t>18</a:t>
+            </a:fld>
+            <a:endParaRPr lang="en-US"/>
           </a:p>
         </p:txBody>
       </p:sp>
       <p:pic>
         <p:nvPicPr>
-          <p:cNvPr id="3" name="Picture 2"/>
+          <p:cNvPr id="2" name="Picture 1"/>
           <p:cNvPicPr>
             <a:picLocks noChangeAspect="1"/>
           </p:cNvPicPr>
           <p:nvPr/>
         </p:nvPicPr>
         <p:blipFill>
-          <a:blip r:embed="rId2">
+          <a:blip r:embed="rId3">
             <a:extLst>
               <a:ext uri="{28A0092B-C50C-407E-A947-70E740481C1C}">
                 <a14:useLocalDpi xmlns:a14="http://schemas.microsoft.com/office/drawing/2010/main" val="0"/>
@@ -4730,24 +7267,96 @@
         </p:blipFill>
         <p:spPr>
           <a:xfrm>
-            <a:off x="1930531" y="1524000"/>
-            <a:ext cx="5295129" cy="5029200"/>
+            <a:off x="7912100" y="1663700"/>
+            <a:ext cx="3886200" cy="4343400"/>
           </a:xfrm>
           <a:prstGeom prst="rect">
             <a:avLst/>
           </a:prstGeom>
         </p:spPr>
       </p:pic>
+      <p:sp>
+        <p:nvSpPr>
+          <p:cNvPr id="7" name="Rectangle 6"/>
+          <p:cNvSpPr/>
+          <p:nvPr/>
+        </p:nvSpPr>
+        <p:spPr>
+          <a:xfrm>
+            <a:off x="0" y="1299607"/>
+            <a:ext cx="12192000" cy="2031325"/>
+          </a:xfrm>
+          <a:prstGeom prst="rect">
+            <a:avLst/>
+          </a:prstGeom>
+          <a:noFill/>
+        </p:spPr>
+        <p:txBody>
+          <a:bodyPr wrap="square" lIns="91440" tIns="45720" rIns="91440" bIns="45720">
+            <a:spAutoFit/>
+          </a:bodyPr>
+          <a:lstStyle/>
+          <a:p>
+            <a:r>
+              <a:rPr lang="en-US" sz="3800" dirty="0" smtClean="0"/>
+              <a:t>	</a:t>
+            </a:r>
+            <a:r>
+              <a:rPr lang="en-US" sz="3800" b="1" dirty="0" smtClean="0"/>
+              <a:t>Infinite iterators</a:t>
+            </a:r>
+          </a:p>
+          <a:p>
+            <a:endParaRPr lang="en-US" sz="3800" b="1" dirty="0"/>
+          </a:p>
+          <a:p>
+            <a:pPr marL="1485900" lvl="2" indent="-571500">
+              <a:buFont typeface="Arial" charset="0"/>
+              <a:buChar char="•"/>
+            </a:pPr>
+            <a:r>
+              <a:rPr lang="en-AU" sz="2500" dirty="0" smtClean="0"/>
+              <a:t>Is it our reponsiblility to break out</a:t>
+            </a:r>
+          </a:p>
+          <a:p>
+            <a:pPr marL="1485900" lvl="2" indent="-571500">
+              <a:buFont typeface="Arial" charset="0"/>
+              <a:buChar char="•"/>
+            </a:pPr>
+            <a:r>
+              <a:rPr lang="en-AU" sz="2500" i="1" dirty="0" smtClean="0"/>
+              <a:t>__next__ </a:t>
+            </a:r>
+            <a:r>
+              <a:rPr lang="en-AU" sz="2500" dirty="0" smtClean="0"/>
+              <a:t>never raises </a:t>
+            </a:r>
+            <a:r>
+              <a:rPr lang="en-AU" sz="2500" i="1" dirty="0" smtClean="0"/>
+              <a:t>StopIteration</a:t>
+            </a:r>
+          </a:p>
+        </p:txBody>
+      </p:sp>
     </p:spTree>
     <p:extLst>
       <p:ext uri="{BB962C8B-B14F-4D97-AF65-F5344CB8AC3E}">
-        <p14:creationId xmlns:p14="http://schemas.microsoft.com/office/powerpoint/2010/main" val="1784063840"/>
+        <p14:creationId xmlns:p14="http://schemas.microsoft.com/office/powerpoint/2010/main" val="900473961"/>
       </p:ext>
     </p:extLst>
   </p:cSld>
   <p:clrMapOvr>
     <a:masterClrMapping/>
   </p:clrMapOvr>
+  <mc:AlternateContent xmlns:mc="http://schemas.openxmlformats.org/markup-compatibility/2006" xmlns:p14="http://schemas.microsoft.com/office/powerpoint/2010/main">
+    <mc:Choice Requires="p14">
+      <p:transition spd="slow" p14:dur="2000"/>
+    </mc:Choice>
+    <mc:Fallback xmlns="">
+      <p:transition spd="slow"/>
+    </mc:Fallback>
+  </mc:AlternateContent>
   <p:timing>
     <p:tnLst>
       <p:par>
@@ -4788,14 +7397,37 @@
       </p:grpSpPr>
       <p:sp>
         <p:nvSpPr>
-          <p:cNvPr id="5" name="Rectangle 4"/>
+          <p:cNvPr id="9" name="Slide Number Placeholder 8"/>
+          <p:cNvSpPr>
+            <a:spLocks noGrp="1"/>
+          </p:cNvSpPr>
+          <p:nvPr>
+            <p:ph type="sldNum" sz="quarter" idx="12"/>
+          </p:nvPr>
+        </p:nvSpPr>
+        <p:spPr/>
+        <p:txBody>
+          <a:bodyPr/>
+          <a:lstStyle/>
+          <a:p>
+            <a:fld id="{B822FDE6-25CA-0444-94EE-C6FC8C5EFEB8}" type="slidenum">
+              <a:rPr lang="en-US" smtClean="0"/>
+              <a:t>19</a:t>
+            </a:fld>
+            <a:endParaRPr lang="en-US"/>
+          </a:p>
+        </p:txBody>
+      </p:sp>
+      <p:sp>
+        <p:nvSpPr>
+          <p:cNvPr id="4" name="Rectangle 3"/>
           <p:cNvSpPr/>
           <p:nvPr/>
         </p:nvSpPr>
         <p:spPr>
           <a:xfrm>
-            <a:off x="6096" y="6096"/>
-            <a:ext cx="9144000" cy="2377574"/>
+            <a:off x="0" y="1299607"/>
+            <a:ext cx="12192000" cy="2800767"/>
           </a:xfrm>
           <a:prstGeom prst="rect">
             <a:avLst/>
@@ -4803,82 +7435,77 @@
           <a:noFill/>
         </p:spPr>
         <p:txBody>
-          <a:bodyPr wrap="square" lIns="68580" tIns="34290" rIns="68580" bIns="34290">
+          <a:bodyPr wrap="square" lIns="91440" tIns="45720" rIns="91440" bIns="45720">
             <a:spAutoFit/>
           </a:bodyPr>
           <a:lstStyle/>
           <a:p>
-            <a:pPr algn="ctr"/>
-            <a:endParaRPr lang="en-US" sz="4000" b="1" dirty="0" smtClean="0"/>
-          </a:p>
-          <a:p>
-            <a:pPr lvl="1"/>
-            <a:r>
-              <a:rPr lang="en-US" sz="3500" b="1" dirty="0" smtClean="0"/>
-              <a:t>Iterators</a:t>
-            </a:r>
-          </a:p>
-          <a:p>
-            <a:pPr lvl="1"/>
-            <a:endParaRPr lang="en-US" sz="2500" dirty="0" smtClean="0"/>
-          </a:p>
-          <a:p>
-            <a:pPr marL="1657350" lvl="2" indent="-742950">
-              <a:buFont typeface="Arial" panose="020B0604020202020204" pitchFamily="34" charset="0"/>
+            <a:r>
+              <a:rPr lang="en-US" sz="3800" dirty="0" smtClean="0"/>
+              <a:t>	</a:t>
+            </a:r>
+            <a:r>
+              <a:rPr lang="en-US" sz="3800" b="1" dirty="0" smtClean="0"/>
+              <a:t>Generators</a:t>
+            </a:r>
+          </a:p>
+          <a:p>
+            <a:endParaRPr lang="en-US" sz="3800" b="1" dirty="0"/>
+          </a:p>
+          <a:p>
+            <a:pPr marL="1485900" lvl="2" indent="-571500">
+              <a:buFont typeface="Arial" charset="0"/>
               <a:buChar char="•"/>
             </a:pPr>
             <a:r>
-              <a:rPr lang="en-AU" sz="2500" dirty="0" smtClean="0"/>
-              <a:t>It is our responsibility to break out</a:t>
-            </a:r>
-          </a:p>
-          <a:p>
-            <a:pPr marL="1657350" lvl="2" indent="-742950">
-              <a:buFont typeface="Arial" panose="020B0604020202020204" pitchFamily="34" charset="0"/>
+              <a:rPr lang="en-US" sz="2500" dirty="0" smtClean="0"/>
+              <a:t>A special kind of function that is iterable</a:t>
+            </a:r>
+          </a:p>
+          <a:p>
+            <a:pPr marL="1485900" lvl="2" indent="-571500">
+              <a:buFont typeface="Arial" charset="0"/>
               <a:buChar char="•"/>
             </a:pPr>
             <a:r>
-              <a:rPr lang="en-AU" sz="2500" dirty="0" smtClean="0"/>
-              <a:t>__next__ never raises StopIteration</a:t>
-            </a:r>
-            <a:endParaRPr lang="en-AU" sz="2000" dirty="0"/>
-          </a:p>
-        </p:txBody>
-      </p:sp>
-      <p:pic>
-        <p:nvPicPr>
-          <p:cNvPr id="3" name="Picture 2"/>
-          <p:cNvPicPr>
-            <a:picLocks noChangeAspect="1"/>
-          </p:cNvPicPr>
-          <p:nvPr/>
-        </p:nvPicPr>
-        <p:blipFill>
-          <a:blip r:embed="rId2">
-            <a:extLst>
-              <a:ext uri="{28A0092B-C50C-407E-A947-70E740481C1C}">
-                <a14:useLocalDpi xmlns:a14="http://schemas.microsoft.com/office/drawing/2010/main" val="0"/>
-              </a:ext>
-            </a:extLst>
-          </a:blip>
-          <a:stretch>
-            <a:fillRect/>
-          </a:stretch>
-        </p:blipFill>
-        <p:spPr>
-          <a:xfrm>
-            <a:off x="2667000" y="2667000"/>
-            <a:ext cx="3555129" cy="3755270"/>
-          </a:xfrm>
-          <a:prstGeom prst="rect">
-            <a:avLst/>
-          </a:prstGeom>
-        </p:spPr>
-      </p:pic>
+              <a:rPr lang="en-US" sz="2500" dirty="0" smtClean="0"/>
+              <a:t>Generators do not exit when they return a value, they simply pause</a:t>
+            </a:r>
+          </a:p>
+          <a:p>
+            <a:pPr marL="1485900" lvl="2" indent="-571500">
+              <a:buFont typeface="Arial" charset="0"/>
+              <a:buChar char="•"/>
+            </a:pPr>
+            <a:r>
+              <a:rPr lang="en-US" sz="2500" dirty="0" smtClean="0"/>
+              <a:t>The next time they are called, they pick up where they left off</a:t>
+            </a:r>
+          </a:p>
+          <a:p>
+            <a:pPr marL="1485900" lvl="2" indent="-571500">
+              <a:buFont typeface="Arial" charset="0"/>
+              <a:buChar char="•"/>
+            </a:pPr>
+            <a:r>
+              <a:rPr lang="en-US" sz="2500" dirty="0" smtClean="0"/>
+              <a:t>They use </a:t>
+            </a:r>
+            <a:r>
+              <a:rPr lang="en-US" sz="2500" i="1" dirty="0" smtClean="0"/>
+              <a:t>yield </a:t>
+            </a:r>
+            <a:r>
+              <a:rPr lang="en-US" sz="2500" dirty="0" smtClean="0"/>
+              <a:t>rather than return</a:t>
+            </a:r>
+          </a:p>
+        </p:txBody>
+      </p:sp>
     </p:spTree>
     <p:extLst>
       <p:ext uri="{BB962C8B-B14F-4D97-AF65-F5344CB8AC3E}">
-        <p14:creationId xmlns:p14="http://schemas.microsoft.com/office/powerpoint/2010/main" val="1594279466"/>
+        <p14:creationId xmlns:p14="http://schemas.microsoft.com/office/powerpoint/2010/main" val="1792923593"/>
       </p:ext>
     </p:extLst>
   </p:cSld>
@@ -4925,14 +7552,37 @@
       </p:grpSpPr>
       <p:sp>
         <p:nvSpPr>
-          <p:cNvPr id="5" name="Rectangle 4"/>
+          <p:cNvPr id="9" name="Slide Number Placeholder 8"/>
+          <p:cNvSpPr>
+            <a:spLocks noGrp="1"/>
+          </p:cNvSpPr>
+          <p:nvPr>
+            <p:ph type="sldNum" sz="quarter" idx="12"/>
+          </p:nvPr>
+        </p:nvSpPr>
+        <p:spPr/>
+        <p:txBody>
+          <a:bodyPr/>
+          <a:lstStyle/>
+          <a:p>
+            <a:fld id="{B822FDE6-25CA-0444-94EE-C6FC8C5EFEB8}" type="slidenum">
+              <a:rPr lang="en-US" smtClean="0"/>
+              <a:t>2</a:t>
+            </a:fld>
+            <a:endParaRPr lang="en-US"/>
+          </a:p>
+        </p:txBody>
+      </p:sp>
+      <p:sp>
+        <p:nvSpPr>
+          <p:cNvPr id="4" name="Rectangle 3"/>
           <p:cNvSpPr/>
           <p:nvPr/>
         </p:nvSpPr>
         <p:spPr>
           <a:xfrm>
-            <a:off x="6096" y="6096"/>
-            <a:ext cx="9144000" cy="2762295"/>
+            <a:off x="0" y="1299607"/>
+            <a:ext cx="12192000" cy="3339376"/>
           </a:xfrm>
           <a:prstGeom prst="rect">
             <a:avLst/>
@@ -4940,28 +7590,26 @@
           <a:noFill/>
         </p:spPr>
         <p:txBody>
-          <a:bodyPr wrap="square" lIns="68580" tIns="34290" rIns="68580" bIns="34290">
+          <a:bodyPr wrap="square" lIns="91440" tIns="45720" rIns="91440" bIns="45720">
             <a:spAutoFit/>
           </a:bodyPr>
           <a:lstStyle/>
           <a:p>
-            <a:pPr algn="ctr"/>
-            <a:endParaRPr lang="en-US" sz="4000" b="1" dirty="0" smtClean="0"/>
-          </a:p>
-          <a:p>
-            <a:pPr lvl="1"/>
-            <a:r>
-              <a:rPr lang="en-US" sz="3500" b="1" dirty="0" smtClean="0"/>
+            <a:r>
+              <a:rPr lang="en-US" sz="3800" dirty="0" smtClean="0"/>
+              <a:t>	</a:t>
+            </a:r>
+            <a:r>
+              <a:rPr lang="en-US" sz="3800" b="1" dirty="0" smtClean="0"/>
               <a:t>Last session</a:t>
             </a:r>
           </a:p>
           <a:p>
-            <a:pPr lvl="1"/>
-            <a:endParaRPr lang="en-US" sz="2500" dirty="0" smtClean="0"/>
-          </a:p>
-          <a:p>
-            <a:pPr marL="1657350" lvl="2" indent="-742950">
-              <a:buFont typeface="Arial" panose="020B0604020202020204" pitchFamily="34" charset="0"/>
+            <a:endParaRPr lang="en-US" sz="3800" b="1" dirty="0"/>
+          </a:p>
+          <a:p>
+            <a:pPr marL="1485900" lvl="2" indent="-571500">
+              <a:buFont typeface="Arial" charset="0"/>
               <a:buChar char="•"/>
             </a:pPr>
             <a:r>
@@ -4978,22 +7626,48 @@
             </a:r>
           </a:p>
           <a:p>
-            <a:pPr marL="1657350" lvl="2" indent="-742950">
-              <a:buFont typeface="Arial" panose="020B0604020202020204" pitchFamily="34" charset="0"/>
+            <a:pPr marL="1943100" lvl="3" indent="-571500">
+              <a:buFont typeface="Arial" charset="0"/>
               <a:buChar char="•"/>
             </a:pPr>
             <a:r>
+              <a:rPr lang="en-US" sz="2000" dirty="0" smtClean="0"/>
+              <a:t>Assignment functions to variables</a:t>
+            </a:r>
+          </a:p>
+          <a:p>
+            <a:pPr marL="1943100" lvl="3" indent="-571500">
+              <a:buFont typeface="Arial" charset="0"/>
+              <a:buChar char="•"/>
+            </a:pPr>
+            <a:r>
+              <a:rPr lang="en-US" sz="2000" dirty="0" smtClean="0"/>
+              <a:t>Passing and return functions</a:t>
+            </a:r>
+          </a:p>
+          <a:p>
+            <a:pPr marL="1943100" lvl="3" indent="-571500">
+              <a:buFont typeface="Arial" charset="0"/>
+              <a:buChar char="•"/>
+            </a:pPr>
+            <a:r>
+              <a:rPr lang="en-US" sz="2000" dirty="0" smtClean="0"/>
+              <a:t>Callbacks</a:t>
+            </a:r>
+          </a:p>
+          <a:p>
+            <a:pPr marL="1485900" lvl="2" indent="-571500">
+              <a:buFont typeface="Arial" charset="0"/>
+              <a:buChar char="•"/>
+            </a:pPr>
+            <a:r>
               <a:rPr lang="en-US" sz="2500" dirty="0" smtClean="0"/>
-              <a:t>Higher-order </a:t>
-            </a:r>
-            <a:r>
-              <a:rPr lang="en-US" sz="2500" dirty="0" smtClean="0"/>
-              <a:t>functions</a:t>
-            </a:r>
-          </a:p>
-          <a:p>
-            <a:pPr marL="1657350" lvl="2" indent="-742950">
-              <a:buFont typeface="Arial" panose="020B0604020202020204" pitchFamily="34" charset="0"/>
+              <a:t>Higher-order functions such as map, filter, reduce and closures</a:t>
+            </a:r>
+          </a:p>
+          <a:p>
+            <a:pPr marL="1485900" lvl="2" indent="-571500">
+              <a:buFont typeface="Arial" charset="0"/>
               <a:buChar char="•"/>
             </a:pPr>
             <a:r>
@@ -5006,7 +7680,7 @@
     </p:spTree>
     <p:extLst>
       <p:ext uri="{BB962C8B-B14F-4D97-AF65-F5344CB8AC3E}">
-        <p14:creationId xmlns:p14="http://schemas.microsoft.com/office/powerpoint/2010/main" val="1610426333"/>
+        <p14:creationId xmlns:p14="http://schemas.microsoft.com/office/powerpoint/2010/main" val="1625129768"/>
       </p:ext>
     </p:extLst>
   </p:cSld>
@@ -5053,14 +7727,37 @@
       </p:grpSpPr>
       <p:sp>
         <p:nvSpPr>
-          <p:cNvPr id="5" name="Rectangle 4"/>
+          <p:cNvPr id="9" name="Slide Number Placeholder 8"/>
+          <p:cNvSpPr>
+            <a:spLocks noGrp="1"/>
+          </p:cNvSpPr>
+          <p:nvPr>
+            <p:ph type="sldNum" sz="quarter" idx="12"/>
+          </p:nvPr>
+        </p:nvSpPr>
+        <p:spPr/>
+        <p:txBody>
+          <a:bodyPr/>
+          <a:lstStyle/>
+          <a:p>
+            <a:fld id="{B822FDE6-25CA-0444-94EE-C6FC8C5EFEB8}" type="slidenum">
+              <a:rPr lang="en-US" smtClean="0"/>
+              <a:t>20</a:t>
+            </a:fld>
+            <a:endParaRPr lang="en-US"/>
+          </a:p>
+        </p:txBody>
+      </p:sp>
+      <p:sp>
+        <p:nvSpPr>
+          <p:cNvPr id="4" name="Rectangle 3"/>
           <p:cNvSpPr/>
           <p:nvPr/>
         </p:nvSpPr>
         <p:spPr>
           <a:xfrm>
-            <a:off x="6096" y="6096"/>
-            <a:ext cx="9144000" cy="3916457"/>
+            <a:off x="0" y="1299607"/>
+            <a:ext cx="12192000" cy="2800767"/>
           </a:xfrm>
           <a:prstGeom prst="rect">
             <a:avLst/>
@@ -5068,86 +7765,138 @@
           <a:noFill/>
         </p:spPr>
         <p:txBody>
-          <a:bodyPr wrap="square" lIns="68580" tIns="34290" rIns="68580" bIns="34290">
+          <a:bodyPr wrap="square" lIns="91440" tIns="45720" rIns="91440" bIns="45720">
             <a:spAutoFit/>
           </a:bodyPr>
           <a:lstStyle/>
           <a:p>
-            <a:pPr algn="ctr"/>
-            <a:endParaRPr lang="en-US" sz="4000" b="1" dirty="0" smtClean="0"/>
-          </a:p>
-          <a:p>
-            <a:pPr lvl="1"/>
-            <a:r>
-              <a:rPr lang="en-US" sz="3500" b="1" dirty="0" smtClean="0"/>
+            <a:r>
+              <a:rPr lang="en-US" sz="3800" dirty="0" smtClean="0"/>
+              <a:t>	</a:t>
+            </a:r>
+            <a:r>
+              <a:rPr lang="en-US" sz="3800" b="1" dirty="0" smtClean="0"/>
               <a:t>Generators</a:t>
             </a:r>
           </a:p>
           <a:p>
-            <a:pPr lvl="1"/>
-            <a:endParaRPr lang="en-US" sz="2500" dirty="0" smtClean="0"/>
-          </a:p>
-          <a:p>
-            <a:pPr marL="1657350" lvl="2" indent="-742950">
-              <a:buFont typeface="Arial" panose="020B0604020202020204" pitchFamily="34" charset="0"/>
+            <a:endParaRPr lang="en-US" sz="3800" b="1" dirty="0"/>
+          </a:p>
+          <a:p>
+            <a:pPr marL="1485900" lvl="2" indent="-571500">
+              <a:buFont typeface="Arial" charset="0"/>
               <a:buChar char="•"/>
             </a:pPr>
             <a:r>
-              <a:rPr lang="en-AU" sz="2500" dirty="0" smtClean="0"/>
-              <a:t>A special kind of function that is iterable</a:t>
-            </a:r>
-          </a:p>
-          <a:p>
-            <a:pPr marL="1657350" lvl="2" indent="-742950">
-              <a:buFont typeface="Arial" panose="020B0604020202020204" pitchFamily="34" charset="0"/>
+              <a:rPr lang="en-US" sz="2500" dirty="0" smtClean="0"/>
+              <a:t>Each yield returns a value and pauses</a:t>
+            </a:r>
+          </a:p>
+          <a:p>
+            <a:pPr marL="1485900" lvl="2" indent="-571500">
+              <a:buFont typeface="Arial" charset="0"/>
               <a:buChar char="•"/>
             </a:pPr>
             <a:r>
-              <a:rPr lang="en-AU" sz="2500" dirty="0" smtClean="0"/>
-              <a:t>Generators do not exit when they return a </a:t>
-            </a:r>
-          </a:p>
-          <a:p>
-            <a:pPr lvl="2"/>
-            <a:r>
-              <a:rPr lang="en-AU" sz="2500" dirty="0" smtClean="0"/>
-              <a:t>	value, they simply pause</a:t>
-            </a:r>
-          </a:p>
-          <a:p>
-            <a:pPr marL="1657350" lvl="2" indent="-742950">
-              <a:buFont typeface="Arial" panose="020B0604020202020204" pitchFamily="34" charset="0"/>
+              <a:rPr lang="en-US" sz="2500" dirty="0" smtClean="0"/>
+              <a:t>Be careful with </a:t>
+            </a:r>
+            <a:r>
+              <a:rPr lang="en-US" sz="2500" i="1" dirty="0" smtClean="0"/>
+              <a:t>__next__()</a:t>
+            </a:r>
+          </a:p>
+          <a:p>
+            <a:pPr marL="1485900" lvl="2" indent="-571500">
+              <a:buFont typeface="Arial" charset="0"/>
               <a:buChar char="•"/>
             </a:pPr>
             <a:r>
-              <a:rPr lang="en-AU" sz="2500" dirty="0" smtClean="0"/>
-              <a:t>The next time they are called, they pick up </a:t>
-            </a:r>
-          </a:p>
-          <a:p>
-            <a:pPr lvl="2"/>
-            <a:r>
-              <a:rPr lang="en-AU" sz="2500" dirty="0" smtClean="0"/>
-              <a:t>	where they left off</a:t>
-            </a:r>
-          </a:p>
-          <a:p>
-            <a:pPr marL="1657350" lvl="2" indent="-742950">
-              <a:buFont typeface="Arial" panose="020B0604020202020204" pitchFamily="34" charset="0"/>
+              <a:rPr lang="en-US" sz="2500" dirty="0" smtClean="0"/>
+              <a:t>The yield command defines the next function</a:t>
+            </a:r>
+          </a:p>
+          <a:p>
+            <a:pPr marL="1485900" lvl="2" indent="-571500">
+              <a:buFont typeface="Arial" charset="0"/>
               <a:buChar char="•"/>
             </a:pPr>
             <a:r>
-              <a:rPr lang="en-AU" sz="2500" dirty="0" smtClean="0"/>
-              <a:t>They use yield rather than return</a:t>
-            </a:r>
-            <a:endParaRPr lang="en-US" sz="2500" dirty="0" smtClean="0"/>
-          </a:p>
-        </p:txBody>
-      </p:sp>
+              <a:rPr lang="en-US" sz="2500" i="1" dirty="0" smtClean="0"/>
+              <a:t>StopIteration</a:t>
+            </a:r>
+            <a:r>
+              <a:rPr lang="en-US" sz="2500" dirty="0" smtClean="0"/>
+              <a:t> is treated as an exception</a:t>
+            </a:r>
+            <a:endParaRPr lang="en-US" sz="2500" i="1" dirty="0" smtClean="0"/>
+          </a:p>
+        </p:txBody>
+      </p:sp>
+      <p:pic>
+        <p:nvPicPr>
+          <p:cNvPr id="2" name="Picture 1"/>
+          <p:cNvPicPr>
+            <a:picLocks noChangeAspect="1"/>
+          </p:cNvPicPr>
+          <p:nvPr/>
+        </p:nvPicPr>
+        <p:blipFill>
+          <a:blip r:embed="rId3">
+            <a:extLst>
+              <a:ext uri="{28A0092B-C50C-407E-A947-70E740481C1C}">
+                <a14:useLocalDpi xmlns:a14="http://schemas.microsoft.com/office/drawing/2010/main" val="0"/>
+              </a:ext>
+            </a:extLst>
+          </a:blip>
+          <a:stretch>
+            <a:fillRect/>
+          </a:stretch>
+        </p:blipFill>
+        <p:spPr>
+          <a:xfrm>
+            <a:off x="7620000" y="759460"/>
+            <a:ext cx="4216400" cy="2527300"/>
+          </a:xfrm>
+          <a:prstGeom prst="rect">
+            <a:avLst/>
+          </a:prstGeom>
+        </p:spPr>
+      </p:pic>
+      <p:pic>
+        <p:nvPicPr>
+          <p:cNvPr id="3" name="Picture 2"/>
+          <p:cNvPicPr>
+            <a:picLocks noChangeAspect="1"/>
+          </p:cNvPicPr>
+          <p:nvPr/>
+        </p:nvPicPr>
+        <p:blipFill>
+          <a:blip r:embed="rId4">
+            <a:extLst>
+              <a:ext uri="{28A0092B-C50C-407E-A947-70E740481C1C}">
+                <a14:useLocalDpi xmlns:a14="http://schemas.microsoft.com/office/drawing/2010/main" val="0"/>
+              </a:ext>
+            </a:extLst>
+          </a:blip>
+          <a:stretch>
+            <a:fillRect/>
+          </a:stretch>
+        </p:blipFill>
+        <p:spPr>
+          <a:xfrm>
+            <a:off x="7620000" y="3573413"/>
+            <a:ext cx="4267200" cy="2578100"/>
+          </a:xfrm>
+          <a:prstGeom prst="rect">
+            <a:avLst/>
+          </a:prstGeom>
+        </p:spPr>
+      </p:pic>
     </p:spTree>
     <p:extLst>
       <p:ext uri="{BB962C8B-B14F-4D97-AF65-F5344CB8AC3E}">
-        <p14:creationId xmlns:p14="http://schemas.microsoft.com/office/powerpoint/2010/main" val="1994009472"/>
+        <p14:creationId xmlns:p14="http://schemas.microsoft.com/office/powerpoint/2010/main" val="844449847"/>
       </p:ext>
     </p:extLst>
   </p:cSld>
@@ -5194,14 +7943,37 @@
       </p:grpSpPr>
       <p:sp>
         <p:nvSpPr>
-          <p:cNvPr id="5" name="Rectangle 4"/>
+          <p:cNvPr id="9" name="Slide Number Placeholder 8"/>
+          <p:cNvSpPr>
+            <a:spLocks noGrp="1"/>
+          </p:cNvSpPr>
+          <p:nvPr>
+            <p:ph type="sldNum" sz="quarter" idx="12"/>
+          </p:nvPr>
+        </p:nvSpPr>
+        <p:spPr/>
+        <p:txBody>
+          <a:bodyPr/>
+          <a:lstStyle/>
+          <a:p>
+            <a:fld id="{B822FDE6-25CA-0444-94EE-C6FC8C5EFEB8}" type="slidenum">
+              <a:rPr lang="en-US" smtClean="0"/>
+              <a:t>21</a:t>
+            </a:fld>
+            <a:endParaRPr lang="en-US"/>
+          </a:p>
+        </p:txBody>
+      </p:sp>
+      <p:sp>
+        <p:nvSpPr>
+          <p:cNvPr id="4" name="Rectangle 3"/>
           <p:cNvSpPr/>
           <p:nvPr/>
         </p:nvSpPr>
         <p:spPr>
           <a:xfrm>
-            <a:off x="6096" y="6096"/>
-            <a:ext cx="9144000" cy="3531736"/>
+            <a:off x="0" y="1299607"/>
+            <a:ext cx="12192000" cy="2031325"/>
           </a:xfrm>
           <a:prstGeom prst="rect">
             <a:avLst/>
@@ -5209,84 +7981,55 @@
           <a:noFill/>
         </p:spPr>
         <p:txBody>
-          <a:bodyPr wrap="square" lIns="68580" tIns="34290" rIns="68580" bIns="34290">
+          <a:bodyPr wrap="square" lIns="91440" tIns="45720" rIns="91440" bIns="45720">
             <a:spAutoFit/>
           </a:bodyPr>
           <a:lstStyle/>
           <a:p>
-            <a:pPr algn="ctr"/>
-            <a:endParaRPr lang="en-US" sz="4000" b="1" dirty="0" smtClean="0"/>
-          </a:p>
-          <a:p>
-            <a:pPr lvl="1"/>
-            <a:r>
-              <a:rPr lang="en-US" sz="3500" b="1" dirty="0" smtClean="0"/>
+            <a:r>
+              <a:rPr lang="en-US" sz="3800" dirty="0" smtClean="0"/>
+              <a:t>	</a:t>
+            </a:r>
+            <a:r>
+              <a:rPr lang="en-US" sz="3800" b="1" dirty="0" smtClean="0"/>
               <a:t>Generators</a:t>
             </a:r>
           </a:p>
           <a:p>
-            <a:pPr lvl="1"/>
-            <a:endParaRPr lang="en-US" sz="2500" dirty="0" smtClean="0"/>
-          </a:p>
-          <a:p>
-            <a:pPr marL="1657350" lvl="2" indent="-742950">
-              <a:buFont typeface="Arial" panose="020B0604020202020204" pitchFamily="34" charset="0"/>
+            <a:endParaRPr lang="en-US" sz="3800" b="1" dirty="0"/>
+          </a:p>
+          <a:p>
+            <a:pPr marL="1485900" lvl="2" indent="-571500">
+              <a:buFont typeface="Arial" charset="0"/>
               <a:buChar char="•"/>
             </a:pPr>
             <a:r>
-              <a:rPr lang="en-AU" sz="2500" dirty="0" smtClean="0"/>
-              <a:t>Each yield returns a value and pauses</a:t>
-            </a:r>
-          </a:p>
-          <a:p>
-            <a:pPr marL="1657350" lvl="2" indent="-742950">
-              <a:buFont typeface="Arial" panose="020B0604020202020204" pitchFamily="34" charset="0"/>
+              <a:rPr lang="en-US" sz="2500" dirty="0" smtClean="0"/>
+              <a:t>Yield inside a for loop</a:t>
+            </a:r>
+          </a:p>
+          <a:p>
+            <a:pPr marL="1485900" lvl="2" indent="-571500">
+              <a:buFont typeface="Arial" charset="0"/>
               <a:buChar char="•"/>
             </a:pPr>
             <a:r>
-              <a:rPr lang="en-AU" sz="2500" dirty="0" smtClean="0"/>
-              <a:t>Be careful with __next__()</a:t>
-            </a:r>
-          </a:p>
-          <a:p>
-            <a:pPr marL="1657350" lvl="2" indent="-742950">
-              <a:buFont typeface="Arial" panose="020B0604020202020204" pitchFamily="34" charset="0"/>
-              <a:buChar char="•"/>
-            </a:pPr>
-            <a:r>
-              <a:rPr lang="en-AU" sz="2500" dirty="0" smtClean="0"/>
-              <a:t>The yield command defined the next function</a:t>
-            </a:r>
-          </a:p>
-          <a:p>
-            <a:pPr marL="1657350" lvl="2" indent="-742950">
-              <a:buFont typeface="Arial" panose="020B0604020202020204" pitchFamily="34" charset="0"/>
-              <a:buChar char="•"/>
-            </a:pPr>
-            <a:r>
-              <a:rPr lang="en-AU" sz="2500" dirty="0" smtClean="0"/>
-              <a:t>StopIteration is treated as an exception</a:t>
-            </a:r>
-          </a:p>
-          <a:p>
-            <a:pPr marL="1657350" lvl="2" indent="-742950">
-              <a:buFont typeface="Arial" panose="020B0604020202020204" pitchFamily="34" charset="0"/>
-              <a:buChar char="•"/>
-            </a:pPr>
-            <a:endParaRPr lang="en-US" sz="2500" dirty="0" smtClean="0"/>
+              <a:rPr lang="en-US" sz="2500" dirty="0" smtClean="0"/>
+              <a:t>Using generator object in a list comprehension</a:t>
+            </a:r>
           </a:p>
         </p:txBody>
       </p:sp>
       <p:pic>
         <p:nvPicPr>
-          <p:cNvPr id="2" name="Picture 1"/>
+          <p:cNvPr id="5" name="Picture 4"/>
           <p:cNvPicPr>
             <a:picLocks noChangeAspect="1"/>
           </p:cNvPicPr>
           <p:nvPr/>
         </p:nvPicPr>
         <p:blipFill>
-          <a:blip r:embed="rId2">
+          <a:blip r:embed="rId3">
             <a:extLst>
               <a:ext uri="{28A0092B-C50C-407E-A947-70E740481C1C}">
                 <a14:useLocalDpi xmlns:a14="http://schemas.microsoft.com/office/drawing/2010/main" val="0"/>
@@ -5299,8 +8042,8 @@
         </p:blipFill>
         <p:spPr>
           <a:xfrm>
-            <a:off x="2415370" y="3556493"/>
-            <a:ext cx="4313259" cy="2527300"/>
+            <a:off x="2895600" y="3846691"/>
+            <a:ext cx="6400800" cy="1993900"/>
           </a:xfrm>
           <a:prstGeom prst="rect">
             <a:avLst/>
@@ -5310,7 +8053,7 @@
     </p:spTree>
     <p:extLst>
       <p:ext uri="{BB962C8B-B14F-4D97-AF65-F5344CB8AC3E}">
-        <p14:creationId xmlns:p14="http://schemas.microsoft.com/office/powerpoint/2010/main" val="1584668752"/>
+        <p14:creationId xmlns:p14="http://schemas.microsoft.com/office/powerpoint/2010/main" val="671135329"/>
       </p:ext>
     </p:extLst>
   </p:cSld>
@@ -5357,14 +8100,37 @@
       </p:grpSpPr>
       <p:sp>
         <p:nvSpPr>
-          <p:cNvPr id="5" name="Rectangle 4"/>
+          <p:cNvPr id="9" name="Slide Number Placeholder 8"/>
+          <p:cNvSpPr>
+            <a:spLocks noGrp="1"/>
+          </p:cNvSpPr>
+          <p:nvPr>
+            <p:ph type="sldNum" sz="quarter" idx="12"/>
+          </p:nvPr>
+        </p:nvSpPr>
+        <p:spPr/>
+        <p:txBody>
+          <a:bodyPr/>
+          <a:lstStyle/>
+          <a:p>
+            <a:fld id="{B822FDE6-25CA-0444-94EE-C6FC8C5EFEB8}" type="slidenum">
+              <a:rPr lang="en-US" smtClean="0"/>
+              <a:t>22</a:t>
+            </a:fld>
+            <a:endParaRPr lang="en-US"/>
+          </a:p>
+        </p:txBody>
+      </p:sp>
+      <p:sp>
+        <p:nvSpPr>
+          <p:cNvPr id="4" name="Rectangle 3"/>
           <p:cNvSpPr/>
           <p:nvPr/>
         </p:nvSpPr>
         <p:spPr>
           <a:xfrm>
-            <a:off x="6096" y="6096"/>
-            <a:ext cx="9144000" cy="1223412"/>
+            <a:off x="0" y="1299607"/>
+            <a:ext cx="12192000" cy="2800767"/>
           </a:xfrm>
           <a:prstGeom prst="rect">
             <a:avLst/>
@@ -5372,27 +8138,69 @@
           <a:noFill/>
         </p:spPr>
         <p:txBody>
-          <a:bodyPr wrap="square" lIns="68580" tIns="34290" rIns="68580" bIns="34290">
+          <a:bodyPr wrap="square" lIns="91440" tIns="45720" rIns="91440" bIns="45720">
             <a:spAutoFit/>
           </a:bodyPr>
           <a:lstStyle/>
           <a:p>
-            <a:pPr algn="ctr"/>
-            <a:endParaRPr lang="en-US" sz="4000" b="1" dirty="0" smtClean="0"/>
-          </a:p>
-          <a:p>
-            <a:pPr lvl="1"/>
-            <a:r>
-              <a:rPr lang="en-US" sz="3500" b="1" dirty="0" smtClean="0"/>
-              <a:t>Example </a:t>
-            </a:r>
-            <a:r>
-              <a:rPr lang="mr-IN" sz="3500" b="1" dirty="0" smtClean="0"/>
+            <a:r>
+              <a:rPr lang="en-US" sz="3800" dirty="0" smtClean="0"/>
+              <a:t>	</a:t>
+            </a:r>
+            <a:r>
+              <a:rPr lang="en-US" sz="3800" b="1" dirty="0" smtClean="0"/>
+              <a:t>Generators expressions</a:t>
+            </a:r>
+          </a:p>
+          <a:p>
+            <a:endParaRPr lang="en-US" sz="3800" b="1" dirty="0"/>
+          </a:p>
+          <a:p>
+            <a:pPr marL="1485900" lvl="2" indent="-571500">
+              <a:buFont typeface="Arial" charset="0"/>
+              <a:buChar char="•"/>
+            </a:pPr>
+            <a:r>
+              <a:rPr lang="en-US" sz="2500" dirty="0" smtClean="0"/>
+              <a:t>If you change your list comprehension from [] to () </a:t>
+            </a:r>
+            <a:r>
+              <a:rPr lang="mr-IN" sz="2500" dirty="0" smtClean="0"/>
               <a:t>–</a:t>
             </a:r>
             <a:r>
-              <a:rPr lang="en-US" sz="3500" b="1" dirty="0" smtClean="0"/>
-              <a:t> generators </a:t>
+              <a:rPr lang="en-US" sz="2500" dirty="0" smtClean="0"/>
+              <a:t> generator expression</a:t>
+            </a:r>
+          </a:p>
+          <a:p>
+            <a:pPr marL="1485900" lvl="2" indent="-571500">
+              <a:buFont typeface="Arial" charset="0"/>
+              <a:buChar char="•"/>
+            </a:pPr>
+            <a:r>
+              <a:rPr lang="en-US" sz="2500" dirty="0" smtClean="0"/>
+              <a:t>Doesn’t know its length</a:t>
+            </a:r>
+          </a:p>
+          <a:p>
+            <a:pPr marL="1485900" lvl="2" indent="-571500">
+              <a:buFont typeface="Arial" charset="0"/>
+              <a:buChar char="•"/>
+            </a:pPr>
+            <a:r>
+              <a:rPr lang="en-US" sz="2500" dirty="0" smtClean="0"/>
+              <a:t>Can’t index</a:t>
+            </a:r>
+          </a:p>
+          <a:p>
+            <a:pPr marL="1485900" lvl="2" indent="-571500">
+              <a:buFont typeface="Arial" charset="0"/>
+              <a:buChar char="•"/>
+            </a:pPr>
+            <a:r>
+              <a:rPr lang="en-US" sz="2500" dirty="0" smtClean="0"/>
+              <a:t>Single use iterable</a:t>
             </a:r>
           </a:p>
         </p:txBody>
@@ -5406,7 +8214,7 @@
           <p:nvPr/>
         </p:nvPicPr>
         <p:blipFill>
-          <a:blip r:embed="rId2">
+          <a:blip r:embed="rId3">
             <a:extLst>
               <a:ext uri="{28A0092B-C50C-407E-A947-70E740481C1C}">
                 <a14:useLocalDpi xmlns:a14="http://schemas.microsoft.com/office/drawing/2010/main" val="0"/>
@@ -5419,8 +8227,8 @@
         </p:blipFill>
         <p:spPr>
           <a:xfrm>
-            <a:off x="1231900" y="1905000"/>
-            <a:ext cx="6680200" cy="3968641"/>
+            <a:off x="2387600" y="4210501"/>
+            <a:ext cx="7594600" cy="1651000"/>
           </a:xfrm>
           <a:prstGeom prst="rect">
             <a:avLst/>
@@ -5430,7 +8238,7 @@
     </p:spTree>
     <p:extLst>
       <p:ext uri="{BB962C8B-B14F-4D97-AF65-F5344CB8AC3E}">
-        <p14:creationId xmlns:p14="http://schemas.microsoft.com/office/powerpoint/2010/main" val="2114686475"/>
+        <p14:creationId xmlns:p14="http://schemas.microsoft.com/office/powerpoint/2010/main" val="1391731560"/>
       </p:ext>
     </p:extLst>
   </p:cSld>
@@ -5477,14 +8285,37 @@
       </p:grpSpPr>
       <p:sp>
         <p:nvSpPr>
-          <p:cNvPr id="5" name="Rectangle 4"/>
+          <p:cNvPr id="9" name="Slide Number Placeholder 8"/>
+          <p:cNvSpPr>
+            <a:spLocks noGrp="1"/>
+          </p:cNvSpPr>
+          <p:nvPr>
+            <p:ph type="sldNum" sz="quarter" idx="12"/>
+          </p:nvPr>
+        </p:nvSpPr>
+        <p:spPr/>
+        <p:txBody>
+          <a:bodyPr/>
+          <a:lstStyle/>
+          <a:p>
+            <a:fld id="{B822FDE6-25CA-0444-94EE-C6FC8C5EFEB8}" type="slidenum">
+              <a:rPr lang="en-US" smtClean="0"/>
+              <a:t>23</a:t>
+            </a:fld>
+            <a:endParaRPr lang="en-US"/>
+          </a:p>
+        </p:txBody>
+      </p:sp>
+      <p:sp>
+        <p:nvSpPr>
+          <p:cNvPr id="4" name="Rectangle 3"/>
           <p:cNvSpPr/>
           <p:nvPr/>
         </p:nvSpPr>
         <p:spPr>
           <a:xfrm>
-            <a:off x="6096" y="6096"/>
-            <a:ext cx="9144000" cy="2377574"/>
+            <a:off x="0" y="1299607"/>
+            <a:ext cx="12192000" cy="1646605"/>
           </a:xfrm>
           <a:prstGeom prst="rect">
             <a:avLst/>
@@ -5492,58 +8323,45 @@
           <a:noFill/>
         </p:spPr>
         <p:txBody>
-          <a:bodyPr wrap="square" lIns="68580" tIns="34290" rIns="68580" bIns="34290">
+          <a:bodyPr wrap="square" lIns="91440" tIns="45720" rIns="91440" bIns="45720">
             <a:spAutoFit/>
           </a:bodyPr>
           <a:lstStyle/>
           <a:p>
-            <a:pPr algn="ctr"/>
-            <a:endParaRPr lang="en-US" sz="4000" b="1" dirty="0" smtClean="0"/>
-          </a:p>
-          <a:p>
-            <a:pPr lvl="1"/>
-            <a:r>
-              <a:rPr lang="en-US" sz="3500" b="1" dirty="0" smtClean="0"/>
-              <a:t>Generators</a:t>
-            </a:r>
-          </a:p>
-          <a:p>
-            <a:pPr lvl="1"/>
-            <a:endParaRPr lang="en-US" sz="2500" dirty="0" smtClean="0"/>
-          </a:p>
-          <a:p>
-            <a:pPr marL="1657350" lvl="2" indent="-742950">
-              <a:buFont typeface="Arial" panose="020B0604020202020204" pitchFamily="34" charset="0"/>
+            <a:r>
+              <a:rPr lang="en-US" sz="3800" dirty="0" smtClean="0"/>
+              <a:t>	</a:t>
+            </a:r>
+            <a:r>
+              <a:rPr lang="en-US" sz="3800" b="1" dirty="0" smtClean="0"/>
+              <a:t>Infinite generators</a:t>
+            </a:r>
+          </a:p>
+          <a:p>
+            <a:endParaRPr lang="en-US" sz="3800" b="1" dirty="0"/>
+          </a:p>
+          <a:p>
+            <a:pPr marL="1485900" lvl="2" indent="-571500">
+              <a:buFont typeface="Arial" charset="0"/>
               <a:buChar char="•"/>
             </a:pPr>
             <a:r>
-              <a:rPr lang="en-AU" sz="2500" dirty="0" smtClean="0"/>
-              <a:t>Yield inside a for loop</a:t>
-            </a:r>
-          </a:p>
-          <a:p>
-            <a:pPr marL="1657350" lvl="2" indent="-742950">
-              <a:buFont typeface="Arial" panose="020B0604020202020204" pitchFamily="34" charset="0"/>
-              <a:buChar char="•"/>
-            </a:pPr>
-            <a:r>
-              <a:rPr lang="en-AU" sz="2500" dirty="0" smtClean="0"/>
-              <a:t>Using generator object in a list comprehension</a:t>
-            </a:r>
-            <a:endParaRPr lang="en-US" sz="2500" dirty="0" smtClean="0"/>
+              <a:rPr lang="en-US" sz="2500" dirty="0" smtClean="0"/>
+              <a:t>Like infinite iterators, there are infinite generators</a:t>
+            </a:r>
           </a:p>
         </p:txBody>
       </p:sp>
       <p:pic>
         <p:nvPicPr>
-          <p:cNvPr id="3" name="Picture 2"/>
+          <p:cNvPr id="2" name="Picture 1"/>
           <p:cNvPicPr>
             <a:picLocks noChangeAspect="1"/>
           </p:cNvPicPr>
           <p:nvPr/>
         </p:nvPicPr>
         <p:blipFill>
-          <a:blip r:embed="rId2">
+          <a:blip r:embed="rId3">
             <a:extLst>
               <a:ext uri="{28A0092B-C50C-407E-A947-70E740481C1C}">
                 <a14:useLocalDpi xmlns:a14="http://schemas.microsoft.com/office/drawing/2010/main" val="0"/>
@@ -5556,8 +8374,8 @@
         </p:blipFill>
         <p:spPr>
           <a:xfrm>
-            <a:off x="987425" y="2895600"/>
-            <a:ext cx="7169150" cy="2074674"/>
+            <a:off x="4273550" y="3429000"/>
+            <a:ext cx="3644900" cy="2273300"/>
           </a:xfrm>
           <a:prstGeom prst="rect">
             <a:avLst/>
@@ -5567,7 +8385,7 @@
     </p:spTree>
     <p:extLst>
       <p:ext uri="{BB962C8B-B14F-4D97-AF65-F5344CB8AC3E}">
-        <p14:creationId xmlns:p14="http://schemas.microsoft.com/office/powerpoint/2010/main" val="595769481"/>
+        <p14:creationId xmlns:p14="http://schemas.microsoft.com/office/powerpoint/2010/main" val="1708362387"/>
       </p:ext>
     </p:extLst>
   </p:cSld>
@@ -5614,14 +8432,37 @@
       </p:grpSpPr>
       <p:sp>
         <p:nvSpPr>
-          <p:cNvPr id="5" name="Rectangle 4"/>
+          <p:cNvPr id="9" name="Slide Number Placeholder 8"/>
+          <p:cNvSpPr>
+            <a:spLocks noGrp="1"/>
+          </p:cNvSpPr>
+          <p:nvPr>
+            <p:ph type="sldNum" sz="quarter" idx="12"/>
+          </p:nvPr>
+        </p:nvSpPr>
+        <p:spPr/>
+        <p:txBody>
+          <a:bodyPr/>
+          <a:lstStyle/>
+          <a:p>
+            <a:fld id="{B822FDE6-25CA-0444-94EE-C6FC8C5EFEB8}" type="slidenum">
+              <a:rPr lang="en-US" smtClean="0"/>
+              <a:t>24</a:t>
+            </a:fld>
+            <a:endParaRPr lang="en-US" dirty="0"/>
+          </a:p>
+        </p:txBody>
+      </p:sp>
+      <p:sp>
+        <p:nvSpPr>
+          <p:cNvPr id="4" name="Rectangle 3"/>
           <p:cNvSpPr/>
           <p:nvPr/>
         </p:nvSpPr>
         <p:spPr>
           <a:xfrm>
-            <a:off x="6096" y="6096"/>
-            <a:ext cx="9144000" cy="3300904"/>
+            <a:off x="0" y="1299607"/>
+            <a:ext cx="12192000" cy="3570208"/>
           </a:xfrm>
           <a:prstGeom prst="rect">
             <a:avLst/>
@@ -5629,112 +8470,109 @@
           <a:noFill/>
         </p:spPr>
         <p:txBody>
-          <a:bodyPr wrap="square" lIns="68580" tIns="34290" rIns="68580" bIns="34290">
+          <a:bodyPr wrap="square" lIns="91440" tIns="45720" rIns="91440" bIns="45720">
             <a:spAutoFit/>
           </a:bodyPr>
           <a:lstStyle/>
           <a:p>
-            <a:pPr algn="ctr"/>
-            <a:endParaRPr lang="en-US" sz="4000" b="1" dirty="0" smtClean="0"/>
-          </a:p>
-          <a:p>
-            <a:pPr lvl="1"/>
-            <a:r>
-              <a:rPr lang="en-US" sz="3500" b="1" dirty="0" smtClean="0"/>
-              <a:t>Generator expressions</a:t>
-            </a:r>
-          </a:p>
-          <a:p>
-            <a:pPr lvl="1"/>
-            <a:endParaRPr lang="en-US" sz="2500" dirty="0" smtClean="0"/>
-          </a:p>
-          <a:p>
-            <a:pPr marL="1657350" lvl="2" indent="-742950">
-              <a:buFont typeface="Arial" panose="020B0604020202020204" pitchFamily="34" charset="0"/>
+            <a:r>
+              <a:rPr lang="en-US" sz="3800" dirty="0" smtClean="0"/>
+              <a:t>	</a:t>
+            </a:r>
+            <a:r>
+              <a:rPr lang="en-US" sz="3800" b="1" dirty="0" smtClean="0"/>
+              <a:t>Decorators</a:t>
+            </a:r>
+          </a:p>
+          <a:p>
+            <a:endParaRPr lang="en-US" sz="3800" b="1" dirty="0"/>
+          </a:p>
+          <a:p>
+            <a:pPr marL="1485900" lvl="2" indent="-571500">
+              <a:buFont typeface="Arial" charset="0"/>
               <a:buChar char="•"/>
             </a:pPr>
             <a:r>
               <a:rPr lang="en-AU" sz="2500" dirty="0" smtClean="0"/>
-              <a:t>If you change your list comprehension from </a:t>
-            </a:r>
-          </a:p>
-          <a:p>
-            <a:pPr lvl="2"/>
-            <a:r>
-              <a:rPr lang="en-AU" sz="2500" dirty="0"/>
-              <a:t>	</a:t>
+              <a:t>Brief </a:t>
+            </a:r>
+            <a:r>
+              <a:rPr lang="mr-IN" sz="2500" dirty="0" smtClean="0"/>
+              <a:t>–</a:t>
             </a:r>
             <a:r>
               <a:rPr lang="en-AU" sz="2500" dirty="0" smtClean="0"/>
-              <a:t>[] to () - generator expression:</a:t>
-            </a:r>
-          </a:p>
-          <a:p>
-            <a:pPr marL="2114550" lvl="3" indent="-742950">
-              <a:buFont typeface="Arial" panose="020B0604020202020204" pitchFamily="34" charset="0"/>
+              <a:t> you will look more into this in the later programming papers</a:t>
+            </a:r>
+          </a:p>
+          <a:p>
+            <a:pPr marL="1485900" lvl="2" indent="-571500">
+              <a:buFont typeface="Arial" charset="0"/>
               <a:buChar char="•"/>
             </a:pPr>
             <a:r>
-              <a:rPr lang="en-AU" sz="2000" dirty="0" smtClean="0"/>
-              <a:t>Doesn't know it’s length</a:t>
-            </a:r>
-          </a:p>
-          <a:p>
-            <a:pPr marL="2114550" lvl="3" indent="-742950">
-              <a:buFont typeface="Arial" panose="020B0604020202020204" pitchFamily="34" charset="0"/>
+              <a:rPr lang="en-AU" sz="2500" dirty="0"/>
+              <a:t>C</a:t>
+            </a:r>
+            <a:r>
+              <a:rPr lang="en-AU" sz="2500" dirty="0" smtClean="0"/>
+              <a:t>allable </a:t>
+            </a:r>
+            <a:r>
+              <a:rPr lang="en-AU" sz="2500" dirty="0"/>
+              <a:t>objects which are used to modify functions or </a:t>
+            </a:r>
+            <a:r>
+              <a:rPr lang="en-AU" sz="2500" dirty="0" smtClean="0"/>
+              <a:t>classes</a:t>
+            </a:r>
+          </a:p>
+          <a:p>
+            <a:pPr marL="1485900" lvl="2" indent="-571500">
+              <a:buFont typeface="Arial" charset="0"/>
               <a:buChar char="•"/>
             </a:pPr>
             <a:r>
-              <a:rPr lang="en-AU" sz="2000" dirty="0" smtClean="0"/>
-              <a:t>Can’t index</a:t>
-            </a:r>
-          </a:p>
-          <a:p>
-            <a:pPr marL="2114550" lvl="3" indent="-742950">
-              <a:buFont typeface="Arial" panose="020B0604020202020204" pitchFamily="34" charset="0"/>
+              <a:rPr lang="en-AU" sz="2500" dirty="0" smtClean="0"/>
+              <a:t>Function decorators:</a:t>
+            </a:r>
+          </a:p>
+          <a:p>
+            <a:pPr marL="1943100" lvl="3" indent="-571500">
+              <a:buFont typeface="Arial" charset="0"/>
               <a:buChar char="•"/>
             </a:pPr>
             <a:r>
-              <a:rPr lang="en-AU" sz="2000" dirty="0" smtClean="0"/>
-              <a:t>Single use iterable</a:t>
-            </a:r>
-          </a:p>
-        </p:txBody>
-      </p:sp>
-      <p:pic>
-        <p:nvPicPr>
-          <p:cNvPr id="4" name="Picture 3"/>
-          <p:cNvPicPr>
-            <a:picLocks noChangeAspect="1"/>
-          </p:cNvPicPr>
-          <p:nvPr/>
-        </p:nvPicPr>
-        <p:blipFill>
-          <a:blip r:embed="rId2">
-            <a:extLst>
-              <a:ext uri="{28A0092B-C50C-407E-A947-70E740481C1C}">
-                <a14:useLocalDpi xmlns:a14="http://schemas.microsoft.com/office/drawing/2010/main" val="0"/>
-              </a:ext>
-            </a:extLst>
-          </a:blip>
-          <a:stretch>
-            <a:fillRect/>
-          </a:stretch>
-        </p:blipFill>
-        <p:spPr>
-          <a:xfrm>
-            <a:off x="1143000" y="3962400"/>
-            <a:ext cx="6858000" cy="1890786"/>
-          </a:xfrm>
-          <a:prstGeom prst="rect">
-            <a:avLst/>
-          </a:prstGeom>
-        </p:spPr>
-      </p:pic>
+              <a:rPr lang="en-AU" sz="2500" dirty="0" smtClean="0"/>
+              <a:t>Accepts a function as an argument</a:t>
+            </a:r>
+          </a:p>
+          <a:p>
+            <a:pPr marL="1943100" lvl="3" indent="-571500">
+              <a:buFont typeface="Arial" charset="0"/>
+              <a:buChar char="•"/>
+            </a:pPr>
+            <a:r>
+              <a:rPr lang="en-AU" sz="2500" dirty="0" smtClean="0"/>
+              <a:t>Adds a wrapper around the function</a:t>
+            </a:r>
+          </a:p>
+          <a:p>
+            <a:pPr marL="1943100" lvl="3" indent="-571500">
+              <a:buFont typeface="Arial" charset="0"/>
+              <a:buChar char="•"/>
+            </a:pPr>
+            <a:r>
+              <a:rPr lang="en-AU" sz="2500" dirty="0" smtClean="0"/>
+              <a:t>Returns the wrapped function as new function</a:t>
+            </a:r>
+          </a:p>
+        </p:txBody>
+      </p:sp>
     </p:spTree>
     <p:extLst>
       <p:ext uri="{BB962C8B-B14F-4D97-AF65-F5344CB8AC3E}">
-        <p14:creationId xmlns:p14="http://schemas.microsoft.com/office/powerpoint/2010/main" val="1685881744"/>
+        <p14:creationId xmlns:p14="http://schemas.microsoft.com/office/powerpoint/2010/main" val="595610395"/>
       </p:ext>
     </p:extLst>
   </p:cSld>
@@ -5781,14 +8619,37 @@
       </p:grpSpPr>
       <p:sp>
         <p:nvSpPr>
-          <p:cNvPr id="5" name="Rectangle 4"/>
+          <p:cNvPr id="9" name="Slide Number Placeholder 8"/>
+          <p:cNvSpPr>
+            <a:spLocks noGrp="1"/>
+          </p:cNvSpPr>
+          <p:nvPr>
+            <p:ph type="sldNum" sz="quarter" idx="12"/>
+          </p:nvPr>
+        </p:nvSpPr>
+        <p:spPr/>
+        <p:txBody>
+          <a:bodyPr/>
+          <a:lstStyle/>
+          <a:p>
+            <a:fld id="{B822FDE6-25CA-0444-94EE-C6FC8C5EFEB8}" type="slidenum">
+              <a:rPr lang="en-US" smtClean="0"/>
+              <a:t>25</a:t>
+            </a:fld>
+            <a:endParaRPr lang="en-US" dirty="0"/>
+          </a:p>
+        </p:txBody>
+      </p:sp>
+      <p:sp>
+        <p:nvSpPr>
+          <p:cNvPr id="4" name="Rectangle 3"/>
           <p:cNvSpPr/>
           <p:nvPr/>
         </p:nvSpPr>
         <p:spPr>
           <a:xfrm>
-            <a:off x="6096" y="6096"/>
-            <a:ext cx="9144000" cy="1992853"/>
+            <a:off x="0" y="1299607"/>
+            <a:ext cx="12192000" cy="677108"/>
           </a:xfrm>
           <a:prstGeom prst="rect">
             <a:avLst/>
@@ -5796,39 +8657,19 @@
           <a:noFill/>
         </p:spPr>
         <p:txBody>
-          <a:bodyPr wrap="square" lIns="68580" tIns="34290" rIns="68580" bIns="34290">
+          <a:bodyPr wrap="square" lIns="91440" tIns="45720" rIns="91440" bIns="45720">
             <a:spAutoFit/>
           </a:bodyPr>
           <a:lstStyle/>
           <a:p>
-            <a:pPr algn="ctr"/>
-            <a:endParaRPr lang="en-US" sz="4000" b="1" dirty="0" smtClean="0"/>
-          </a:p>
-          <a:p>
-            <a:pPr lvl="1"/>
-            <a:r>
-              <a:rPr lang="en-US" sz="3500" b="1" dirty="0" smtClean="0"/>
-              <a:t>Infinite generators</a:t>
-            </a:r>
-          </a:p>
-          <a:p>
-            <a:pPr lvl="1"/>
-            <a:endParaRPr lang="en-US" sz="2500" dirty="0" smtClean="0"/>
-          </a:p>
-          <a:p>
-            <a:pPr marL="1657350" lvl="2" indent="-742950">
-              <a:buFont typeface="Arial" panose="020B0604020202020204" pitchFamily="34" charset="0"/>
-              <a:buChar char="•"/>
-            </a:pPr>
-            <a:r>
-              <a:rPr lang="en-AU" sz="2500" dirty="0" smtClean="0"/>
-              <a:t>Like infinite iterators, there are </a:t>
-            </a:r>
-            <a:r>
-              <a:rPr lang="en-AU" sz="2500" smtClean="0"/>
-              <a:t>infinite generators</a:t>
-            </a:r>
-            <a:endParaRPr lang="en-AU" sz="2500" dirty="0" smtClean="0"/>
+            <a:r>
+              <a:rPr lang="en-US" sz="3800" dirty="0" smtClean="0"/>
+              <a:t>	</a:t>
+            </a:r>
+            <a:r>
+              <a:rPr lang="en-US" sz="3800" b="1" dirty="0" smtClean="0"/>
+              <a:t>Decorators</a:t>
+            </a:r>
           </a:p>
         </p:txBody>
       </p:sp>
@@ -5841,7 +8682,7 @@
           <p:nvPr/>
         </p:nvPicPr>
         <p:blipFill>
-          <a:blip r:embed="rId2">
+          <a:blip r:embed="rId3">
             <a:extLst>
               <a:ext uri="{28A0092B-C50C-407E-A947-70E740481C1C}">
                 <a14:useLocalDpi xmlns:a14="http://schemas.microsoft.com/office/drawing/2010/main" val="0"/>
@@ -5854,8 +8695,38 @@
         </p:blipFill>
         <p:spPr>
           <a:xfrm>
-            <a:off x="1380744" y="2590800"/>
-            <a:ext cx="6394704" cy="3327856"/>
+            <a:off x="1969770" y="2629447"/>
+            <a:ext cx="4368800" cy="3086100"/>
+          </a:xfrm>
+          <a:prstGeom prst="rect">
+            <a:avLst/>
+          </a:prstGeom>
+        </p:spPr>
+      </p:pic>
+      <p:pic>
+        <p:nvPicPr>
+          <p:cNvPr id="3" name="Picture 2"/>
+          <p:cNvPicPr>
+            <a:picLocks noChangeAspect="1"/>
+          </p:cNvPicPr>
+          <p:nvPr/>
+        </p:nvPicPr>
+        <p:blipFill>
+          <a:blip r:embed="rId4">
+            <a:extLst>
+              <a:ext uri="{28A0092B-C50C-407E-A947-70E740481C1C}">
+                <a14:useLocalDpi xmlns:a14="http://schemas.microsoft.com/office/drawing/2010/main" val="0"/>
+              </a:ext>
+            </a:extLst>
+          </a:blip>
+          <a:stretch>
+            <a:fillRect/>
+          </a:stretch>
+        </p:blipFill>
+        <p:spPr>
+          <a:xfrm>
+            <a:off x="6625590" y="2617518"/>
+            <a:ext cx="3522980" cy="3098029"/>
           </a:xfrm>
           <a:prstGeom prst="rect">
             <a:avLst/>
@@ -5865,7 +8736,7 @@
     </p:spTree>
     <p:extLst>
       <p:ext uri="{BB962C8B-B14F-4D97-AF65-F5344CB8AC3E}">
-        <p14:creationId xmlns:p14="http://schemas.microsoft.com/office/powerpoint/2010/main" val="764747015"/>
+        <p14:creationId xmlns:p14="http://schemas.microsoft.com/office/powerpoint/2010/main" val="328156753"/>
       </p:ext>
     </p:extLst>
   </p:cSld>
@@ -5912,14 +8783,37 @@
       </p:grpSpPr>
       <p:sp>
         <p:nvSpPr>
-          <p:cNvPr id="5" name="Rectangle 4"/>
+          <p:cNvPr id="9" name="Slide Number Placeholder 8"/>
+          <p:cNvSpPr>
+            <a:spLocks noGrp="1"/>
+          </p:cNvSpPr>
+          <p:nvPr>
+            <p:ph type="sldNum" sz="quarter" idx="12"/>
+          </p:nvPr>
+        </p:nvSpPr>
+        <p:spPr/>
+        <p:txBody>
+          <a:bodyPr/>
+          <a:lstStyle/>
+          <a:p>
+            <a:fld id="{B822FDE6-25CA-0444-94EE-C6FC8C5EFEB8}" type="slidenum">
+              <a:rPr lang="en-US" smtClean="0"/>
+              <a:t>3</a:t>
+            </a:fld>
+            <a:endParaRPr lang="en-US"/>
+          </a:p>
+        </p:txBody>
+      </p:sp>
+      <p:sp>
+        <p:nvSpPr>
+          <p:cNvPr id="4" name="Rectangle 3"/>
           <p:cNvSpPr/>
           <p:nvPr/>
         </p:nvSpPr>
         <p:spPr>
           <a:xfrm>
-            <a:off x="6096" y="6096"/>
-            <a:ext cx="9144000" cy="3147015"/>
+            <a:off x="0" y="1299607"/>
+            <a:ext cx="12192000" cy="2800767"/>
           </a:xfrm>
           <a:prstGeom prst="rect">
             <a:avLst/>
@@ -5927,28 +8821,26 @@
           <a:noFill/>
         </p:spPr>
         <p:txBody>
-          <a:bodyPr wrap="square" lIns="68580" tIns="34290" rIns="68580" bIns="34290">
+          <a:bodyPr wrap="square" lIns="91440" tIns="45720" rIns="91440" bIns="45720">
             <a:spAutoFit/>
           </a:bodyPr>
           <a:lstStyle/>
           <a:p>
-            <a:pPr algn="ctr"/>
-            <a:endParaRPr lang="en-US" sz="4000" b="1" dirty="0" smtClean="0"/>
-          </a:p>
-          <a:p>
-            <a:pPr lvl="1"/>
-            <a:r>
-              <a:rPr lang="en-US" sz="3500" b="1" dirty="0" smtClean="0"/>
+            <a:r>
+              <a:rPr lang="en-US" sz="3800" dirty="0" smtClean="0"/>
+              <a:t>	</a:t>
+            </a:r>
+            <a:r>
+              <a:rPr lang="en-US" sz="3800" b="1" dirty="0" smtClean="0"/>
               <a:t>This session</a:t>
             </a:r>
           </a:p>
           <a:p>
-            <a:pPr lvl="1"/>
-            <a:endParaRPr lang="en-US" sz="2500" dirty="0" smtClean="0"/>
-          </a:p>
-          <a:p>
-            <a:pPr marL="1657350" lvl="2" indent="-742950">
-              <a:buFont typeface="Arial" panose="020B0604020202020204" pitchFamily="34" charset="0"/>
+            <a:endParaRPr lang="en-US" sz="3800" b="1" dirty="0"/>
+          </a:p>
+          <a:p>
+            <a:pPr marL="1485900" lvl="2" indent="-571500">
+              <a:buFont typeface="Arial" charset="0"/>
               <a:buChar char="•"/>
             </a:pPr>
             <a:r>
@@ -5957,8 +8849,8 @@
             </a:r>
           </a:p>
           <a:p>
-            <a:pPr marL="1657350" lvl="2" indent="-742950">
-              <a:buFont typeface="Arial" panose="020B0604020202020204" pitchFamily="34" charset="0"/>
+            <a:pPr marL="1485900" lvl="2" indent="-571500">
+              <a:buFont typeface="Arial" charset="0"/>
               <a:buChar char="•"/>
             </a:pPr>
             <a:r>
@@ -5967,8 +8859,8 @@
             </a:r>
           </a:p>
           <a:p>
-            <a:pPr marL="1657350" lvl="2" indent="-742950">
-              <a:buFont typeface="Arial" panose="020B0604020202020204" pitchFamily="34" charset="0"/>
+            <a:pPr marL="1485900" lvl="2" indent="-571500">
+              <a:buFont typeface="Arial" charset="0"/>
               <a:buChar char="•"/>
             </a:pPr>
             <a:r>
@@ -5977,8 +8869,8 @@
             </a:r>
           </a:p>
           <a:p>
-            <a:pPr marL="1657350" lvl="2" indent="-742950">
-              <a:buFont typeface="Arial" panose="020B0604020202020204" pitchFamily="34" charset="0"/>
+            <a:pPr marL="1485900" lvl="2" indent="-571500">
+              <a:buFont typeface="Arial" charset="0"/>
               <a:buChar char="•"/>
             </a:pPr>
             <a:r>
@@ -5992,7 +8884,7 @@
     </p:spTree>
     <p:extLst>
       <p:ext uri="{BB962C8B-B14F-4D97-AF65-F5344CB8AC3E}">
-        <p14:creationId xmlns:p14="http://schemas.microsoft.com/office/powerpoint/2010/main" val="528115057"/>
+        <p14:creationId xmlns:p14="http://schemas.microsoft.com/office/powerpoint/2010/main" val="1648451428"/>
       </p:ext>
     </p:extLst>
   </p:cSld>
@@ -6039,14 +8931,37 @@
       </p:grpSpPr>
       <p:sp>
         <p:nvSpPr>
-          <p:cNvPr id="5" name="Rectangle 4"/>
+          <p:cNvPr id="9" name="Slide Number Placeholder 8"/>
+          <p:cNvSpPr>
+            <a:spLocks noGrp="1"/>
+          </p:cNvSpPr>
+          <p:nvPr>
+            <p:ph type="sldNum" sz="quarter" idx="12"/>
+          </p:nvPr>
+        </p:nvSpPr>
+        <p:spPr/>
+        <p:txBody>
+          <a:bodyPr/>
+          <a:lstStyle/>
+          <a:p>
+            <a:fld id="{B822FDE6-25CA-0444-94EE-C6FC8C5EFEB8}" type="slidenum">
+              <a:rPr lang="en-US" smtClean="0"/>
+              <a:t>4</a:t>
+            </a:fld>
+            <a:endParaRPr lang="en-US"/>
+          </a:p>
+        </p:txBody>
+      </p:sp>
+      <p:sp>
+        <p:nvSpPr>
+          <p:cNvPr id="4" name="Rectangle 3"/>
           <p:cNvSpPr/>
           <p:nvPr/>
         </p:nvSpPr>
         <p:spPr>
           <a:xfrm>
-            <a:off x="6096" y="6096"/>
-            <a:ext cx="9144000" cy="4378122"/>
+            <a:off x="0" y="1299607"/>
+            <a:ext cx="12192000" cy="3647152"/>
           </a:xfrm>
           <a:prstGeom prst="rect">
             <a:avLst/>
@@ -6054,28 +8969,26 @@
           <a:noFill/>
         </p:spPr>
         <p:txBody>
-          <a:bodyPr wrap="square" lIns="68580" tIns="34290" rIns="68580" bIns="34290">
+          <a:bodyPr wrap="square" lIns="91440" tIns="45720" rIns="91440" bIns="45720">
             <a:spAutoFit/>
           </a:bodyPr>
           <a:lstStyle/>
           <a:p>
-            <a:pPr algn="ctr"/>
-            <a:endParaRPr lang="en-US" sz="4000" b="1" dirty="0" smtClean="0"/>
-          </a:p>
-          <a:p>
-            <a:pPr lvl="1"/>
-            <a:r>
-              <a:rPr lang="en-US" sz="3500" b="1" dirty="0" smtClean="0"/>
+            <a:r>
+              <a:rPr lang="en-US" sz="3800" dirty="0" smtClean="0"/>
+              <a:t>	</a:t>
+            </a:r>
+            <a:r>
+              <a:rPr lang="en-US" sz="3800" b="1" dirty="0" smtClean="0"/>
               <a:t>List comprehensions</a:t>
             </a:r>
           </a:p>
           <a:p>
-            <a:pPr lvl="1"/>
-            <a:endParaRPr lang="en-US" sz="2500" dirty="0" smtClean="0"/>
-          </a:p>
-          <a:p>
-            <a:pPr marL="1657350" lvl="2" indent="-742950">
-              <a:buFont typeface="Arial" panose="020B0604020202020204" pitchFamily="34" charset="0"/>
+            <a:endParaRPr lang="en-US" sz="3800" b="1" dirty="0"/>
+          </a:p>
+          <a:p>
+            <a:pPr marL="1485900" lvl="2" indent="-571500">
+              <a:buFont typeface="Arial" charset="0"/>
               <a:buChar char="•"/>
             </a:pPr>
             <a:r>
@@ -6084,104 +8997,125 @@
             </a:r>
           </a:p>
           <a:p>
-            <a:pPr marL="1657350" lvl="2" indent="-742950">
-              <a:buFont typeface="Arial" panose="020B0604020202020204" pitchFamily="34" charset="0"/>
+            <a:pPr marL="1485900" lvl="2" indent="-571500">
+              <a:buFont typeface="Arial" charset="0"/>
               <a:buChar char="•"/>
             </a:pPr>
             <a:r>
-              <a:rPr lang="en-AU" sz="2500" dirty="0" smtClean="0"/>
+              <a:rPr lang="en-AU" sz="2500" dirty="0"/>
               <a:t>[</a:t>
             </a:r>
             <a:r>
-              <a:rPr lang="en-AU" sz="2500" i="1" dirty="0" smtClean="0"/>
-              <a:t>expression</a:t>
-            </a:r>
-            <a:r>
-              <a:rPr lang="en-AU" sz="2500" dirty="0" smtClean="0"/>
+              <a:rPr lang="en-AU" sz="2500" i="1" dirty="0"/>
+              <a:t>epression</a:t>
+            </a:r>
+            <a:r>
+              <a:rPr lang="en-AU" sz="2500" dirty="0"/>
               <a:t> for </a:t>
             </a:r>
             <a:r>
-              <a:rPr lang="en-AU" sz="2500" i="1" dirty="0" smtClean="0"/>
-              <a:t>variable</a:t>
-            </a:r>
-            <a:r>
-              <a:rPr lang="en-AU" sz="2500" dirty="0" smtClean="0"/>
+              <a:rPr lang="en-AU" sz="2500" i="1" dirty="0"/>
+              <a:t>variableName</a:t>
+            </a:r>
+            <a:r>
+              <a:rPr lang="en-AU" sz="2500" dirty="0"/>
               <a:t> in </a:t>
             </a:r>
             <a:r>
-              <a:rPr lang="en-AU" sz="2500" i="1" dirty="0" smtClean="0"/>
-              <a:t>iterable</a:t>
-            </a:r>
-            <a:r>
-              <a:rPr lang="en-AU" sz="2500" dirty="0" smtClean="0"/>
-              <a:t> </a:t>
-            </a:r>
-            <a:r>
-              <a:rPr lang="en-AU" sz="2500" i="1" dirty="0" smtClean="0"/>
-              <a:t>conditional</a:t>
-            </a:r>
-            <a:r>
-              <a:rPr lang="en-AU" sz="2500" dirty="0" smtClean="0"/>
+              <a:rPr lang="en-AU" sz="2500" i="1" dirty="0"/>
+              <a:t>iterable conditional</a:t>
+            </a:r>
+            <a:r>
+              <a:rPr lang="en-AU" sz="2500" dirty="0"/>
               <a:t>]</a:t>
             </a:r>
           </a:p>
           <a:p>
-            <a:pPr marL="2114550" lvl="3" indent="-742950">
-              <a:buFont typeface="Arial" panose="020B0604020202020204" pitchFamily="34" charset="0"/>
+            <a:pPr marL="1943100" lvl="3" indent="-571500">
+              <a:buFont typeface="Arial" charset="0"/>
               <a:buChar char="•"/>
             </a:pPr>
             <a:r>
+              <a:rPr lang="en-AU" sz="2000" i="1" dirty="0"/>
+              <a:t>expression</a:t>
+            </a:r>
+            <a:r>
               <a:rPr lang="en-AU" sz="2000" dirty="0"/>
-              <a:t>expression – a mathematical equation or </a:t>
-            </a:r>
-            <a:r>
-              <a:rPr lang="en-AU" sz="2000" dirty="0" smtClean="0"/>
-              <a:t>function</a:t>
-            </a:r>
-            <a:endParaRPr lang="en-AU" sz="2000" dirty="0"/>
-          </a:p>
-          <a:p>
-            <a:pPr marL="2114550" lvl="3" indent="-742950">
-              <a:buFont typeface="Arial" panose="020B0604020202020204" pitchFamily="34" charset="0"/>
+              <a:t> </a:t>
+            </a:r>
+            <a:r>
+              <a:rPr lang="mr-IN" sz="2000" dirty="0"/>
+              <a:t>–</a:t>
+            </a:r>
+            <a:r>
+              <a:rPr lang="en-AU" sz="2000" dirty="0"/>
+              <a:t> a mathematical equation or function</a:t>
+            </a:r>
+          </a:p>
+          <a:p>
+            <a:pPr marL="1943100" lvl="3" indent="-571500">
+              <a:buFont typeface="Arial" charset="0"/>
               <a:buChar char="•"/>
             </a:pPr>
             <a:r>
-              <a:rPr lang="en-AU" sz="2000" dirty="0" smtClean="0"/>
-              <a:t>variable </a:t>
+              <a:rPr lang="en-AU" sz="2000" i="1" dirty="0"/>
+              <a:t>variableName</a:t>
             </a:r>
             <a:r>
               <a:rPr lang="en-AU" sz="2000" dirty="0"/>
-              <a:t>– a placeholder, as in a foreach </a:t>
-            </a:r>
-            <a:r>
-              <a:rPr lang="en-AU" sz="2000" dirty="0" smtClean="0"/>
-              <a:t>loop</a:t>
-            </a:r>
-            <a:endParaRPr lang="en-AU" sz="2000" dirty="0"/>
-          </a:p>
-          <a:p>
-            <a:pPr marL="2114550" lvl="3" indent="-742950">
-              <a:buFont typeface="Arial" panose="020B0604020202020204" pitchFamily="34" charset="0"/>
+              <a:t> </a:t>
+            </a:r>
+            <a:r>
+              <a:rPr lang="mr-IN" sz="2000" dirty="0"/>
+              <a:t>–</a:t>
+            </a:r>
+            <a:r>
+              <a:rPr lang="en-AU" sz="2000" dirty="0"/>
+              <a:t> a placeholder, as in a foreach loop</a:t>
+            </a:r>
+          </a:p>
+          <a:p>
+            <a:pPr marL="1943100" lvl="3" indent="-571500">
+              <a:buFont typeface="Arial" charset="0"/>
               <a:buChar char="•"/>
             </a:pPr>
             <a:r>
+              <a:rPr lang="en-AU" sz="2000" i="1" dirty="0"/>
+              <a:t>iterable</a:t>
+            </a:r>
+            <a:r>
               <a:rPr lang="en-AU" sz="2000" dirty="0"/>
-              <a:t>iterable – any collection that has a next </a:t>
-            </a:r>
-            <a:r>
-              <a:rPr lang="en-AU" sz="2000" dirty="0" smtClean="0"/>
-              <a:t>function</a:t>
-            </a:r>
-            <a:endParaRPr lang="en-AU" sz="2000" dirty="0"/>
-          </a:p>
-          <a:p>
-            <a:pPr marL="2114550" lvl="3" indent="-742950">
-              <a:buFont typeface="Arial" panose="020B0604020202020204" pitchFamily="34" charset="0"/>
+              <a:t> </a:t>
+            </a:r>
+            <a:r>
+              <a:rPr lang="mr-IN" sz="2000" dirty="0"/>
+              <a:t>–</a:t>
+            </a:r>
+            <a:r>
+              <a:rPr lang="en-AU" sz="2000" dirty="0"/>
+              <a:t> any collection that has a next function</a:t>
+            </a:r>
+          </a:p>
+          <a:p>
+            <a:pPr marL="1943100" lvl="3" indent="-571500">
+              <a:buFont typeface="Arial" charset="0"/>
               <a:buChar char="•"/>
             </a:pPr>
             <a:r>
+              <a:rPr lang="en-AU" sz="2000" i="1" dirty="0"/>
+              <a:t>conditional </a:t>
+            </a:r>
+            <a:r>
+              <a:rPr lang="mr-IN" sz="2000" i="1" dirty="0"/>
+              <a:t>–</a:t>
+            </a:r>
+            <a:r>
+              <a:rPr lang="en-AU" sz="2000" i="1" dirty="0"/>
+              <a:t> </a:t>
+            </a:r>
+            <a:r>
               <a:rPr lang="en-AU" sz="2000" dirty="0"/>
-              <a:t>conditional – a filter on the items in the </a:t>
+              <a:t>a filter on the items in the </a:t>
             </a:r>
             <a:r>
               <a:rPr lang="en-AU" sz="2000" dirty="0" smtClean="0"/>
@@ -6189,22 +9123,21 @@
             </a:r>
           </a:p>
           <a:p>
-            <a:pPr marL="1657350" lvl="2" indent="-742950">
-              <a:buFont typeface="Arial" panose="020B0604020202020204" pitchFamily="34" charset="0"/>
+            <a:pPr marL="1485900" lvl="2" indent="-571500">
+              <a:buFont typeface="Arial" charset="0"/>
               <a:buChar char="•"/>
             </a:pPr>
             <a:r>
               <a:rPr lang="en-AU" sz="2500" dirty="0" smtClean="0"/>
               <a:t>Returns a new list containing all the results</a:t>
             </a:r>
-            <a:endParaRPr lang="en-US" sz="2500" dirty="0" smtClean="0"/>
           </a:p>
         </p:txBody>
       </p:sp>
     </p:spTree>
     <p:extLst>
       <p:ext uri="{BB962C8B-B14F-4D97-AF65-F5344CB8AC3E}">
-        <p14:creationId xmlns:p14="http://schemas.microsoft.com/office/powerpoint/2010/main" val="623114374"/>
+        <p14:creationId xmlns:p14="http://schemas.microsoft.com/office/powerpoint/2010/main" val="1209215828"/>
       </p:ext>
     </p:extLst>
   </p:cSld>
@@ -6251,14 +9184,37 @@
       </p:grpSpPr>
       <p:sp>
         <p:nvSpPr>
-          <p:cNvPr id="5" name="Rectangle 4"/>
+          <p:cNvPr id="9" name="Slide Number Placeholder 8"/>
+          <p:cNvSpPr>
+            <a:spLocks noGrp="1"/>
+          </p:cNvSpPr>
+          <p:nvPr>
+            <p:ph type="sldNum" sz="quarter" idx="12"/>
+          </p:nvPr>
+        </p:nvSpPr>
+        <p:spPr/>
+        <p:txBody>
+          <a:bodyPr/>
+          <a:lstStyle/>
+          <a:p>
+            <a:fld id="{B822FDE6-25CA-0444-94EE-C6FC8C5EFEB8}" type="slidenum">
+              <a:rPr lang="en-US" smtClean="0"/>
+              <a:t>5</a:t>
+            </a:fld>
+            <a:endParaRPr lang="en-US"/>
+          </a:p>
+        </p:txBody>
+      </p:sp>
+      <p:sp>
+        <p:nvSpPr>
+          <p:cNvPr id="4" name="Rectangle 3"/>
           <p:cNvSpPr/>
           <p:nvPr/>
         </p:nvSpPr>
         <p:spPr>
           <a:xfrm>
-            <a:off x="6096" y="6096"/>
-            <a:ext cx="9144000" cy="2762295"/>
+            <a:off x="0" y="1299607"/>
+            <a:ext cx="12192000" cy="2416046"/>
           </a:xfrm>
           <a:prstGeom prst="rect">
             <a:avLst/>
@@ -6266,38 +9222,36 @@
           <a:noFill/>
         </p:spPr>
         <p:txBody>
-          <a:bodyPr wrap="square" lIns="68580" tIns="34290" rIns="68580" bIns="34290">
+          <a:bodyPr wrap="square" lIns="91440" tIns="45720" rIns="91440" bIns="45720">
             <a:spAutoFit/>
           </a:bodyPr>
           <a:lstStyle/>
           <a:p>
-            <a:pPr algn="ctr"/>
-            <a:endParaRPr lang="en-US" sz="4000" b="1" dirty="0" smtClean="0"/>
-          </a:p>
-          <a:p>
-            <a:pPr lvl="1"/>
-            <a:r>
-              <a:rPr lang="en-US" sz="3500" b="1" dirty="0" smtClean="0"/>
+            <a:r>
+              <a:rPr lang="en-US" sz="3800" dirty="0" smtClean="0"/>
+              <a:t>	</a:t>
+            </a:r>
+            <a:r>
+              <a:rPr lang="en-US" sz="3800" b="1" dirty="0" smtClean="0"/>
               <a:t>List comprehensions</a:t>
             </a:r>
           </a:p>
           <a:p>
-            <a:pPr lvl="1"/>
-            <a:endParaRPr lang="en-US" sz="2500" dirty="0" smtClean="0"/>
-          </a:p>
-          <a:p>
-            <a:pPr marL="1657350" lvl="2" indent="-742950">
-              <a:buFont typeface="Arial" panose="020B0604020202020204" pitchFamily="34" charset="0"/>
+            <a:endParaRPr lang="en-US" sz="3800" b="1" dirty="0"/>
+          </a:p>
+          <a:p>
+            <a:pPr marL="1485900" lvl="2" indent="-571500">
+              <a:buFont typeface="Arial" charset="0"/>
               <a:buChar char="•"/>
             </a:pPr>
             <a:r>
               <a:rPr lang="en-AU" sz="2500" dirty="0" smtClean="0"/>
-              <a:t>Imperative syntax</a:t>
-            </a:r>
-          </a:p>
-          <a:p>
-            <a:pPr marL="1657350" lvl="2" indent="-742950">
-              <a:buFont typeface="Arial" panose="020B0604020202020204" pitchFamily="34" charset="0"/>
+              <a:t>Imperative-style</a:t>
+            </a:r>
+          </a:p>
+          <a:p>
+            <a:pPr marL="1485900" lvl="2" indent="-571500">
+              <a:buFont typeface="Arial" charset="0"/>
               <a:buChar char="•"/>
             </a:pPr>
             <a:r>
@@ -6306,15 +9260,14 @@
             </a:r>
           </a:p>
           <a:p>
-            <a:pPr marL="1657350" lvl="2" indent="-742950">
-              <a:buFont typeface="Arial" panose="020B0604020202020204" pitchFamily="34" charset="0"/>
+            <a:pPr marL="1485900" lvl="2" indent="-571500">
+              <a:buFont typeface="Arial" charset="0"/>
               <a:buChar char="•"/>
             </a:pPr>
             <a:r>
               <a:rPr lang="en-AU" sz="2500" dirty="0" smtClean="0"/>
               <a:t>List comprehension</a:t>
             </a:r>
-            <a:endParaRPr lang="en-US" sz="2500" dirty="0" smtClean="0"/>
           </a:p>
         </p:txBody>
       </p:sp>
@@ -6327,7 +9280,7 @@
           <p:nvPr/>
         </p:nvPicPr>
         <p:blipFill>
-          <a:blip r:embed="rId2">
+          <a:blip r:embed="rId3">
             <a:extLst>
               <a:ext uri="{28A0092B-C50C-407E-A947-70E740481C1C}">
                 <a14:useLocalDpi xmlns:a14="http://schemas.microsoft.com/office/drawing/2010/main" val="0"/>
@@ -6340,8 +9293,8 @@
         </p:blipFill>
         <p:spPr>
           <a:xfrm>
-            <a:off x="2095246" y="3200400"/>
-            <a:ext cx="4965700" cy="3237823"/>
+            <a:off x="6096000" y="1791603"/>
+            <a:ext cx="3911600" cy="3848100"/>
           </a:xfrm>
           <a:prstGeom prst="rect">
             <a:avLst/>
@@ -6351,7 +9304,7 @@
     </p:spTree>
     <p:extLst>
       <p:ext uri="{BB962C8B-B14F-4D97-AF65-F5344CB8AC3E}">
-        <p14:creationId xmlns:p14="http://schemas.microsoft.com/office/powerpoint/2010/main" val="853112936"/>
+        <p14:creationId xmlns:p14="http://schemas.microsoft.com/office/powerpoint/2010/main" val="145852069"/>
       </p:ext>
     </p:extLst>
   </p:cSld>
@@ -6398,14 +9351,37 @@
       </p:grpSpPr>
       <p:sp>
         <p:nvSpPr>
-          <p:cNvPr id="5" name="Rectangle 4"/>
+          <p:cNvPr id="9" name="Slide Number Placeholder 8"/>
+          <p:cNvSpPr>
+            <a:spLocks noGrp="1"/>
+          </p:cNvSpPr>
+          <p:nvPr>
+            <p:ph type="sldNum" sz="quarter" idx="12"/>
+          </p:nvPr>
+        </p:nvSpPr>
+        <p:spPr/>
+        <p:txBody>
+          <a:bodyPr/>
+          <a:lstStyle/>
+          <a:p>
+            <a:fld id="{B822FDE6-25CA-0444-94EE-C6FC8C5EFEB8}" type="slidenum">
+              <a:rPr lang="en-US" smtClean="0"/>
+              <a:t>6</a:t>
+            </a:fld>
+            <a:endParaRPr lang="en-US"/>
+          </a:p>
+        </p:txBody>
+      </p:sp>
+      <p:sp>
+        <p:nvSpPr>
+          <p:cNvPr id="4" name="Rectangle 3"/>
           <p:cNvSpPr/>
           <p:nvPr/>
         </p:nvSpPr>
         <p:spPr>
           <a:xfrm>
-            <a:off x="6096" y="6096"/>
-            <a:ext cx="9144000" cy="2762295"/>
+            <a:off x="0" y="1299607"/>
+            <a:ext cx="12192000" cy="2800767"/>
           </a:xfrm>
           <a:prstGeom prst="rect">
             <a:avLst/>
@@ -6413,38 +9389,36 @@
           <a:noFill/>
         </p:spPr>
         <p:txBody>
-          <a:bodyPr wrap="square" lIns="68580" tIns="34290" rIns="68580" bIns="34290">
+          <a:bodyPr wrap="square" lIns="91440" tIns="45720" rIns="91440" bIns="45720">
             <a:spAutoFit/>
           </a:bodyPr>
           <a:lstStyle/>
           <a:p>
-            <a:pPr algn="ctr"/>
-            <a:endParaRPr lang="en-US" sz="4000" b="1" dirty="0" smtClean="0"/>
-          </a:p>
-          <a:p>
-            <a:pPr lvl="1"/>
-            <a:r>
-              <a:rPr lang="en-US" sz="3500" b="1" dirty="0" smtClean="0"/>
+            <a:r>
+              <a:rPr lang="en-US" sz="3800" dirty="0" smtClean="0"/>
+              <a:t>	</a:t>
+            </a:r>
+            <a:r>
+              <a:rPr lang="en-US" sz="3800" b="1" dirty="0" smtClean="0"/>
               <a:t>List comprehensions</a:t>
             </a:r>
           </a:p>
           <a:p>
-            <a:pPr lvl="1"/>
-            <a:endParaRPr lang="en-US" sz="2500" dirty="0" smtClean="0"/>
-          </a:p>
-          <a:p>
-            <a:pPr marL="1657350" lvl="2" indent="-742950">
-              <a:buFont typeface="Arial" panose="020B0604020202020204" pitchFamily="34" charset="0"/>
+            <a:endParaRPr lang="en-US" sz="3800" b="1" dirty="0"/>
+          </a:p>
+          <a:p>
+            <a:pPr marL="1485900" lvl="2" indent="-571500">
+              <a:buFont typeface="Arial" charset="0"/>
               <a:buChar char="•"/>
             </a:pPr>
             <a:r>
               <a:rPr lang="en-AU" sz="2500" dirty="0" smtClean="0"/>
-              <a:t>Doesn’t have to be a complete function like lambda</a:t>
-            </a:r>
-          </a:p>
-          <a:p>
-            <a:pPr marL="1657350" lvl="2" indent="-742950">
-              <a:buFont typeface="Arial" panose="020B0604020202020204" pitchFamily="34" charset="0"/>
+              <a:t>Doesn’t have to be a complete function definition like lambda</a:t>
+            </a:r>
+          </a:p>
+          <a:p>
+            <a:pPr marL="1485900" lvl="2" indent="-571500">
+              <a:buFont typeface="Arial" charset="0"/>
               <a:buChar char="•"/>
             </a:pPr>
             <a:r>
@@ -6453,28 +9427,34 @@
             </a:r>
           </a:p>
           <a:p>
-            <a:pPr marL="1657350" lvl="2" indent="-742950">
-              <a:buFont typeface="Arial" panose="020B0604020202020204" pitchFamily="34" charset="0"/>
+            <a:pPr marL="1485900" lvl="2" indent="-571500">
+              <a:buFont typeface="Arial" charset="0"/>
               <a:buChar char="•"/>
             </a:pPr>
             <a:r>
               <a:rPr lang="en-AU" sz="2500" dirty="0" smtClean="0"/>
               <a:t>Considered idiomatic Python</a:t>
             </a:r>
-            <a:endParaRPr lang="en-US" sz="2500" dirty="0" smtClean="0"/>
+          </a:p>
+          <a:p>
+            <a:pPr marL="1485900" lvl="2" indent="-571500">
+              <a:buFont typeface="Arial" charset="0"/>
+              <a:buChar char="•"/>
+            </a:pPr>
+            <a:endParaRPr lang="en-AU" sz="2500" dirty="0" smtClean="0"/>
           </a:p>
         </p:txBody>
       </p:sp>
       <p:pic>
         <p:nvPicPr>
-          <p:cNvPr id="4" name="Picture 3"/>
+          <p:cNvPr id="3" name="Picture 2"/>
           <p:cNvPicPr>
             <a:picLocks noChangeAspect="1"/>
           </p:cNvPicPr>
           <p:nvPr/>
         </p:nvPicPr>
         <p:blipFill>
-          <a:blip r:embed="rId2">
+          <a:blip r:embed="rId3">
             <a:extLst>
               <a:ext uri="{28A0092B-C50C-407E-A947-70E740481C1C}">
                 <a14:useLocalDpi xmlns:a14="http://schemas.microsoft.com/office/drawing/2010/main" val="0"/>
@@ -6487,8 +9467,8 @@
         </p:blipFill>
         <p:spPr>
           <a:xfrm>
-            <a:off x="1415796" y="3276600"/>
-            <a:ext cx="6324600" cy="1896556"/>
+            <a:off x="6908800" y="3734614"/>
+            <a:ext cx="4445000" cy="1993900"/>
           </a:xfrm>
           <a:prstGeom prst="rect">
             <a:avLst/>
@@ -6498,7 +9478,7 @@
     </p:spTree>
     <p:extLst>
       <p:ext uri="{BB962C8B-B14F-4D97-AF65-F5344CB8AC3E}">
-        <p14:creationId xmlns:p14="http://schemas.microsoft.com/office/powerpoint/2010/main" val="1659025244"/>
+        <p14:creationId xmlns:p14="http://schemas.microsoft.com/office/powerpoint/2010/main" val="911151962"/>
       </p:ext>
     </p:extLst>
   </p:cSld>
@@ -6545,14 +9525,37 @@
       </p:grpSpPr>
       <p:sp>
         <p:nvSpPr>
-          <p:cNvPr id="5" name="Rectangle 4"/>
+          <p:cNvPr id="9" name="Slide Number Placeholder 8"/>
+          <p:cNvSpPr>
+            <a:spLocks noGrp="1"/>
+          </p:cNvSpPr>
+          <p:nvPr>
+            <p:ph type="sldNum" sz="quarter" idx="12"/>
+          </p:nvPr>
+        </p:nvSpPr>
+        <p:spPr/>
+        <p:txBody>
+          <a:bodyPr/>
+          <a:lstStyle/>
+          <a:p>
+            <a:fld id="{B822FDE6-25CA-0444-94EE-C6FC8C5EFEB8}" type="slidenum">
+              <a:rPr lang="en-US" smtClean="0"/>
+              <a:t>7</a:t>
+            </a:fld>
+            <a:endParaRPr lang="en-US"/>
+          </a:p>
+        </p:txBody>
+      </p:sp>
+      <p:sp>
+        <p:nvSpPr>
+          <p:cNvPr id="4" name="Rectangle 3"/>
           <p:cNvSpPr/>
           <p:nvPr/>
         </p:nvSpPr>
         <p:spPr>
           <a:xfrm>
-            <a:off x="6096" y="6096"/>
-            <a:ext cx="9144000" cy="2377574"/>
+            <a:off x="0" y="1299607"/>
+            <a:ext cx="12192000" cy="1646605"/>
           </a:xfrm>
           <a:prstGeom prst="rect">
             <a:avLst/>
@@ -6560,48 +9563,45 @@
           <a:noFill/>
         </p:spPr>
         <p:txBody>
-          <a:bodyPr wrap="square" lIns="68580" tIns="34290" rIns="68580" bIns="34290">
+          <a:bodyPr wrap="square" lIns="91440" tIns="45720" rIns="91440" bIns="45720">
             <a:spAutoFit/>
           </a:bodyPr>
           <a:lstStyle/>
           <a:p>
-            <a:pPr algn="ctr"/>
-            <a:endParaRPr lang="en-US" sz="4000" b="1" dirty="0" smtClean="0"/>
-          </a:p>
-          <a:p>
-            <a:pPr lvl="1"/>
-            <a:r>
-              <a:rPr lang="en-US" sz="3500" b="1" dirty="0" smtClean="0"/>
+            <a:r>
+              <a:rPr lang="en-US" sz="3800" dirty="0" smtClean="0"/>
+              <a:t>	</a:t>
+            </a:r>
+            <a:r>
+              <a:rPr lang="en-US" sz="3800" b="1" dirty="0" smtClean="0"/>
               <a:t>List comprehensions</a:t>
             </a:r>
           </a:p>
           <a:p>
-            <a:pPr lvl="1"/>
-            <a:endParaRPr lang="en-US" sz="2500" dirty="0" smtClean="0"/>
-          </a:p>
-          <a:p>
-            <a:pPr marL="1657350" lvl="2" indent="-742950">
-              <a:buFont typeface="Arial" panose="020B0604020202020204" pitchFamily="34" charset="0"/>
+            <a:endParaRPr lang="en-US" sz="3800" b="1" dirty="0" smtClean="0"/>
+          </a:p>
+          <a:p>
+            <a:pPr marL="1485900" lvl="2" indent="-571500">
+              <a:buFont typeface="Arial" charset="0"/>
               <a:buChar char="•"/>
             </a:pPr>
             <a:r>
               <a:rPr lang="en-AU" sz="2500" dirty="0" smtClean="0"/>
-              <a:t>List comprehensions are significantly faster than 	imperative style</a:t>
-            </a:r>
-            <a:endParaRPr lang="en-US" sz="2500" dirty="0" smtClean="0"/>
+              <a:t>List comprehension are significantly faster than imperative-style</a:t>
+            </a:r>
           </a:p>
         </p:txBody>
       </p:sp>
       <p:pic>
         <p:nvPicPr>
-          <p:cNvPr id="4" name="Picture 3"/>
+          <p:cNvPr id="5" name="Picture 4"/>
           <p:cNvPicPr>
             <a:picLocks noChangeAspect="1"/>
           </p:cNvPicPr>
           <p:nvPr/>
         </p:nvPicPr>
         <p:blipFill>
-          <a:blip r:embed="rId2">
+          <a:blip r:embed="rId3">
             <a:extLst>
               <a:ext uri="{28A0092B-C50C-407E-A947-70E740481C1C}">
                 <a14:useLocalDpi xmlns:a14="http://schemas.microsoft.com/office/drawing/2010/main" val="0"/>
@@ -6614,8 +9614,8 @@
         </p:blipFill>
         <p:spPr>
           <a:xfrm>
-            <a:off x="1415796" y="3276600"/>
-            <a:ext cx="6324600" cy="1896556"/>
+            <a:off x="2534751" y="3246437"/>
+            <a:ext cx="7122497" cy="3292475"/>
           </a:xfrm>
           <a:prstGeom prst="rect">
             <a:avLst/>
@@ -6625,7 +9625,7 @@
     </p:spTree>
     <p:extLst>
       <p:ext uri="{BB962C8B-B14F-4D97-AF65-F5344CB8AC3E}">
-        <p14:creationId xmlns:p14="http://schemas.microsoft.com/office/powerpoint/2010/main" val="62022601"/>
+        <p14:creationId xmlns:p14="http://schemas.microsoft.com/office/powerpoint/2010/main" val="1877573971"/>
       </p:ext>
     </p:extLst>
   </p:cSld>
@@ -6672,14 +9672,37 @@
       </p:grpSpPr>
       <p:sp>
         <p:nvSpPr>
-          <p:cNvPr id="5" name="Rectangle 4"/>
+          <p:cNvPr id="9" name="Slide Number Placeholder 8"/>
+          <p:cNvSpPr>
+            <a:spLocks noGrp="1"/>
+          </p:cNvSpPr>
+          <p:nvPr>
+            <p:ph type="sldNum" sz="quarter" idx="12"/>
+          </p:nvPr>
+        </p:nvSpPr>
+        <p:spPr/>
+        <p:txBody>
+          <a:bodyPr/>
+          <a:lstStyle/>
+          <a:p>
+            <a:fld id="{B822FDE6-25CA-0444-94EE-C6FC8C5EFEB8}" type="slidenum">
+              <a:rPr lang="en-US" smtClean="0"/>
+              <a:t>8</a:t>
+            </a:fld>
+            <a:endParaRPr lang="en-US"/>
+          </a:p>
+        </p:txBody>
+      </p:sp>
+      <p:sp>
+        <p:nvSpPr>
+          <p:cNvPr id="4" name="Rectangle 3"/>
           <p:cNvSpPr/>
           <p:nvPr/>
         </p:nvSpPr>
         <p:spPr>
           <a:xfrm>
-            <a:off x="6096" y="6096"/>
-            <a:ext cx="9144000" cy="1223412"/>
+            <a:off x="0" y="1299607"/>
+            <a:ext cx="12192000" cy="2031325"/>
           </a:xfrm>
           <a:prstGeom prst="rect">
             <a:avLst/>
@@ -6687,27 +9710,41 @@
           <a:noFill/>
         </p:spPr>
         <p:txBody>
-          <a:bodyPr wrap="square" lIns="68580" tIns="34290" rIns="68580" bIns="34290">
+          <a:bodyPr wrap="square" lIns="91440" tIns="45720" rIns="91440" bIns="45720">
             <a:spAutoFit/>
           </a:bodyPr>
           <a:lstStyle/>
           <a:p>
-            <a:pPr algn="ctr"/>
-            <a:endParaRPr lang="en-US" sz="4000" b="1" dirty="0" smtClean="0"/>
-          </a:p>
-          <a:p>
-            <a:pPr lvl="1"/>
-            <a:r>
-              <a:rPr lang="en-US" sz="3500" b="1" dirty="0" smtClean="0"/>
-              <a:t>Example </a:t>
-            </a:r>
-            <a:r>
-              <a:rPr lang="mr-IN" sz="3500" b="1" dirty="0" smtClean="0"/>
-              <a:t>–</a:t>
-            </a:r>
-            <a:r>
-              <a:rPr lang="en-US" sz="3500" b="1" dirty="0" smtClean="0"/>
-              <a:t> imperative vs list comprehension</a:t>
+            <a:r>
+              <a:rPr lang="en-US" sz="3800" dirty="0" smtClean="0"/>
+              <a:t>	</a:t>
+            </a:r>
+            <a:r>
+              <a:rPr lang="en-US" sz="3800" b="1" dirty="0" smtClean="0"/>
+              <a:t>List comprehensions</a:t>
+            </a:r>
+          </a:p>
+          <a:p>
+            <a:endParaRPr lang="en-US" sz="3800" b="1" dirty="0" smtClean="0"/>
+          </a:p>
+          <a:p>
+            <a:pPr marL="1485900" lvl="2" indent="-571500">
+              <a:buFont typeface="Arial" charset="0"/>
+              <a:buChar char="•"/>
+            </a:pPr>
+            <a:r>
+              <a:rPr lang="en-AU" sz="2500" dirty="0" smtClean="0"/>
+              <a:t>Conditional filtering</a:t>
+            </a:r>
+          </a:p>
+          <a:p>
+            <a:pPr marL="1485900" lvl="2" indent="-571500">
+              <a:buFont typeface="Arial" charset="0"/>
+              <a:buChar char="•"/>
+            </a:pPr>
+            <a:r>
+              <a:rPr lang="en-AU" sz="2500" dirty="0" smtClean="0"/>
+              <a:t>Libraries can used with in the list comprehension </a:t>
             </a:r>
           </a:p>
         </p:txBody>
@@ -6721,7 +9758,7 @@
           <p:nvPr/>
         </p:nvPicPr>
         <p:blipFill>
-          <a:blip r:embed="rId2">
+          <a:blip r:embed="rId3">
             <a:extLst>
               <a:ext uri="{28A0092B-C50C-407E-A947-70E740481C1C}">
                 <a14:useLocalDpi xmlns:a14="http://schemas.microsoft.com/office/drawing/2010/main" val="0"/>
@@ -6734,8 +9771,8 @@
         </p:blipFill>
         <p:spPr>
           <a:xfrm>
-            <a:off x="1308825" y="1752600"/>
-            <a:ext cx="6538542" cy="4787900"/>
+            <a:off x="2978150" y="3896901"/>
+            <a:ext cx="6235700" cy="1600200"/>
           </a:xfrm>
           <a:prstGeom prst="rect">
             <a:avLst/>
@@ -6745,7 +9782,7 @@
     </p:spTree>
     <p:extLst>
       <p:ext uri="{BB962C8B-B14F-4D97-AF65-F5344CB8AC3E}">
-        <p14:creationId xmlns:p14="http://schemas.microsoft.com/office/powerpoint/2010/main" val="274356214"/>
+        <p14:creationId xmlns:p14="http://schemas.microsoft.com/office/powerpoint/2010/main" val="348194824"/>
       </p:ext>
     </p:extLst>
   </p:cSld>
@@ -6792,14 +9829,37 @@
       </p:grpSpPr>
       <p:sp>
         <p:nvSpPr>
-          <p:cNvPr id="5" name="Rectangle 4"/>
+          <p:cNvPr id="9" name="Slide Number Placeholder 8"/>
+          <p:cNvSpPr>
+            <a:spLocks noGrp="1"/>
+          </p:cNvSpPr>
+          <p:nvPr>
+            <p:ph type="sldNum" sz="quarter" idx="12"/>
+          </p:nvPr>
+        </p:nvSpPr>
+        <p:spPr/>
+        <p:txBody>
+          <a:bodyPr/>
+          <a:lstStyle/>
+          <a:p>
+            <a:fld id="{B822FDE6-25CA-0444-94EE-C6FC8C5EFEB8}" type="slidenum">
+              <a:rPr lang="en-US" smtClean="0"/>
+              <a:t>9</a:t>
+            </a:fld>
+            <a:endParaRPr lang="en-US"/>
+          </a:p>
+        </p:txBody>
+      </p:sp>
+      <p:sp>
+        <p:nvSpPr>
+          <p:cNvPr id="4" name="Rectangle 3"/>
           <p:cNvSpPr/>
           <p:nvPr/>
         </p:nvSpPr>
         <p:spPr>
           <a:xfrm>
-            <a:off x="6096" y="6096"/>
-            <a:ext cx="9144000" cy="2377574"/>
+            <a:off x="0" y="1299607"/>
+            <a:ext cx="12192000" cy="677108"/>
           </a:xfrm>
           <a:prstGeom prst="rect">
             <a:avLst/>
@@ -6807,58 +9867,32 @@
           <a:noFill/>
         </p:spPr>
         <p:txBody>
-          <a:bodyPr wrap="square" lIns="68580" tIns="34290" rIns="68580" bIns="34290">
+          <a:bodyPr wrap="square" lIns="91440" tIns="45720" rIns="91440" bIns="45720">
             <a:spAutoFit/>
           </a:bodyPr>
           <a:lstStyle/>
           <a:p>
-            <a:pPr algn="ctr"/>
-            <a:endParaRPr lang="en-US" sz="4000" b="1" dirty="0" smtClean="0"/>
-          </a:p>
-          <a:p>
-            <a:pPr lvl="1"/>
-            <a:r>
-              <a:rPr lang="en-US" sz="3500" b="1" dirty="0" smtClean="0"/>
+            <a:r>
+              <a:rPr lang="en-US" sz="3800" dirty="0" smtClean="0"/>
+              <a:t>	</a:t>
+            </a:r>
+            <a:r>
+              <a:rPr lang="en-US" sz="3800" b="1" dirty="0" smtClean="0"/>
               <a:t>List comprehensions</a:t>
             </a:r>
-          </a:p>
-          <a:p>
-            <a:pPr lvl="1"/>
-            <a:endParaRPr lang="en-US" sz="2500" dirty="0" smtClean="0"/>
-          </a:p>
-          <a:p>
-            <a:pPr marL="1657350" lvl="2" indent="-742950">
-              <a:buFont typeface="Arial" panose="020B0604020202020204" pitchFamily="34" charset="0"/>
-              <a:buChar char="•"/>
-            </a:pPr>
-            <a:r>
-              <a:rPr lang="en-AU" sz="2500" dirty="0" smtClean="0"/>
-              <a:t>Conditional filtering</a:t>
-            </a:r>
-          </a:p>
-          <a:p>
-            <a:pPr marL="1657350" lvl="2" indent="-742950">
-              <a:buFont typeface="Arial" panose="020B0604020202020204" pitchFamily="34" charset="0"/>
-              <a:buChar char="•"/>
-            </a:pPr>
-            <a:r>
-              <a:rPr lang="en-AU" sz="2500" dirty="0" smtClean="0"/>
-              <a:t>Libraries can be used within the list comprehension</a:t>
-            </a:r>
-            <a:endParaRPr lang="en-US" sz="2500" dirty="0" smtClean="0"/>
           </a:p>
         </p:txBody>
       </p:sp>
       <p:pic>
         <p:nvPicPr>
-          <p:cNvPr id="2" name="Picture 1"/>
+          <p:cNvPr id="3" name="Picture 2"/>
           <p:cNvPicPr>
             <a:picLocks noChangeAspect="1"/>
           </p:cNvPicPr>
           <p:nvPr/>
         </p:nvPicPr>
         <p:blipFill>
-          <a:blip r:embed="rId2">
+          <a:blip r:embed="rId3">
             <a:extLst>
               <a:ext uri="{28A0092B-C50C-407E-A947-70E740481C1C}">
                 <a14:useLocalDpi xmlns:a14="http://schemas.microsoft.com/office/drawing/2010/main" val="0"/>
@@ -6871,8 +9905,8 @@
         </p:blipFill>
         <p:spPr>
           <a:xfrm>
-            <a:off x="1231646" y="2971800"/>
-            <a:ext cx="6692900" cy="1696529"/>
+            <a:off x="2286000" y="2391072"/>
+            <a:ext cx="7620000" cy="3225800"/>
           </a:xfrm>
           <a:prstGeom prst="rect">
             <a:avLst/>
@@ -6882,7 +9916,7 @@
     </p:spTree>
     <p:extLst>
       <p:ext uri="{BB962C8B-B14F-4D97-AF65-F5344CB8AC3E}">
-        <p14:creationId xmlns:p14="http://schemas.microsoft.com/office/powerpoint/2010/main" val="915251496"/>
+        <p14:creationId xmlns:p14="http://schemas.microsoft.com/office/powerpoint/2010/main" val="1030791116"/>
       </p:ext>
     </p:extLst>
   </p:cSld>
@@ -6910,45 +9944,45 @@
         <a:sysClr val="window" lastClr="FFFFFF"/>
       </a:lt1>
       <a:dk2>
-        <a:srgbClr val="1F497D"/>
+        <a:srgbClr val="44546A"/>
       </a:dk2>
       <a:lt2>
-        <a:srgbClr val="EEECE1"/>
+        <a:srgbClr val="E7E6E6"/>
       </a:lt2>
       <a:accent1>
-        <a:srgbClr val="4F81BD"/>
+        <a:srgbClr val="4472C4"/>
       </a:accent1>
       <a:accent2>
-        <a:srgbClr val="C0504D"/>
+        <a:srgbClr val="ED7D31"/>
       </a:accent2>
       <a:accent3>
-        <a:srgbClr val="9BBB59"/>
+        <a:srgbClr val="A5A5A5"/>
       </a:accent3>
       <a:accent4>
-        <a:srgbClr val="8064A2"/>
+        <a:srgbClr val="FFC000"/>
       </a:accent4>
       <a:accent5>
-        <a:srgbClr val="4BACC6"/>
+        <a:srgbClr val="5B9BD5"/>
       </a:accent5>
       <a:accent6>
-        <a:srgbClr val="F79646"/>
+        <a:srgbClr val="70AD47"/>
       </a:accent6>
       <a:hlink>
-        <a:srgbClr val="0000FF"/>
+        <a:srgbClr val="0563C1"/>
       </a:hlink>
       <a:folHlink>
-        <a:srgbClr val="800080"/>
+        <a:srgbClr val="954F72"/>
       </a:folHlink>
     </a:clrScheme>
     <a:fontScheme name="Office">
       <a:majorFont>
-        <a:latin typeface="Calibri"/>
+        <a:latin typeface="Calibri Light" panose="020F0302020204030204"/>
         <a:ea typeface=""/>
         <a:cs typeface=""/>
-        <a:font script="Jpan" typeface="MS P????"/>
-        <a:font script="Hang" typeface="?? ??"/>
-        <a:font script="Hans" typeface="??"/>
-        <a:font script="Hant" typeface="????"/>
+        <a:font script="Jpan" typeface="Yu Gothic Light"/>
+        <a:font script="Hang" typeface="맑은 고딕"/>
+        <a:font script="Hans" typeface="DengXian Light"/>
+        <a:font script="Hant" typeface="新細明體"/>
         <a:font script="Arab" typeface="Times New Roman"/>
         <a:font script="Hebr" typeface="Times New Roman"/>
         <a:font script="Thai" typeface="Angsana New"/>
@@ -6974,15 +10008,16 @@
         <a:font script="Mong" typeface="Mongolian Baiti"/>
         <a:font script="Viet" typeface="Times New Roman"/>
         <a:font script="Uigh" typeface="Microsoft Uighur"/>
+        <a:font script="Geor" typeface="Sylfaen"/>
       </a:majorFont>
       <a:minorFont>
-        <a:latin typeface="Calibri"/>
+        <a:latin typeface="Calibri" panose="020F0502020204030204"/>
         <a:ea typeface=""/>
         <a:cs typeface=""/>
-        <a:font script="Jpan" typeface="MS P????"/>
-        <a:font script="Hang" typeface="?? ??"/>
-        <a:font script="Hans" typeface="??"/>
-        <a:font script="Hant" typeface="????"/>
+        <a:font script="Jpan" typeface="Yu Gothic"/>
+        <a:font script="Hang" typeface="맑은 고딕"/>
+        <a:font script="Hans" typeface="DengXian"/>
+        <a:font script="Hant" typeface="新細明體"/>
         <a:font script="Arab" typeface="Arial"/>
         <a:font script="Hebr" typeface="Arial"/>
         <a:font script="Thai" typeface="Cordia New"/>
@@ -7008,6 +10043,7 @@
         <a:font script="Mong" typeface="Mongolian Baiti"/>
         <a:font script="Viet" typeface="Arial"/>
         <a:font script="Uigh" typeface="Microsoft Uighur"/>
+        <a:font script="Geor" typeface="Sylfaen"/>
       </a:minorFont>
     </a:fontScheme>
     <a:fmtScheme name="Office">
@@ -7019,166 +10055,142 @@
           <a:gsLst>
             <a:gs pos="0">
               <a:schemeClr val="phClr">
-                <a:tint val="50000"/>
-                <a:satMod val="300000"/>
+                <a:lumMod val="110000"/>
+                <a:satMod val="105000"/>
+                <a:tint val="67000"/>
               </a:schemeClr>
             </a:gs>
-            <a:gs pos="35000">
+            <a:gs pos="50000">
               <a:schemeClr val="phClr">
-                <a:tint val="37000"/>
-                <a:satMod val="300000"/>
+                <a:lumMod val="105000"/>
+                <a:satMod val="103000"/>
+                <a:tint val="73000"/>
               </a:schemeClr>
             </a:gs>
             <a:gs pos="100000">
               <a:schemeClr val="phClr">
-                <a:tint val="15000"/>
-                <a:satMod val="350000"/>
+                <a:lumMod val="105000"/>
+                <a:satMod val="109000"/>
+                <a:tint val="81000"/>
               </a:schemeClr>
             </a:gs>
           </a:gsLst>
-          <a:lin ang="16200000" scaled="1"/>
+          <a:lin ang="5400000" scaled="0"/>
         </a:gradFill>
         <a:gradFill rotWithShape="1">
           <a:gsLst>
             <a:gs pos="0">
               <a:schemeClr val="phClr">
-                <a:shade val="51000"/>
-                <a:satMod val="130000"/>
+                <a:satMod val="103000"/>
+                <a:lumMod val="102000"/>
+                <a:tint val="94000"/>
               </a:schemeClr>
             </a:gs>
-            <a:gs pos="80000">
+            <a:gs pos="50000">
               <a:schemeClr val="phClr">
-                <a:shade val="93000"/>
-                <a:satMod val="130000"/>
+                <a:satMod val="110000"/>
+                <a:lumMod val="100000"/>
+                <a:shade val="100000"/>
               </a:schemeClr>
             </a:gs>
             <a:gs pos="100000">
               <a:schemeClr val="phClr">
-                <a:shade val="94000"/>
-                <a:satMod val="135000"/>
+                <a:lumMod val="99000"/>
+                <a:satMod val="120000"/>
+                <a:shade val="78000"/>
               </a:schemeClr>
             </a:gs>
           </a:gsLst>
-          <a:lin ang="16200000" scaled="0"/>
+          <a:lin ang="5400000" scaled="0"/>
         </a:gradFill>
       </a:fillStyleLst>
       <a:lnStyleLst>
-        <a:ln w="9525" cap="flat" cmpd="sng" algn="ctr">
-          <a:solidFill>
-            <a:schemeClr val="phClr">
-              <a:shade val="95000"/>
-              <a:satMod val="105000"/>
-            </a:schemeClr>
-          </a:solidFill>
-          <a:prstDash val="solid"/>
-        </a:ln>
-        <a:ln w="25400" cap="flat" cmpd="sng" algn="ctr">
+        <a:ln w="6350" cap="flat" cmpd="sng" algn="ctr">
           <a:solidFill>
             <a:schemeClr val="phClr"/>
           </a:solidFill>
           <a:prstDash val="solid"/>
+          <a:miter lim="800000"/>
         </a:ln>
-        <a:ln w="38100" cap="flat" cmpd="sng" algn="ctr">
+        <a:ln w="12700" cap="flat" cmpd="sng" algn="ctr">
           <a:solidFill>
             <a:schemeClr val="phClr"/>
           </a:solidFill>
           <a:prstDash val="solid"/>
+          <a:miter lim="800000"/>
+        </a:ln>
+        <a:ln w="19050" cap="flat" cmpd="sng" algn="ctr">
+          <a:solidFill>
+            <a:schemeClr val="phClr"/>
+          </a:solidFill>
+          <a:prstDash val="solid"/>
+          <a:miter lim="800000"/>
         </a:ln>
       </a:lnStyleLst>
       <a:effectStyleLst>
         <a:effectStyle>
+          <a:effectLst/>
+        </a:effectStyle>
+        <a:effectStyle>
+          <a:effectLst/>
+        </a:effectStyle>
+        <a:effectStyle>
           <a:effectLst>
-            <a:outerShdw blurRad="40000" dist="20000" dir="5400000" rotWithShape="0">
+            <a:outerShdw blurRad="57150" dist="19050" dir="5400000" algn="ctr" rotWithShape="0">
               <a:srgbClr val="000000">
-                <a:alpha val="38000"/>
+                <a:alpha val="63000"/>
               </a:srgbClr>
             </a:outerShdw>
           </a:effectLst>
-        </a:effectStyle>
-        <a:effectStyle>
-          <a:effectLst>
-            <a:outerShdw blurRad="40000" dist="23000" dir="5400000" rotWithShape="0">
-              <a:srgbClr val="000000">
-                <a:alpha val="35000"/>
-              </a:srgbClr>
-            </a:outerShdw>
-          </a:effectLst>
-        </a:effectStyle>
-        <a:effectStyle>
-          <a:effectLst>
-            <a:outerShdw blurRad="40000" dist="23000" dir="5400000" rotWithShape="0">
-              <a:srgbClr val="000000">
-                <a:alpha val="35000"/>
-              </a:srgbClr>
-            </a:outerShdw>
-          </a:effectLst>
-          <a:scene3d>
-            <a:camera prst="orthographicFront">
-              <a:rot lat="0" lon="0" rev="0"/>
-            </a:camera>
-            <a:lightRig rig="threePt" dir="t">
-              <a:rot lat="0" lon="0" rev="1200000"/>
-            </a:lightRig>
-          </a:scene3d>
-          <a:sp3d>
-            <a:bevelT w="63500" h="25400"/>
-          </a:sp3d>
         </a:effectStyle>
       </a:effectStyleLst>
       <a:bgFillStyleLst>
         <a:solidFill>
           <a:schemeClr val="phClr"/>
         </a:solidFill>
+        <a:solidFill>
+          <a:schemeClr val="phClr">
+            <a:tint val="95000"/>
+            <a:satMod val="170000"/>
+          </a:schemeClr>
+        </a:solidFill>
         <a:gradFill rotWithShape="1">
           <a:gsLst>
             <a:gs pos="0">
               <a:schemeClr val="phClr">
-                <a:tint val="40000"/>
-                <a:satMod val="350000"/>
+                <a:tint val="93000"/>
+                <a:satMod val="150000"/>
+                <a:shade val="98000"/>
+                <a:lumMod val="102000"/>
               </a:schemeClr>
             </a:gs>
-            <a:gs pos="40000">
+            <a:gs pos="50000">
               <a:schemeClr val="phClr">
-                <a:tint val="45000"/>
-                <a:shade val="99000"/>
-                <a:satMod val="350000"/>
+                <a:tint val="98000"/>
+                <a:satMod val="130000"/>
+                <a:shade val="90000"/>
+                <a:lumMod val="103000"/>
               </a:schemeClr>
             </a:gs>
             <a:gs pos="100000">
               <a:schemeClr val="phClr">
-                <a:shade val="20000"/>
-                <a:satMod val="255000"/>
+                <a:shade val="63000"/>
+                <a:satMod val="120000"/>
               </a:schemeClr>
             </a:gs>
           </a:gsLst>
-          <a:path path="circle">
-            <a:fillToRect l="50000" t="-80000" r="50000" b="180000"/>
-          </a:path>
-        </a:gradFill>
-        <a:gradFill rotWithShape="1">
-          <a:gsLst>
-            <a:gs pos="0">
-              <a:schemeClr val="phClr">
-                <a:tint val="80000"/>
-                <a:satMod val="300000"/>
-              </a:schemeClr>
-            </a:gs>
-            <a:gs pos="100000">
-              <a:schemeClr val="phClr">
-                <a:shade val="30000"/>
-                <a:satMod val="200000"/>
-              </a:schemeClr>
-            </a:gs>
-          </a:gsLst>
-          <a:path path="circle">
-            <a:fillToRect l="50000" t="50000" r="50000" b="50000"/>
-          </a:path>
+          <a:lin ang="5400000" scaled="0"/>
         </a:gradFill>
       </a:bgFillStyleLst>
     </a:fmtScheme>
   </a:themeElements>
   <a:objectDefaults/>
   <a:extraClrSchemeLst/>
+  <a:extLst>
+    <a:ext uri="{05A4C25C-085E-4340-85A3-A5531E510DB2}">
+      <thm15:themeFamily xmlns:thm15="http://schemas.microsoft.com/office/thememl/2012/main" name="Office Theme" id="{62F939B6-93AF-4DB8-9C6B-D6C7DFDC589F}" vid="{4A3C46E8-61CC-4603-A589-7422A47A8E4A}"/>
+    </a:ext>
+  </a:extLst>
 </a:theme>
 </file>
 
